--- a/spring13/slides13/incexcI.pptx
+++ b/spring13/slides13/incexcI.pptx
@@ -5,27 +5,32 @@
     <p:sldMasterId id="2147483650" r:id="rId1"/>
   </p:sldMasterIdLst>
   <p:notesMasterIdLst>
-    <p:notesMasterId r:id="rId12"/>
+    <p:notesMasterId r:id="rId17"/>
   </p:notesMasterIdLst>
   <p:handoutMasterIdLst>
-    <p:handoutMasterId r:id="rId13"/>
+    <p:handoutMasterId r:id="rId18"/>
   </p:handoutMasterIdLst>
   <p:sldIdLst>
     <p:sldId id="524" r:id="rId2"/>
     <p:sldId id="497" r:id="rId3"/>
     <p:sldId id="498" r:id="rId4"/>
     <p:sldId id="506" r:id="rId5"/>
-    <p:sldId id="502" r:id="rId6"/>
-    <p:sldId id="561" r:id="rId7"/>
-    <p:sldId id="510" r:id="rId8"/>
-    <p:sldId id="559" r:id="rId9"/>
-    <p:sldId id="560" r:id="rId10"/>
-    <p:sldId id="511" r:id="rId11"/>
+    <p:sldId id="562" r:id="rId6"/>
+    <p:sldId id="563" r:id="rId7"/>
+    <p:sldId id="564" r:id="rId8"/>
+    <p:sldId id="566" r:id="rId9"/>
+    <p:sldId id="567" r:id="rId10"/>
+    <p:sldId id="565" r:id="rId11"/>
+    <p:sldId id="561" r:id="rId12"/>
+    <p:sldId id="510" r:id="rId13"/>
+    <p:sldId id="559" r:id="rId14"/>
+    <p:sldId id="560" r:id="rId15"/>
+    <p:sldId id="511" r:id="rId16"/>
   </p:sldIdLst>
   <p:sldSz cx="9144000" cy="6858000" type="screen4x3"/>
   <p:notesSz cx="9601200" cy="7315200"/>
   <p:custDataLst>
-    <p:tags r:id="rId15"/>
+    <p:tags r:id="rId20"/>
   </p:custDataLst>
   <p:defaultTextStyle>
     <a:defPPr>
@@ -938,6 +943,482 @@
       </p:grpSpPr>
       <p:sp>
         <p:nvSpPr>
+          <p:cNvPr id="59394" name="Rectangle 7"/>
+          <p:cNvSpPr>
+            <a:spLocks noGrp="1" noChangeArrowheads="1"/>
+          </p:cNvSpPr>
+          <p:nvPr>
+            <p:ph type="sldNum" sz="quarter" idx="5"/>
+          </p:nvPr>
+        </p:nvSpPr>
+        <p:spPr>
+          <a:noFill/>
+        </p:spPr>
+        <p:txBody>
+          <a:bodyPr/>
+          <a:lstStyle/>
+          <a:p>
+            <a:fld id="{EF632FD6-C242-45EA-9809-4F1CC77E488F}" type="slidenum">
+              <a:rPr lang="en-US" smtClean="0"/>
+              <a:pPr/>
+              <a:t>10</a:t>
+            </a:fld>
+            <a:endParaRPr lang="en-US" smtClean="0"/>
+          </a:p>
+        </p:txBody>
+      </p:sp>
+      <p:sp>
+        <p:nvSpPr>
+          <p:cNvPr id="59395" name="Rectangle 2"/>
+          <p:cNvSpPr>
+            <a:spLocks noGrp="1" noRot="1" noChangeAspect="1" noChangeArrowheads="1" noTextEdit="1"/>
+          </p:cNvSpPr>
+          <p:nvPr>
+            <p:ph type="sldImg"/>
+          </p:nvPr>
+        </p:nvSpPr>
+        <p:spPr>
+          <a:ln/>
+        </p:spPr>
+      </p:sp>
+      <p:sp>
+        <p:nvSpPr>
+          <p:cNvPr id="59396" name="Rectangle 3"/>
+          <p:cNvSpPr>
+            <a:spLocks noGrp="1" noChangeArrowheads="1"/>
+          </p:cNvSpPr>
+          <p:nvPr>
+            <p:ph type="body" idx="1"/>
+          </p:nvPr>
+        </p:nvSpPr>
+        <p:spPr>
+          <a:noFill/>
+          <a:ln/>
+        </p:spPr>
+        <p:txBody>
+          <a:bodyPr/>
+          <a:lstStyle/>
+          <a:p>
+            <a:pPr eaLnBrk="1" hangingPunct="1"/>
+            <a:endParaRPr lang="en-US" smtClean="0"/>
+          </a:p>
+        </p:txBody>
+      </p:sp>
+    </p:spTree>
+  </p:cSld>
+  <p:clrMapOvr>
+    <a:masterClrMapping/>
+  </p:clrMapOvr>
+</p:notes>
+</file>
+
+<file path=ppt/notesSlides/notesSlide11.xml><?xml version="1.0" encoding="utf-8"?>
+<p:notes xmlns:a="http://schemas.openxmlformats.org/drawingml/2006/main" xmlns:r="http://schemas.openxmlformats.org/officeDocument/2006/relationships" xmlns:p="http://schemas.openxmlformats.org/presentationml/2006/main">
+  <p:cSld>
+    <p:spTree>
+      <p:nvGrpSpPr>
+        <p:cNvPr id="1" name=""/>
+        <p:cNvGrpSpPr/>
+        <p:nvPr/>
+      </p:nvGrpSpPr>
+      <p:grpSpPr>
+        <a:xfrm>
+          <a:off x="0" y="0"/>
+          <a:ext cx="0" cy="0"/>
+          <a:chOff x="0" y="0"/>
+          <a:chExt cx="0" cy="0"/>
+        </a:xfrm>
+      </p:grpSpPr>
+      <p:sp>
+        <p:nvSpPr>
+          <p:cNvPr id="60418" name="Rectangle 7"/>
+          <p:cNvSpPr>
+            <a:spLocks noGrp="1" noChangeArrowheads="1"/>
+          </p:cNvSpPr>
+          <p:nvPr>
+            <p:ph type="sldNum" sz="quarter" idx="5"/>
+          </p:nvPr>
+        </p:nvSpPr>
+        <p:spPr>
+          <a:noFill/>
+        </p:spPr>
+        <p:txBody>
+          <a:bodyPr/>
+          <a:lstStyle/>
+          <a:p>
+            <a:fld id="{38AFA472-19A2-4BBD-B046-EAF111414CE2}" type="slidenum">
+              <a:rPr lang="en-US" smtClean="0"/>
+              <a:pPr/>
+              <a:t>11</a:t>
+            </a:fld>
+            <a:endParaRPr lang="en-US" smtClean="0"/>
+          </a:p>
+        </p:txBody>
+      </p:sp>
+      <p:sp>
+        <p:nvSpPr>
+          <p:cNvPr id="60419" name="Rectangle 2"/>
+          <p:cNvSpPr>
+            <a:spLocks noGrp="1" noRot="1" noChangeAspect="1" noChangeArrowheads="1" noTextEdit="1"/>
+          </p:cNvSpPr>
+          <p:nvPr>
+            <p:ph type="sldImg"/>
+          </p:nvPr>
+        </p:nvSpPr>
+        <p:spPr>
+          <a:solidFill>
+            <a:srgbClr val="FFFFFF"/>
+          </a:solidFill>
+          <a:ln/>
+        </p:spPr>
+      </p:sp>
+      <p:sp>
+        <p:nvSpPr>
+          <p:cNvPr id="60420" name="Rectangle 3"/>
+          <p:cNvSpPr>
+            <a:spLocks noGrp="1" noChangeArrowheads="1"/>
+          </p:cNvSpPr>
+          <p:nvPr>
+            <p:ph type="body" idx="1"/>
+          </p:nvPr>
+        </p:nvSpPr>
+        <p:spPr>
+          <a:solidFill>
+            <a:srgbClr val="FFFFFF"/>
+          </a:solidFill>
+          <a:ln>
+            <a:solidFill>
+              <a:srgbClr val="000000"/>
+            </a:solidFill>
+          </a:ln>
+        </p:spPr>
+        <p:txBody>
+          <a:bodyPr/>
+          <a:lstStyle/>
+          <a:p>
+            <a:pPr eaLnBrk="1" hangingPunct="1"/>
+            <a:endParaRPr lang="en-US" smtClean="0"/>
+          </a:p>
+        </p:txBody>
+      </p:sp>
+    </p:spTree>
+  </p:cSld>
+  <p:clrMapOvr>
+    <a:masterClrMapping/>
+  </p:clrMapOvr>
+</p:notes>
+</file>
+
+<file path=ppt/notesSlides/notesSlide12.xml><?xml version="1.0" encoding="utf-8"?>
+<p:notes xmlns:a="http://schemas.openxmlformats.org/drawingml/2006/main" xmlns:r="http://schemas.openxmlformats.org/officeDocument/2006/relationships" xmlns:p="http://schemas.openxmlformats.org/presentationml/2006/main">
+  <p:cSld>
+    <p:spTree>
+      <p:nvGrpSpPr>
+        <p:cNvPr id="1" name=""/>
+        <p:cNvGrpSpPr/>
+        <p:nvPr/>
+      </p:nvGrpSpPr>
+      <p:grpSpPr>
+        <a:xfrm>
+          <a:off x="0" y="0"/>
+          <a:ext cx="0" cy="0"/>
+          <a:chOff x="0" y="0"/>
+          <a:chExt cx="0" cy="0"/>
+        </a:xfrm>
+      </p:grpSpPr>
+      <p:sp>
+        <p:nvSpPr>
+          <p:cNvPr id="60418" name="Rectangle 7"/>
+          <p:cNvSpPr>
+            <a:spLocks noGrp="1" noChangeArrowheads="1"/>
+          </p:cNvSpPr>
+          <p:nvPr>
+            <p:ph type="sldNum" sz="quarter" idx="5"/>
+          </p:nvPr>
+        </p:nvSpPr>
+        <p:spPr>
+          <a:noFill/>
+        </p:spPr>
+        <p:txBody>
+          <a:bodyPr/>
+          <a:lstStyle/>
+          <a:p>
+            <a:fld id="{38AFA472-19A2-4BBD-B046-EAF111414CE2}" type="slidenum">
+              <a:rPr lang="en-US" smtClean="0"/>
+              <a:pPr/>
+              <a:t>12</a:t>
+            </a:fld>
+            <a:endParaRPr lang="en-US" smtClean="0"/>
+          </a:p>
+        </p:txBody>
+      </p:sp>
+      <p:sp>
+        <p:nvSpPr>
+          <p:cNvPr id="60419" name="Rectangle 2"/>
+          <p:cNvSpPr>
+            <a:spLocks noGrp="1" noRot="1" noChangeAspect="1" noChangeArrowheads="1" noTextEdit="1"/>
+          </p:cNvSpPr>
+          <p:nvPr>
+            <p:ph type="sldImg"/>
+          </p:nvPr>
+        </p:nvSpPr>
+        <p:spPr>
+          <a:solidFill>
+            <a:srgbClr val="FFFFFF"/>
+          </a:solidFill>
+          <a:ln/>
+        </p:spPr>
+      </p:sp>
+      <p:sp>
+        <p:nvSpPr>
+          <p:cNvPr id="60420" name="Rectangle 3"/>
+          <p:cNvSpPr>
+            <a:spLocks noGrp="1" noChangeArrowheads="1"/>
+          </p:cNvSpPr>
+          <p:nvPr>
+            <p:ph type="body" idx="1"/>
+          </p:nvPr>
+        </p:nvSpPr>
+        <p:spPr>
+          <a:solidFill>
+            <a:srgbClr val="FFFFFF"/>
+          </a:solidFill>
+          <a:ln>
+            <a:solidFill>
+              <a:srgbClr val="000000"/>
+            </a:solidFill>
+          </a:ln>
+        </p:spPr>
+        <p:txBody>
+          <a:bodyPr/>
+          <a:lstStyle/>
+          <a:p>
+            <a:pPr eaLnBrk="1" hangingPunct="1"/>
+            <a:endParaRPr lang="en-US" smtClean="0"/>
+          </a:p>
+        </p:txBody>
+      </p:sp>
+    </p:spTree>
+  </p:cSld>
+  <p:clrMapOvr>
+    <a:masterClrMapping/>
+  </p:clrMapOvr>
+</p:notes>
+</file>
+
+<file path=ppt/notesSlides/notesSlide13.xml><?xml version="1.0" encoding="utf-8"?>
+<p:notes xmlns:a="http://schemas.openxmlformats.org/drawingml/2006/main" xmlns:r="http://schemas.openxmlformats.org/officeDocument/2006/relationships" xmlns:p="http://schemas.openxmlformats.org/presentationml/2006/main">
+  <p:cSld>
+    <p:spTree>
+      <p:nvGrpSpPr>
+        <p:cNvPr id="1" name=""/>
+        <p:cNvGrpSpPr/>
+        <p:nvPr/>
+      </p:nvGrpSpPr>
+      <p:grpSpPr>
+        <a:xfrm>
+          <a:off x="0" y="0"/>
+          <a:ext cx="0" cy="0"/>
+          <a:chOff x="0" y="0"/>
+          <a:chExt cx="0" cy="0"/>
+        </a:xfrm>
+      </p:grpSpPr>
+      <p:sp>
+        <p:nvSpPr>
+          <p:cNvPr id="60418" name="Rectangle 7"/>
+          <p:cNvSpPr>
+            <a:spLocks noGrp="1" noChangeArrowheads="1"/>
+          </p:cNvSpPr>
+          <p:nvPr>
+            <p:ph type="sldNum" sz="quarter" idx="5"/>
+          </p:nvPr>
+        </p:nvSpPr>
+        <p:spPr>
+          <a:noFill/>
+        </p:spPr>
+        <p:txBody>
+          <a:bodyPr/>
+          <a:lstStyle/>
+          <a:p>
+            <a:fld id="{38AFA472-19A2-4BBD-B046-EAF111414CE2}" type="slidenum">
+              <a:rPr lang="en-US" smtClean="0"/>
+              <a:pPr/>
+              <a:t>13</a:t>
+            </a:fld>
+            <a:endParaRPr lang="en-US" smtClean="0"/>
+          </a:p>
+        </p:txBody>
+      </p:sp>
+      <p:sp>
+        <p:nvSpPr>
+          <p:cNvPr id="60419" name="Rectangle 2"/>
+          <p:cNvSpPr>
+            <a:spLocks noGrp="1" noRot="1" noChangeAspect="1" noChangeArrowheads="1" noTextEdit="1"/>
+          </p:cNvSpPr>
+          <p:nvPr>
+            <p:ph type="sldImg"/>
+          </p:nvPr>
+        </p:nvSpPr>
+        <p:spPr>
+          <a:solidFill>
+            <a:srgbClr val="FFFFFF"/>
+          </a:solidFill>
+          <a:ln/>
+        </p:spPr>
+      </p:sp>
+      <p:sp>
+        <p:nvSpPr>
+          <p:cNvPr id="60420" name="Rectangle 3"/>
+          <p:cNvSpPr>
+            <a:spLocks noGrp="1" noChangeArrowheads="1"/>
+          </p:cNvSpPr>
+          <p:nvPr>
+            <p:ph type="body" idx="1"/>
+          </p:nvPr>
+        </p:nvSpPr>
+        <p:spPr>
+          <a:solidFill>
+            <a:srgbClr val="FFFFFF"/>
+          </a:solidFill>
+          <a:ln>
+            <a:solidFill>
+              <a:srgbClr val="000000"/>
+            </a:solidFill>
+          </a:ln>
+        </p:spPr>
+        <p:txBody>
+          <a:bodyPr/>
+          <a:lstStyle/>
+          <a:p>
+            <a:pPr eaLnBrk="1" hangingPunct="1"/>
+            <a:endParaRPr lang="en-US" smtClean="0"/>
+          </a:p>
+        </p:txBody>
+      </p:sp>
+    </p:spTree>
+  </p:cSld>
+  <p:clrMapOvr>
+    <a:masterClrMapping/>
+  </p:clrMapOvr>
+</p:notes>
+</file>
+
+<file path=ppt/notesSlides/notesSlide14.xml><?xml version="1.0" encoding="utf-8"?>
+<p:notes xmlns:a="http://schemas.openxmlformats.org/drawingml/2006/main" xmlns:r="http://schemas.openxmlformats.org/officeDocument/2006/relationships" xmlns:p="http://schemas.openxmlformats.org/presentationml/2006/main">
+  <p:cSld>
+    <p:spTree>
+      <p:nvGrpSpPr>
+        <p:cNvPr id="1" name=""/>
+        <p:cNvGrpSpPr/>
+        <p:nvPr/>
+      </p:nvGrpSpPr>
+      <p:grpSpPr>
+        <a:xfrm>
+          <a:off x="0" y="0"/>
+          <a:ext cx="0" cy="0"/>
+          <a:chOff x="0" y="0"/>
+          <a:chExt cx="0" cy="0"/>
+        </a:xfrm>
+      </p:grpSpPr>
+      <p:sp>
+        <p:nvSpPr>
+          <p:cNvPr id="60418" name="Rectangle 7"/>
+          <p:cNvSpPr>
+            <a:spLocks noGrp="1" noChangeArrowheads="1"/>
+          </p:cNvSpPr>
+          <p:nvPr>
+            <p:ph type="sldNum" sz="quarter" idx="5"/>
+          </p:nvPr>
+        </p:nvSpPr>
+        <p:spPr>
+          <a:noFill/>
+        </p:spPr>
+        <p:txBody>
+          <a:bodyPr/>
+          <a:lstStyle/>
+          <a:p>
+            <a:fld id="{38AFA472-19A2-4BBD-B046-EAF111414CE2}" type="slidenum">
+              <a:rPr lang="en-US" smtClean="0"/>
+              <a:pPr/>
+              <a:t>14</a:t>
+            </a:fld>
+            <a:endParaRPr lang="en-US" smtClean="0"/>
+          </a:p>
+        </p:txBody>
+      </p:sp>
+      <p:sp>
+        <p:nvSpPr>
+          <p:cNvPr id="60419" name="Rectangle 2"/>
+          <p:cNvSpPr>
+            <a:spLocks noGrp="1" noRot="1" noChangeAspect="1" noChangeArrowheads="1" noTextEdit="1"/>
+          </p:cNvSpPr>
+          <p:nvPr>
+            <p:ph type="sldImg"/>
+          </p:nvPr>
+        </p:nvSpPr>
+        <p:spPr>
+          <a:solidFill>
+            <a:srgbClr val="FFFFFF"/>
+          </a:solidFill>
+          <a:ln/>
+        </p:spPr>
+      </p:sp>
+      <p:sp>
+        <p:nvSpPr>
+          <p:cNvPr id="60420" name="Rectangle 3"/>
+          <p:cNvSpPr>
+            <a:spLocks noGrp="1" noChangeArrowheads="1"/>
+          </p:cNvSpPr>
+          <p:nvPr>
+            <p:ph type="body" idx="1"/>
+          </p:nvPr>
+        </p:nvSpPr>
+        <p:spPr>
+          <a:solidFill>
+            <a:srgbClr val="FFFFFF"/>
+          </a:solidFill>
+          <a:ln>
+            <a:solidFill>
+              <a:srgbClr val="000000"/>
+            </a:solidFill>
+          </a:ln>
+        </p:spPr>
+        <p:txBody>
+          <a:bodyPr/>
+          <a:lstStyle/>
+          <a:p>
+            <a:pPr eaLnBrk="1" hangingPunct="1"/>
+            <a:endParaRPr lang="en-US" smtClean="0"/>
+          </a:p>
+        </p:txBody>
+      </p:sp>
+    </p:spTree>
+  </p:cSld>
+  <p:clrMapOvr>
+    <a:masterClrMapping/>
+  </p:clrMapOvr>
+</p:notes>
+</file>
+
+<file path=ppt/notesSlides/notesSlide15.xml><?xml version="1.0" encoding="utf-8"?>
+<p:notes xmlns:a="http://schemas.openxmlformats.org/drawingml/2006/main" xmlns:r="http://schemas.openxmlformats.org/officeDocument/2006/relationships" xmlns:p="http://schemas.openxmlformats.org/presentationml/2006/main">
+  <p:cSld>
+    <p:spTree>
+      <p:nvGrpSpPr>
+        <p:cNvPr id="1" name=""/>
+        <p:cNvGrpSpPr/>
+        <p:nvPr/>
+      </p:nvGrpSpPr>
+      <p:grpSpPr>
+        <a:xfrm>
+          <a:off x="0" y="0"/>
+          <a:ext cx="0" cy="0"/>
+          <a:chOff x="0" y="0"/>
+          <a:chExt cx="0" cy="0"/>
+        </a:xfrm>
+      </p:grpSpPr>
+      <p:sp>
+        <p:nvSpPr>
           <p:cNvPr id="61442" name="Rectangle 7"/>
           <p:cNvSpPr>
             <a:spLocks noGrp="1" noChangeArrowheads="1"/>
@@ -956,7 +1437,7 @@
             <a:fld id="{FB67ED51-D6E5-49E3-B2E6-337A7D163646}" type="slidenum">
               <a:rPr lang="en-US" smtClean="0"/>
               <a:pPr/>
-              <a:t>10</a:t>
+              <a:t>15</a:t>
             </a:fld>
             <a:endParaRPr lang="en-US" smtClean="0"/>
           </a:p>
@@ -1299,7 +1780,7 @@
       </p:grpSpPr>
       <p:sp>
         <p:nvSpPr>
-          <p:cNvPr id="59394" name="Rectangle 7"/>
+          <p:cNvPr id="55298" name="Rectangle 7"/>
           <p:cNvSpPr>
             <a:spLocks noGrp="1" noChangeArrowheads="1"/>
           </p:cNvSpPr>
@@ -1314,7 +1795,7 @@
           <a:bodyPr/>
           <a:lstStyle/>
           <a:p>
-            <a:fld id="{EF632FD6-C242-45EA-9809-4F1CC77E488F}" type="slidenum">
+            <a:fld id="{32210AA9-7B9A-4C88-ABBE-98BE5068C3FA}" type="slidenum">
               <a:rPr lang="en-US" smtClean="0"/>
               <a:pPr/>
               <a:t>5</a:t>
@@ -1325,7 +1806,7 @@
       </p:sp>
       <p:sp>
         <p:nvSpPr>
-          <p:cNvPr id="59395" name="Rectangle 2"/>
+          <p:cNvPr id="55299" name="Rectangle 2"/>
           <p:cNvSpPr>
             <a:spLocks noGrp="1" noRot="1" noChangeAspect="1" noChangeArrowheads="1" noTextEdit="1"/>
           </p:cNvSpPr>
@@ -1339,7 +1820,7 @@
       </p:sp>
       <p:sp>
         <p:nvSpPr>
-          <p:cNvPr id="59396" name="Rectangle 3"/>
+          <p:cNvPr id="55300" name="Rectangle 3"/>
           <p:cNvSpPr>
             <a:spLocks noGrp="1" noChangeArrowheads="1"/>
           </p:cNvSpPr>
@@ -1387,7 +1868,7 @@
       </p:grpSpPr>
       <p:sp>
         <p:nvSpPr>
-          <p:cNvPr id="60418" name="Rectangle 7"/>
+          <p:cNvPr id="55298" name="Rectangle 7"/>
           <p:cNvSpPr>
             <a:spLocks noGrp="1" noChangeArrowheads="1"/>
           </p:cNvSpPr>
@@ -1402,7 +1883,7 @@
           <a:bodyPr/>
           <a:lstStyle/>
           <a:p>
-            <a:fld id="{38AFA472-19A2-4BBD-B046-EAF111414CE2}" type="slidenum">
+            <a:fld id="{32210AA9-7B9A-4C88-ABBE-98BE5068C3FA}" type="slidenum">
               <a:rPr lang="en-US" smtClean="0"/>
               <a:pPr/>
               <a:t>6</a:t>
@@ -1413,7 +1894,7 @@
       </p:sp>
       <p:sp>
         <p:nvSpPr>
-          <p:cNvPr id="60419" name="Rectangle 2"/>
+          <p:cNvPr id="55299" name="Rectangle 2"/>
           <p:cNvSpPr>
             <a:spLocks noGrp="1" noRot="1" noChangeAspect="1" noChangeArrowheads="1" noTextEdit="1"/>
           </p:cNvSpPr>
@@ -1422,15 +1903,12 @@
           </p:nvPr>
         </p:nvSpPr>
         <p:spPr>
-          <a:solidFill>
-            <a:srgbClr val="FFFFFF"/>
-          </a:solidFill>
           <a:ln/>
         </p:spPr>
       </p:sp>
       <p:sp>
         <p:nvSpPr>
-          <p:cNvPr id="60420" name="Rectangle 3"/>
+          <p:cNvPr id="55300" name="Rectangle 3"/>
           <p:cNvSpPr>
             <a:spLocks noGrp="1" noChangeArrowheads="1"/>
           </p:cNvSpPr>
@@ -1439,14 +1917,8 @@
           </p:nvPr>
         </p:nvSpPr>
         <p:spPr>
-          <a:solidFill>
-            <a:srgbClr val="FFFFFF"/>
-          </a:solidFill>
-          <a:ln>
-            <a:solidFill>
-              <a:srgbClr val="000000"/>
-            </a:solidFill>
-          </a:ln>
+          <a:noFill/>
+          <a:ln/>
         </p:spPr>
         <p:txBody>
           <a:bodyPr/>
@@ -1484,7 +1956,7 @@
       </p:grpSpPr>
       <p:sp>
         <p:nvSpPr>
-          <p:cNvPr id="60418" name="Rectangle 7"/>
+          <p:cNvPr id="55298" name="Rectangle 7"/>
           <p:cNvSpPr>
             <a:spLocks noGrp="1" noChangeArrowheads="1"/>
           </p:cNvSpPr>
@@ -1499,7 +1971,7 @@
           <a:bodyPr/>
           <a:lstStyle/>
           <a:p>
-            <a:fld id="{38AFA472-19A2-4BBD-B046-EAF111414CE2}" type="slidenum">
+            <a:fld id="{32210AA9-7B9A-4C88-ABBE-98BE5068C3FA}" type="slidenum">
               <a:rPr lang="en-US" smtClean="0"/>
               <a:pPr/>
               <a:t>7</a:t>
@@ -1510,7 +1982,7 @@
       </p:sp>
       <p:sp>
         <p:nvSpPr>
-          <p:cNvPr id="60419" name="Rectangle 2"/>
+          <p:cNvPr id="55299" name="Rectangle 2"/>
           <p:cNvSpPr>
             <a:spLocks noGrp="1" noRot="1" noChangeAspect="1" noChangeArrowheads="1" noTextEdit="1"/>
           </p:cNvSpPr>
@@ -1519,15 +1991,12 @@
           </p:nvPr>
         </p:nvSpPr>
         <p:spPr>
-          <a:solidFill>
-            <a:srgbClr val="FFFFFF"/>
-          </a:solidFill>
           <a:ln/>
         </p:spPr>
       </p:sp>
       <p:sp>
         <p:nvSpPr>
-          <p:cNvPr id="60420" name="Rectangle 3"/>
+          <p:cNvPr id="55300" name="Rectangle 3"/>
           <p:cNvSpPr>
             <a:spLocks noGrp="1" noChangeArrowheads="1"/>
           </p:cNvSpPr>
@@ -1536,14 +2005,8 @@
           </p:nvPr>
         </p:nvSpPr>
         <p:spPr>
-          <a:solidFill>
-            <a:srgbClr val="FFFFFF"/>
-          </a:solidFill>
-          <a:ln>
-            <a:solidFill>
-              <a:srgbClr val="000000"/>
-            </a:solidFill>
-          </a:ln>
+          <a:noFill/>
+          <a:ln/>
         </p:spPr>
         <p:txBody>
           <a:bodyPr/>
@@ -1581,7 +2044,7 @@
       </p:grpSpPr>
       <p:sp>
         <p:nvSpPr>
-          <p:cNvPr id="60418" name="Rectangle 7"/>
+          <p:cNvPr id="55298" name="Rectangle 7"/>
           <p:cNvSpPr>
             <a:spLocks noGrp="1" noChangeArrowheads="1"/>
           </p:cNvSpPr>
@@ -1596,7 +2059,7 @@
           <a:bodyPr/>
           <a:lstStyle/>
           <a:p>
-            <a:fld id="{38AFA472-19A2-4BBD-B046-EAF111414CE2}" type="slidenum">
+            <a:fld id="{32210AA9-7B9A-4C88-ABBE-98BE5068C3FA}" type="slidenum">
               <a:rPr lang="en-US" smtClean="0"/>
               <a:pPr/>
               <a:t>8</a:t>
@@ -1607,7 +2070,7 @@
       </p:sp>
       <p:sp>
         <p:nvSpPr>
-          <p:cNvPr id="60419" name="Rectangle 2"/>
+          <p:cNvPr id="55299" name="Rectangle 2"/>
           <p:cNvSpPr>
             <a:spLocks noGrp="1" noRot="1" noChangeAspect="1" noChangeArrowheads="1" noTextEdit="1"/>
           </p:cNvSpPr>
@@ -1616,15 +2079,12 @@
           </p:nvPr>
         </p:nvSpPr>
         <p:spPr>
-          <a:solidFill>
-            <a:srgbClr val="FFFFFF"/>
-          </a:solidFill>
           <a:ln/>
         </p:spPr>
       </p:sp>
       <p:sp>
         <p:nvSpPr>
-          <p:cNvPr id="60420" name="Rectangle 3"/>
+          <p:cNvPr id="55300" name="Rectangle 3"/>
           <p:cNvSpPr>
             <a:spLocks noGrp="1" noChangeArrowheads="1"/>
           </p:cNvSpPr>
@@ -1633,14 +2093,8 @@
           </p:nvPr>
         </p:nvSpPr>
         <p:spPr>
-          <a:solidFill>
-            <a:srgbClr val="FFFFFF"/>
-          </a:solidFill>
-          <a:ln>
-            <a:solidFill>
-              <a:srgbClr val="000000"/>
-            </a:solidFill>
-          </a:ln>
+          <a:noFill/>
+          <a:ln/>
         </p:spPr>
         <p:txBody>
           <a:bodyPr/>
@@ -1678,7 +2132,7 @@
       </p:grpSpPr>
       <p:sp>
         <p:nvSpPr>
-          <p:cNvPr id="60418" name="Rectangle 7"/>
+          <p:cNvPr id="55298" name="Rectangle 7"/>
           <p:cNvSpPr>
             <a:spLocks noGrp="1" noChangeArrowheads="1"/>
           </p:cNvSpPr>
@@ -1693,7 +2147,7 @@
           <a:bodyPr/>
           <a:lstStyle/>
           <a:p>
-            <a:fld id="{38AFA472-19A2-4BBD-B046-EAF111414CE2}" type="slidenum">
+            <a:fld id="{32210AA9-7B9A-4C88-ABBE-98BE5068C3FA}" type="slidenum">
               <a:rPr lang="en-US" smtClean="0"/>
               <a:pPr/>
               <a:t>9</a:t>
@@ -1704,7 +2158,7 @@
       </p:sp>
       <p:sp>
         <p:nvSpPr>
-          <p:cNvPr id="60419" name="Rectangle 2"/>
+          <p:cNvPr id="55299" name="Rectangle 2"/>
           <p:cNvSpPr>
             <a:spLocks noGrp="1" noRot="1" noChangeAspect="1" noChangeArrowheads="1" noTextEdit="1"/>
           </p:cNvSpPr>
@@ -1713,15 +2167,12 @@
           </p:nvPr>
         </p:nvSpPr>
         <p:spPr>
-          <a:solidFill>
-            <a:srgbClr val="FFFFFF"/>
-          </a:solidFill>
           <a:ln/>
         </p:spPr>
       </p:sp>
       <p:sp>
         <p:nvSpPr>
-          <p:cNvPr id="60420" name="Rectangle 3"/>
+          <p:cNvPr id="55300" name="Rectangle 3"/>
           <p:cNvSpPr>
             <a:spLocks noGrp="1" noChangeArrowheads="1"/>
           </p:cNvSpPr>
@@ -1730,14 +2181,8 @@
           </p:nvPr>
         </p:nvSpPr>
         <p:spPr>
-          <a:solidFill>
-            <a:srgbClr val="FFFFFF"/>
-          </a:solidFill>
-          <a:ln>
-            <a:solidFill>
-              <a:srgbClr val="000000"/>
-            </a:solidFill>
-          </a:ln>
+          <a:noFill/>
+          <a:ln/>
         </p:spPr>
         <p:txBody>
           <a:bodyPr/>
@@ -3197,6 +3642,2221 @@
       </p:grpSpPr>
       <p:sp>
         <p:nvSpPr>
+          <p:cNvPr id="16386" name="Rectangle 2"/>
+          <p:cNvSpPr>
+            <a:spLocks noGrp="1" noChangeArrowheads="1"/>
+          </p:cNvSpPr>
+          <p:nvPr>
+            <p:ph type="title"/>
+          </p:nvPr>
+        </p:nvSpPr>
+        <p:spPr>
+          <a:xfrm>
+            <a:off x="1295400" y="152400"/>
+            <a:ext cx="7391400" cy="1143000"/>
+          </a:xfrm>
+        </p:spPr>
+        <p:txBody>
+          <a:bodyPr/>
+          <a:lstStyle/>
+          <a:p>
+            <a:pPr eaLnBrk="1" hangingPunct="1"/>
+            <a:r>
+              <a:rPr lang="en-US" dirty="0" smtClean="0">
+                <a:latin typeface="Comic Sans MS" pitchFamily="66" charset="0"/>
+              </a:rPr>
+              <a:t>Inclusion-Exclusion (3 Sets)</a:t>
+            </a:r>
+          </a:p>
+        </p:txBody>
+      </p:sp>
+      <p:sp>
+        <p:nvSpPr>
+          <p:cNvPr id="27651" name="Text Box 6"/>
+          <p:cNvSpPr txBox="1">
+            <a:spLocks noChangeArrowheads="1"/>
+          </p:cNvSpPr>
+          <p:nvPr/>
+        </p:nvSpPr>
+        <p:spPr bwMode="auto">
+          <a:xfrm>
+            <a:off x="1062038" y="1219200"/>
+            <a:ext cx="7583025" cy="2308324"/>
+          </a:xfrm>
+          <a:prstGeom prst="rect">
+            <a:avLst/>
+          </a:prstGeom>
+          <a:noFill/>
+          <a:ln w="31750">
+            <a:solidFill>
+              <a:srgbClr val="FF00FF"/>
+            </a:solidFill>
+            <a:prstDash val="sysDash"/>
+            <a:miter lim="800000"/>
+            <a:headEnd/>
+            <a:tailEnd type="none" w="lg" len="lg"/>
+          </a:ln>
+        </p:spPr>
+        <p:txBody>
+          <a:bodyPr wrap="none">
+            <a:spAutoFit/>
+          </a:bodyPr>
+          <a:lstStyle/>
+          <a:p>
+            <a:pPr>
+              <a:tabLst>
+                <a:tab pos="2743200" algn="l"/>
+              </a:tabLst>
+            </a:pPr>
+            <a:r>
+              <a:rPr lang="en-US" b="1" dirty="0">
+                <a:solidFill>
+                  <a:schemeClr val="accent1">
+                    <a:lumMod val="50000"/>
+                  </a:schemeClr>
+                </a:solidFill>
+                <a:latin typeface="Comic Sans MS" pitchFamily="66" charset="0"/>
+              </a:rPr>
+              <a:t>|</a:t>
+            </a:r>
+            <a:r>
+              <a:rPr lang="en-US" b="1" dirty="0" smtClean="0">
+                <a:solidFill>
+                  <a:schemeClr val="accent1">
+                    <a:lumMod val="50000"/>
+                  </a:schemeClr>
+                </a:solidFill>
+                <a:latin typeface="Comic Sans MS" pitchFamily="66" charset="0"/>
+              </a:rPr>
+              <a:t>A</a:t>
+            </a:r>
+            <a:r>
+              <a:rPr lang="en-US" dirty="0" smtClean="0">
+                <a:solidFill>
+                  <a:schemeClr val="accent1">
+                    <a:lumMod val="50000"/>
+                  </a:schemeClr>
+                </a:solidFill>
+                <a:latin typeface="Comic Sans MS" pitchFamily="66" charset="0"/>
+                <a:sym typeface="Symbol" pitchFamily="18" charset="2"/>
+              </a:rPr>
+              <a:t>∪</a:t>
+            </a:r>
+            <a:r>
+              <a:rPr lang="en-US" b="1" dirty="0" smtClean="0">
+                <a:solidFill>
+                  <a:schemeClr val="accent1">
+                    <a:lumMod val="50000"/>
+                  </a:schemeClr>
+                </a:solidFill>
+                <a:latin typeface="Comic Sans MS" pitchFamily="66" charset="0"/>
+              </a:rPr>
+              <a:t>B</a:t>
+            </a:r>
+            <a:r>
+              <a:rPr lang="en-US" dirty="0" smtClean="0">
+                <a:solidFill>
+                  <a:schemeClr val="accent1">
+                    <a:lumMod val="50000"/>
+                  </a:schemeClr>
+                </a:solidFill>
+                <a:latin typeface="Comic Sans MS" pitchFamily="66" charset="0"/>
+                <a:sym typeface="Symbol" pitchFamily="18" charset="2"/>
+              </a:rPr>
+              <a:t>∪</a:t>
+            </a:r>
+            <a:r>
+              <a:rPr lang="en-US" b="1" dirty="0" smtClean="0">
+                <a:solidFill>
+                  <a:schemeClr val="accent1">
+                    <a:lumMod val="50000"/>
+                  </a:schemeClr>
+                </a:solidFill>
+                <a:latin typeface="Comic Sans MS" pitchFamily="66" charset="0"/>
+              </a:rPr>
+              <a:t>C</a:t>
+            </a:r>
+            <a:r>
+              <a:rPr lang="en-US" b="1" dirty="0">
+                <a:solidFill>
+                  <a:schemeClr val="accent1">
+                    <a:lumMod val="50000"/>
+                  </a:schemeClr>
+                </a:solidFill>
+                <a:latin typeface="Comic Sans MS" pitchFamily="66" charset="0"/>
+              </a:rPr>
+              <a:t>| </a:t>
+            </a:r>
+            <a:r>
+              <a:rPr lang="en-US" b="1" dirty="0">
+                <a:solidFill>
+                  <a:schemeClr val="accent1">
+                    <a:lumMod val="50000"/>
+                  </a:schemeClr>
+                </a:solidFill>
+                <a:latin typeface="Euclid Symbol" charset="2"/>
+                <a:cs typeface="Euclid Symbol" charset="2"/>
+              </a:rPr>
+              <a:t>=</a:t>
+            </a:r>
+          </a:p>
+          <a:p>
+            <a:pPr>
+              <a:tabLst>
+                <a:tab pos="2743200" algn="l"/>
+              </a:tabLst>
+            </a:pPr>
+            <a:r>
+              <a:rPr lang="en-US" b="1" dirty="0">
+                <a:solidFill>
+                  <a:schemeClr val="accent1">
+                    <a:lumMod val="50000"/>
+                  </a:schemeClr>
+                </a:solidFill>
+                <a:latin typeface="Comic Sans MS" pitchFamily="66" charset="0"/>
+              </a:rPr>
+              <a:t>     |A|</a:t>
+            </a:r>
+            <a:r>
+              <a:rPr lang="en-US" b="1" dirty="0">
+                <a:solidFill>
+                  <a:schemeClr val="accent1">
+                    <a:lumMod val="50000"/>
+                  </a:schemeClr>
+                </a:solidFill>
+                <a:latin typeface="Euclid Symbol" charset="2"/>
+                <a:cs typeface="Euclid Symbol" charset="2"/>
+              </a:rPr>
+              <a:t>+</a:t>
+            </a:r>
+            <a:r>
+              <a:rPr lang="en-US" b="1" dirty="0">
+                <a:solidFill>
+                  <a:schemeClr val="accent1">
+                    <a:lumMod val="50000"/>
+                  </a:schemeClr>
+                </a:solidFill>
+                <a:latin typeface="Comic Sans MS" pitchFamily="66" charset="0"/>
+              </a:rPr>
+              <a:t>|B</a:t>
+            </a:r>
+            <a:r>
+              <a:rPr lang="en-US" b="1" dirty="0" smtClean="0">
+                <a:solidFill>
+                  <a:schemeClr val="accent1">
+                    <a:lumMod val="50000"/>
+                  </a:schemeClr>
+                </a:solidFill>
+                <a:latin typeface="Comic Sans MS" pitchFamily="66" charset="0"/>
+              </a:rPr>
+              <a:t>|</a:t>
+            </a:r>
+            <a:r>
+              <a:rPr lang="en-US" b="1" dirty="0">
+                <a:solidFill>
+                  <a:schemeClr val="accent1">
+                    <a:lumMod val="50000"/>
+                  </a:schemeClr>
+                </a:solidFill>
+                <a:latin typeface="Euclid Symbol" charset="2"/>
+                <a:cs typeface="Euclid Symbol" charset="2"/>
+              </a:rPr>
+              <a:t>+</a:t>
+            </a:r>
+            <a:r>
+              <a:rPr lang="en-US" b="1" dirty="0" smtClean="0">
+                <a:solidFill>
+                  <a:schemeClr val="accent1">
+                    <a:lumMod val="50000"/>
+                  </a:schemeClr>
+                </a:solidFill>
+                <a:latin typeface="Comic Sans MS" pitchFamily="66" charset="0"/>
+              </a:rPr>
+              <a:t>|</a:t>
+            </a:r>
+            <a:r>
+              <a:rPr lang="en-US" b="1" dirty="0">
+                <a:solidFill>
+                  <a:schemeClr val="accent1">
+                    <a:lumMod val="50000"/>
+                  </a:schemeClr>
+                </a:solidFill>
+                <a:latin typeface="Comic Sans MS" pitchFamily="66" charset="0"/>
+              </a:rPr>
+              <a:t>C|</a:t>
+            </a:r>
+          </a:p>
+          <a:p>
+            <a:pPr>
+              <a:tabLst>
+                <a:tab pos="2743200" algn="l"/>
+              </a:tabLst>
+            </a:pPr>
+            <a:r>
+              <a:rPr lang="en-US" b="1" dirty="0">
+                <a:solidFill>
+                  <a:schemeClr val="accent1">
+                    <a:lumMod val="50000"/>
+                  </a:schemeClr>
+                </a:solidFill>
+                <a:latin typeface="Comic Sans MS" pitchFamily="66" charset="0"/>
+              </a:rPr>
+              <a:t>      </a:t>
+            </a:r>
+            <a:r>
+              <a:rPr lang="en-US" b="1" dirty="0">
+                <a:solidFill>
+                  <a:schemeClr val="accent1">
+                    <a:lumMod val="50000"/>
+                  </a:schemeClr>
+                </a:solidFill>
+                <a:latin typeface="Euclid Symbol" charset="2"/>
+                <a:cs typeface="Euclid Symbol" charset="2"/>
+              </a:rPr>
+              <a:t>– </a:t>
+            </a:r>
+            <a:r>
+              <a:rPr lang="en-US" b="1" dirty="0">
+                <a:solidFill>
+                  <a:schemeClr val="accent1">
+                    <a:lumMod val="50000"/>
+                  </a:schemeClr>
+                </a:solidFill>
+                <a:latin typeface="Comic Sans MS" pitchFamily="66" charset="0"/>
+              </a:rPr>
+              <a:t>|</a:t>
+            </a:r>
+            <a:r>
+              <a:rPr lang="en-US" b="1" dirty="0" smtClean="0">
+                <a:solidFill>
+                  <a:schemeClr val="accent1">
+                    <a:lumMod val="50000"/>
+                  </a:schemeClr>
+                </a:solidFill>
+                <a:latin typeface="Comic Sans MS" pitchFamily="66" charset="0"/>
+              </a:rPr>
+              <a:t>A</a:t>
+            </a:r>
+            <a:r>
+              <a:rPr lang="en-US" b="1" dirty="0" smtClean="0">
+                <a:solidFill>
+                  <a:schemeClr val="accent1">
+                    <a:lumMod val="50000"/>
+                  </a:schemeClr>
+                </a:solidFill>
+                <a:latin typeface="Comic Sans MS" pitchFamily="66" charset="0"/>
+                <a:sym typeface="Euclid Symbol" pitchFamily="18" charset="2"/>
+              </a:rPr>
+              <a:t>∩</a:t>
+            </a:r>
+            <a:r>
+              <a:rPr lang="en-US" b="1" dirty="0" smtClean="0">
+                <a:solidFill>
+                  <a:schemeClr val="accent1">
+                    <a:lumMod val="50000"/>
+                  </a:schemeClr>
+                </a:solidFill>
+                <a:latin typeface="Comic Sans MS" pitchFamily="66" charset="0"/>
+              </a:rPr>
+              <a:t>B</a:t>
+            </a:r>
+            <a:r>
+              <a:rPr lang="en-US" b="1" dirty="0">
+                <a:solidFill>
+                  <a:schemeClr val="accent1">
+                    <a:lumMod val="50000"/>
+                  </a:schemeClr>
+                </a:solidFill>
+                <a:latin typeface="Comic Sans MS" pitchFamily="66" charset="0"/>
+              </a:rPr>
+              <a:t>| </a:t>
+            </a:r>
+            <a:r>
+              <a:rPr lang="en-US" b="1" dirty="0" smtClean="0">
+                <a:solidFill>
+                  <a:schemeClr val="accent1">
+                    <a:lumMod val="50000"/>
+                  </a:schemeClr>
+                </a:solidFill>
+                <a:latin typeface="Euclid Symbol" charset="2"/>
+                <a:cs typeface="Euclid Symbol" charset="2"/>
+              </a:rPr>
+              <a:t>–</a:t>
+            </a:r>
+            <a:r>
+              <a:rPr lang="en-US" b="1" dirty="0" smtClean="0">
+                <a:solidFill>
+                  <a:schemeClr val="accent1">
+                    <a:lumMod val="50000"/>
+                  </a:schemeClr>
+                </a:solidFill>
+                <a:latin typeface="Comic Sans MS" pitchFamily="66" charset="0"/>
+              </a:rPr>
+              <a:t> </a:t>
+            </a:r>
+            <a:r>
+              <a:rPr lang="en-US" b="1" dirty="0">
+                <a:solidFill>
+                  <a:schemeClr val="accent1">
+                    <a:lumMod val="50000"/>
+                  </a:schemeClr>
+                </a:solidFill>
+                <a:latin typeface="Comic Sans MS" pitchFamily="66" charset="0"/>
+              </a:rPr>
+              <a:t>|</a:t>
+            </a:r>
+            <a:r>
+              <a:rPr lang="en-US" b="1" dirty="0" smtClean="0">
+                <a:solidFill>
+                  <a:schemeClr val="accent1">
+                    <a:lumMod val="50000"/>
+                  </a:schemeClr>
+                </a:solidFill>
+                <a:latin typeface="Comic Sans MS" pitchFamily="66" charset="0"/>
+              </a:rPr>
+              <a:t>A</a:t>
+            </a:r>
+            <a:r>
+              <a:rPr lang="en-US" b="1" dirty="0" smtClean="0">
+                <a:solidFill>
+                  <a:schemeClr val="accent1">
+                    <a:lumMod val="50000"/>
+                  </a:schemeClr>
+                </a:solidFill>
+                <a:latin typeface="Comic Sans MS" pitchFamily="66" charset="0"/>
+                <a:sym typeface="Euclid Symbol" pitchFamily="18" charset="2"/>
+              </a:rPr>
+              <a:t>∩</a:t>
+            </a:r>
+            <a:r>
+              <a:rPr lang="en-US" b="1" dirty="0" smtClean="0">
+                <a:solidFill>
+                  <a:schemeClr val="accent1">
+                    <a:lumMod val="50000"/>
+                  </a:schemeClr>
+                </a:solidFill>
+                <a:latin typeface="Comic Sans MS" pitchFamily="66" charset="0"/>
+              </a:rPr>
+              <a:t>C</a:t>
+            </a:r>
+            <a:r>
+              <a:rPr lang="en-US" b="1" dirty="0">
+                <a:solidFill>
+                  <a:schemeClr val="accent1">
+                    <a:lumMod val="50000"/>
+                  </a:schemeClr>
+                </a:solidFill>
+                <a:latin typeface="Comic Sans MS" pitchFamily="66" charset="0"/>
+              </a:rPr>
+              <a:t>| </a:t>
+            </a:r>
+            <a:r>
+              <a:rPr lang="en-US" b="1" dirty="0" smtClean="0">
+                <a:solidFill>
+                  <a:schemeClr val="accent1">
+                    <a:lumMod val="50000"/>
+                  </a:schemeClr>
+                </a:solidFill>
+                <a:latin typeface="Euclid Symbol" charset="2"/>
+                <a:cs typeface="Euclid Symbol" charset="2"/>
+              </a:rPr>
+              <a:t>–</a:t>
+            </a:r>
+            <a:r>
+              <a:rPr lang="en-US" b="1" dirty="0" smtClean="0">
+                <a:solidFill>
+                  <a:schemeClr val="accent1">
+                    <a:lumMod val="50000"/>
+                  </a:schemeClr>
+                </a:solidFill>
+                <a:latin typeface="Comic Sans MS" pitchFamily="66" charset="0"/>
+              </a:rPr>
+              <a:t> </a:t>
+            </a:r>
+            <a:r>
+              <a:rPr lang="en-US" b="1" dirty="0">
+                <a:solidFill>
+                  <a:schemeClr val="accent1">
+                    <a:lumMod val="50000"/>
+                  </a:schemeClr>
+                </a:solidFill>
+                <a:latin typeface="Comic Sans MS" pitchFamily="66" charset="0"/>
+              </a:rPr>
+              <a:t>|</a:t>
+            </a:r>
+            <a:r>
+              <a:rPr lang="en-US" b="1" dirty="0" smtClean="0">
+                <a:solidFill>
+                  <a:schemeClr val="accent1">
+                    <a:lumMod val="50000"/>
+                  </a:schemeClr>
+                </a:solidFill>
+                <a:latin typeface="Comic Sans MS" pitchFamily="66" charset="0"/>
+              </a:rPr>
+              <a:t>B</a:t>
+            </a:r>
+            <a:r>
+              <a:rPr lang="en-US" b="1" dirty="0" smtClean="0">
+                <a:solidFill>
+                  <a:schemeClr val="accent1">
+                    <a:lumMod val="50000"/>
+                  </a:schemeClr>
+                </a:solidFill>
+                <a:latin typeface="Comic Sans MS" pitchFamily="66" charset="0"/>
+                <a:sym typeface="Euclid Symbol" pitchFamily="18" charset="2"/>
+              </a:rPr>
+              <a:t>∩</a:t>
+            </a:r>
+            <a:r>
+              <a:rPr lang="en-US" b="1" dirty="0" smtClean="0">
+                <a:solidFill>
+                  <a:schemeClr val="accent1">
+                    <a:lumMod val="50000"/>
+                  </a:schemeClr>
+                </a:solidFill>
+                <a:latin typeface="Comic Sans MS" pitchFamily="66" charset="0"/>
+              </a:rPr>
+              <a:t>C</a:t>
+            </a:r>
+            <a:r>
+              <a:rPr lang="en-US" b="1" dirty="0">
+                <a:solidFill>
+                  <a:schemeClr val="accent1">
+                    <a:lumMod val="50000"/>
+                  </a:schemeClr>
+                </a:solidFill>
+                <a:latin typeface="Comic Sans MS" pitchFamily="66" charset="0"/>
+              </a:rPr>
+              <a:t>|</a:t>
+            </a:r>
+          </a:p>
+          <a:p>
+            <a:pPr>
+              <a:tabLst>
+                <a:tab pos="2743200" algn="l"/>
+              </a:tabLst>
+            </a:pPr>
+            <a:r>
+              <a:rPr lang="en-US" b="1" dirty="0">
+                <a:solidFill>
+                  <a:schemeClr val="accent1">
+                    <a:lumMod val="50000"/>
+                  </a:schemeClr>
+                </a:solidFill>
+                <a:latin typeface="Comic Sans MS" pitchFamily="66" charset="0"/>
+              </a:rPr>
+              <a:t>      </a:t>
+            </a:r>
+            <a:r>
+              <a:rPr lang="en-US" b="1" dirty="0" smtClean="0">
+                <a:solidFill>
+                  <a:schemeClr val="accent1">
+                    <a:lumMod val="50000"/>
+                  </a:schemeClr>
+                </a:solidFill>
+                <a:latin typeface="Euclid Symbol" charset="2"/>
+                <a:cs typeface="Euclid Symbol" charset="2"/>
+              </a:rPr>
+              <a:t>+ </a:t>
+            </a:r>
+            <a:r>
+              <a:rPr lang="en-US" b="1" dirty="0" smtClean="0">
+                <a:solidFill>
+                  <a:schemeClr val="accent1">
+                    <a:lumMod val="50000"/>
+                  </a:schemeClr>
+                </a:solidFill>
+                <a:latin typeface="Comic Sans MS" pitchFamily="66" charset="0"/>
+              </a:rPr>
+              <a:t>|</a:t>
+            </a:r>
+            <a:r>
+              <a:rPr lang="en-US" b="1" dirty="0" smtClean="0">
+                <a:solidFill>
+                  <a:schemeClr val="accent1">
+                    <a:lumMod val="50000"/>
+                  </a:schemeClr>
+                </a:solidFill>
+                <a:latin typeface="Comic Sans MS" pitchFamily="66" charset="0"/>
+              </a:rPr>
+              <a:t>A</a:t>
+            </a:r>
+            <a:r>
+              <a:rPr lang="en-US" b="1" dirty="0" smtClean="0">
+                <a:solidFill>
+                  <a:schemeClr val="accent1">
+                    <a:lumMod val="50000"/>
+                  </a:schemeClr>
+                </a:solidFill>
+                <a:latin typeface="Comic Sans MS" pitchFamily="66" charset="0"/>
+                <a:sym typeface="Euclid Symbol" pitchFamily="18" charset="2"/>
+              </a:rPr>
+              <a:t>∩</a:t>
+            </a:r>
+            <a:r>
+              <a:rPr lang="en-US" b="1" dirty="0" smtClean="0">
+                <a:solidFill>
+                  <a:schemeClr val="accent1">
+                    <a:lumMod val="50000"/>
+                  </a:schemeClr>
+                </a:solidFill>
+                <a:latin typeface="Comic Sans MS" pitchFamily="66" charset="0"/>
+              </a:rPr>
+              <a:t>B</a:t>
+            </a:r>
+            <a:r>
+              <a:rPr lang="en-US" b="1" dirty="0" smtClean="0">
+                <a:solidFill>
+                  <a:schemeClr val="accent1">
+                    <a:lumMod val="50000"/>
+                  </a:schemeClr>
+                </a:solidFill>
+                <a:latin typeface="Comic Sans MS" pitchFamily="66" charset="0"/>
+                <a:sym typeface="Euclid Symbol" pitchFamily="18" charset="2"/>
+              </a:rPr>
+              <a:t>∩</a:t>
+            </a:r>
+            <a:r>
+              <a:rPr lang="en-US" b="1" dirty="0" smtClean="0">
+                <a:solidFill>
+                  <a:schemeClr val="accent1">
+                    <a:lumMod val="50000"/>
+                  </a:schemeClr>
+                </a:solidFill>
+                <a:latin typeface="Comic Sans MS" pitchFamily="66" charset="0"/>
+              </a:rPr>
+              <a:t>C</a:t>
+            </a:r>
+            <a:r>
+              <a:rPr lang="en-US" b="1" dirty="0">
+                <a:solidFill>
+                  <a:schemeClr val="accent1">
+                    <a:lumMod val="50000"/>
+                  </a:schemeClr>
+                </a:solidFill>
+                <a:latin typeface="Comic Sans MS" pitchFamily="66" charset="0"/>
+              </a:rPr>
+              <a:t>|</a:t>
+            </a:r>
+          </a:p>
+        </p:txBody>
+      </p:sp>
+      <p:grpSp>
+        <p:nvGrpSpPr>
+          <p:cNvPr id="16388" name="Group 12"/>
+          <p:cNvGrpSpPr>
+            <a:grpSpLocks/>
+          </p:cNvGrpSpPr>
+          <p:nvPr/>
+        </p:nvGrpSpPr>
+        <p:grpSpPr bwMode="auto">
+          <a:xfrm>
+            <a:off x="2686050" y="3586163"/>
+            <a:ext cx="3787775" cy="3195637"/>
+            <a:chOff x="1692" y="2232"/>
+            <a:chExt cx="2386" cy="2013"/>
+          </a:xfrm>
+        </p:grpSpPr>
+        <p:sp>
+          <p:nvSpPr>
+            <p:cNvPr id="16390" name="Text Box 3"/>
+            <p:cNvSpPr txBox="1">
+              <a:spLocks noChangeArrowheads="1"/>
+            </p:cNvSpPr>
+            <p:nvPr/>
+          </p:nvSpPr>
+          <p:spPr bwMode="auto">
+            <a:xfrm>
+              <a:off x="1692" y="2561"/>
+              <a:ext cx="327" cy="404"/>
+            </a:xfrm>
+            <a:prstGeom prst="rect">
+              <a:avLst/>
+            </a:prstGeom>
+            <a:noFill/>
+            <a:ln w="9525">
+              <a:noFill/>
+              <a:miter lim="800000"/>
+              <a:headEnd/>
+              <a:tailEnd type="none" w="lg" len="lg"/>
+            </a:ln>
+          </p:spPr>
+          <p:txBody>
+            <a:bodyPr wrap="none">
+              <a:spAutoFit/>
+            </a:bodyPr>
+            <a:lstStyle/>
+            <a:p>
+              <a:r>
+                <a:rPr lang="en-US" dirty="0">
+                  <a:solidFill>
+                    <a:srgbClr val="0000E5"/>
+                  </a:solidFill>
+                  <a:latin typeface="Comic Sans MS" pitchFamily="66" charset="0"/>
+                </a:rPr>
+                <a:t>A</a:t>
+              </a:r>
+            </a:p>
+          </p:txBody>
+        </p:sp>
+        <p:sp>
+          <p:nvSpPr>
+            <p:cNvPr id="16391" name="Text Box 4"/>
+            <p:cNvSpPr txBox="1">
+              <a:spLocks noChangeArrowheads="1"/>
+            </p:cNvSpPr>
+            <p:nvPr/>
+          </p:nvSpPr>
+          <p:spPr bwMode="auto">
+            <a:xfrm>
+              <a:off x="3780" y="2561"/>
+              <a:ext cx="298" cy="404"/>
+            </a:xfrm>
+            <a:prstGeom prst="rect">
+              <a:avLst/>
+            </a:prstGeom>
+            <a:noFill/>
+            <a:ln w="9525">
+              <a:noFill/>
+              <a:miter lim="800000"/>
+              <a:headEnd/>
+              <a:tailEnd type="none" w="lg" len="lg"/>
+            </a:ln>
+          </p:spPr>
+          <p:txBody>
+            <a:bodyPr wrap="none">
+              <a:spAutoFit/>
+            </a:bodyPr>
+            <a:lstStyle/>
+            <a:p>
+              <a:r>
+                <a:rPr lang="en-US" dirty="0">
+                  <a:solidFill>
+                    <a:srgbClr val="0000E5"/>
+                  </a:solidFill>
+                  <a:latin typeface="Comic Sans MS" pitchFamily="66" charset="0"/>
+                </a:rPr>
+                <a:t>B</a:t>
+              </a:r>
+            </a:p>
+          </p:txBody>
+        </p:sp>
+        <p:sp>
+          <p:nvSpPr>
+            <p:cNvPr id="16392" name="Text Box 5"/>
+            <p:cNvSpPr txBox="1">
+              <a:spLocks noChangeArrowheads="1"/>
+            </p:cNvSpPr>
+            <p:nvPr/>
+          </p:nvSpPr>
+          <p:spPr bwMode="auto">
+            <a:xfrm>
+              <a:off x="2728" y="3841"/>
+              <a:ext cx="290" cy="404"/>
+            </a:xfrm>
+            <a:prstGeom prst="rect">
+              <a:avLst/>
+            </a:prstGeom>
+            <a:noFill/>
+            <a:ln w="9525">
+              <a:noFill/>
+              <a:miter lim="800000"/>
+              <a:headEnd/>
+              <a:tailEnd type="none" w="lg" len="lg"/>
+            </a:ln>
+          </p:spPr>
+          <p:txBody>
+            <a:bodyPr wrap="none">
+              <a:spAutoFit/>
+            </a:bodyPr>
+            <a:lstStyle/>
+            <a:p>
+              <a:r>
+                <a:rPr lang="en-US" dirty="0">
+                  <a:solidFill>
+                    <a:srgbClr val="0000E5"/>
+                  </a:solidFill>
+                  <a:latin typeface="Comic Sans MS" pitchFamily="66" charset="0"/>
+                </a:rPr>
+                <a:t>C</a:t>
+              </a:r>
+            </a:p>
+          </p:txBody>
+        </p:sp>
+        <p:grpSp>
+          <p:nvGrpSpPr>
+            <p:cNvPr id="16393" name="Group 7"/>
+            <p:cNvGrpSpPr>
+              <a:grpSpLocks/>
+            </p:cNvGrpSpPr>
+            <p:nvPr/>
+          </p:nvGrpSpPr>
+          <p:grpSpPr bwMode="auto">
+            <a:xfrm>
+              <a:off x="2064" y="2232"/>
+              <a:ext cx="1632" cy="1608"/>
+              <a:chOff x="1984" y="2232"/>
+              <a:chExt cx="1632" cy="1608"/>
+            </a:xfrm>
+          </p:grpSpPr>
+          <p:sp>
+            <p:nvSpPr>
+              <p:cNvPr id="16394" name="Oval 8"/>
+              <p:cNvSpPr>
+                <a:spLocks noChangeArrowheads="1"/>
+              </p:cNvSpPr>
+              <p:nvPr/>
+            </p:nvSpPr>
+            <p:spPr bwMode="auto">
+              <a:xfrm>
+                <a:off x="1984" y="2240"/>
+                <a:ext cx="1016" cy="1032"/>
+              </a:xfrm>
+              <a:prstGeom prst="ellipse">
+                <a:avLst/>
+              </a:prstGeom>
+              <a:solidFill>
+                <a:srgbClr val="0066FF"/>
+              </a:solidFill>
+              <a:ln w="9525">
+                <a:solidFill>
+                  <a:schemeClr val="tx1"/>
+                </a:solidFill>
+                <a:round/>
+                <a:headEnd/>
+                <a:tailEnd type="none" w="lg" len="lg"/>
+              </a:ln>
+            </p:spPr>
+            <p:txBody>
+              <a:bodyPr wrap="none" anchor="ctr"/>
+              <a:lstStyle/>
+              <a:p>
+                <a:pPr algn="ctr"/>
+                <a:endParaRPr lang="en-US">
+                  <a:solidFill>
+                    <a:schemeClr val="accent2"/>
+                  </a:solidFill>
+                  <a:latin typeface="Comic Sans MS" pitchFamily="66" charset="0"/>
+                </a:endParaRPr>
+              </a:p>
+            </p:txBody>
+          </p:sp>
+          <p:sp>
+            <p:nvSpPr>
+              <p:cNvPr id="16395" name="Oval 9"/>
+              <p:cNvSpPr>
+                <a:spLocks noChangeArrowheads="1"/>
+              </p:cNvSpPr>
+              <p:nvPr/>
+            </p:nvSpPr>
+            <p:spPr bwMode="auto">
+              <a:xfrm>
+                <a:off x="2292" y="2808"/>
+                <a:ext cx="1016" cy="1032"/>
+              </a:xfrm>
+              <a:prstGeom prst="ellipse">
+                <a:avLst/>
+              </a:prstGeom>
+              <a:solidFill>
+                <a:srgbClr val="FFFF00"/>
+              </a:solidFill>
+              <a:ln w="9525">
+                <a:solidFill>
+                  <a:schemeClr val="tx1"/>
+                </a:solidFill>
+                <a:round/>
+                <a:headEnd/>
+                <a:tailEnd type="none" w="lg" len="lg"/>
+              </a:ln>
+            </p:spPr>
+            <p:txBody>
+              <a:bodyPr wrap="none" anchor="ctr"/>
+              <a:lstStyle/>
+              <a:p>
+                <a:endParaRPr lang="en-US"/>
+              </a:p>
+            </p:txBody>
+          </p:sp>
+          <p:sp>
+            <p:nvSpPr>
+              <p:cNvPr id="16396" name="Oval 10"/>
+              <p:cNvSpPr>
+                <a:spLocks noChangeArrowheads="1"/>
+              </p:cNvSpPr>
+              <p:nvPr/>
+            </p:nvSpPr>
+            <p:spPr bwMode="auto">
+              <a:xfrm>
+                <a:off x="1984" y="2248"/>
+                <a:ext cx="1016" cy="1032"/>
+              </a:xfrm>
+              <a:prstGeom prst="ellipse">
+                <a:avLst/>
+              </a:prstGeom>
+              <a:solidFill>
+                <a:srgbClr val="33CCFF">
+                  <a:alpha val="50195"/>
+                </a:srgbClr>
+              </a:solidFill>
+              <a:ln w="9525">
+                <a:solidFill>
+                  <a:schemeClr val="tx1"/>
+                </a:solidFill>
+                <a:round/>
+                <a:headEnd/>
+                <a:tailEnd type="none" w="lg" len="lg"/>
+              </a:ln>
+            </p:spPr>
+            <p:txBody>
+              <a:bodyPr wrap="none" anchor="ctr"/>
+              <a:lstStyle/>
+              <a:p>
+                <a:pPr algn="ctr"/>
+                <a:endParaRPr lang="en-US">
+                  <a:solidFill>
+                    <a:schemeClr val="accent2"/>
+                  </a:solidFill>
+                  <a:latin typeface="Comic Sans MS" pitchFamily="66" charset="0"/>
+                </a:endParaRPr>
+              </a:p>
+            </p:txBody>
+          </p:sp>
+          <p:sp>
+            <p:nvSpPr>
+              <p:cNvPr id="16397" name="Oval 11"/>
+              <p:cNvSpPr>
+                <a:spLocks noChangeArrowheads="1"/>
+              </p:cNvSpPr>
+              <p:nvPr/>
+            </p:nvSpPr>
+            <p:spPr bwMode="auto">
+              <a:xfrm>
+                <a:off x="2600" y="2232"/>
+                <a:ext cx="1016" cy="1032"/>
+              </a:xfrm>
+              <a:prstGeom prst="ellipse">
+                <a:avLst/>
+              </a:prstGeom>
+              <a:solidFill>
+                <a:schemeClr val="accent2">
+                  <a:alpha val="50195"/>
+                </a:schemeClr>
+              </a:solidFill>
+              <a:ln w="9525">
+                <a:solidFill>
+                  <a:schemeClr val="tx1"/>
+                </a:solidFill>
+                <a:round/>
+                <a:headEnd/>
+                <a:tailEnd type="none" w="lg" len="lg"/>
+              </a:ln>
+            </p:spPr>
+            <p:txBody>
+              <a:bodyPr wrap="none" anchor="ctr"/>
+              <a:lstStyle/>
+              <a:p>
+                <a:pPr algn="ctr"/>
+                <a:endParaRPr lang="en-US">
+                  <a:solidFill>
+                    <a:schemeClr val="accent2"/>
+                  </a:solidFill>
+                  <a:latin typeface="Comic Sans MS" pitchFamily="66" charset="0"/>
+                </a:endParaRPr>
+              </a:p>
+            </p:txBody>
+          </p:sp>
+        </p:grpSp>
+      </p:grpSp>
+      <p:sp>
+        <p:nvSpPr>
+          <p:cNvPr id="16389" name="Slide Number Placeholder 13"/>
+          <p:cNvSpPr>
+            <a:spLocks noGrp="1"/>
+          </p:cNvSpPr>
+          <p:nvPr>
+            <p:ph type="sldNum" sz="quarter" idx="10"/>
+          </p:nvPr>
+        </p:nvSpPr>
+        <p:spPr>
+          <a:noFill/>
+        </p:spPr>
+        <p:txBody>
+          <a:bodyPr/>
+          <a:lstStyle/>
+          <a:p>
+            <a:r>
+              <a:rPr lang="en-US" dirty="0" err="1" smtClean="0"/>
+              <a:t>incexcI</a:t>
+            </a:r>
+            <a:r>
+              <a:rPr lang="en-US" dirty="0" smtClean="0"/>
+              <a:t>.</a:t>
+            </a:r>
+            <a:fld id="{3B8E4082-F40B-4428-B587-3133F5D7165C}" type="slidenum">
+              <a:rPr lang="en-US" smtClean="0"/>
+              <a:pPr/>
+              <a:t>10</a:t>
+            </a:fld>
+            <a:endParaRPr lang="en-US" dirty="0" smtClean="0"/>
+          </a:p>
+        </p:txBody>
+      </p:sp>
+    </p:spTree>
+    <p:extLst>
+      <p:ext uri="{BB962C8B-B14F-4D97-AF65-F5344CB8AC3E}">
+        <p14:creationId xmlns:p14="http://schemas.microsoft.com/office/powerpoint/2010/main" val="3242951595"/>
+      </p:ext>
+    </p:extLst>
+  </p:cSld>
+  <p:clrMapOvr>
+    <a:masterClrMapping/>
+  </p:clrMapOvr>
+  <p:transition xmlns:p14="http://schemas.microsoft.com/office/powerpoint/2010/main" spd="slow" advClick="0">
+    <p:fade thruBlk="1"/>
+  </p:transition>
+  <p:timing>
+    <p:tnLst>
+      <p:par>
+        <p:cTn xmlns:p14="http://schemas.microsoft.com/office/powerpoint/2010/main" id="1" dur="indefinite" restart="never" nodeType="tmRoot">
+          <p:childTnLst>
+            <p:seq concurrent="1" nextAc="seek">
+              <p:cTn id="2" dur="indefinite" nodeType="mainSeq">
+                <p:childTnLst>
+                  <p:par>
+                    <p:cTn id="3" fill="hold">
+                      <p:stCondLst>
+                        <p:cond delay="indefinite"/>
+                      </p:stCondLst>
+                      <p:childTnLst>
+                        <p:par>
+                          <p:cTn id="4" fill="hold">
+                            <p:stCondLst>
+                              <p:cond delay="0"/>
+                            </p:stCondLst>
+                            <p:childTnLst>
+                              <p:par>
+                                <p:cTn id="5" presetID="9" presetClass="entr" presetSubtype="0" fill="hold" grpId="0" nodeType="clickEffect">
+                                  <p:stCondLst>
+                                    <p:cond delay="0"/>
+                                  </p:stCondLst>
+                                  <p:childTnLst>
+                                    <p:set>
+                                      <p:cBhvr>
+                                        <p:cTn id="6" dur="1" fill="hold">
+                                          <p:stCondLst>
+                                            <p:cond delay="0"/>
+                                          </p:stCondLst>
+                                        </p:cTn>
+                                        <p:tgtEl>
+                                          <p:spTgt spid="27651"/>
+                                        </p:tgtEl>
+                                        <p:attrNameLst>
+                                          <p:attrName>style.visibility</p:attrName>
+                                        </p:attrNameLst>
+                                      </p:cBhvr>
+                                      <p:to>
+                                        <p:strVal val="visible"/>
+                                      </p:to>
+                                    </p:set>
+                                    <p:animEffect transition="in" filter="dissolve">
+                                      <p:cBhvr>
+                                        <p:cTn id="7" dur="500"/>
+                                        <p:tgtEl>
+                                          <p:spTgt spid="27651"/>
+                                        </p:tgtEl>
+                                      </p:cBhvr>
+                                    </p:animEffect>
+                                  </p:childTnLst>
+                                </p:cTn>
+                              </p:par>
+                            </p:childTnLst>
+                          </p:cTn>
+                        </p:par>
+                      </p:childTnLst>
+                    </p:cTn>
+                  </p:par>
+                </p:childTnLst>
+              </p:cTn>
+              <p:prevCondLst>
+                <p:cond evt="onPrev" delay="0">
+                  <p:tgtEl>
+                    <p:sldTgt/>
+                  </p:tgtEl>
+                </p:cond>
+              </p:prevCondLst>
+              <p:nextCondLst>
+                <p:cond evt="onNext" delay="0">
+                  <p:tgtEl>
+                    <p:sldTgt/>
+                  </p:tgtEl>
+                </p:cond>
+              </p:nextCondLst>
+            </p:seq>
+          </p:childTnLst>
+        </p:cTn>
+      </p:par>
+    </p:tnLst>
+    <p:bldLst>
+      <p:bldP spid="27651" grpId="0" animBg="1"/>
+    </p:bldLst>
+  </p:timing>
+</p:sld>
+</file>
+
+<file path=ppt/slides/slide11.xml><?xml version="1.0" encoding="utf-8"?>
+<p:sld xmlns:a="http://schemas.openxmlformats.org/drawingml/2006/main" xmlns:r="http://schemas.openxmlformats.org/officeDocument/2006/relationships" xmlns:p="http://schemas.openxmlformats.org/presentationml/2006/main" show="0">
+  <p:cSld>
+    <p:spTree>
+      <p:nvGrpSpPr>
+        <p:cNvPr id="1" name=""/>
+        <p:cNvGrpSpPr/>
+        <p:nvPr/>
+      </p:nvGrpSpPr>
+      <p:grpSpPr>
+        <a:xfrm>
+          <a:off x="0" y="0"/>
+          <a:ext cx="0" cy="0"/>
+          <a:chOff x="0" y="0"/>
+          <a:chExt cx="0" cy="0"/>
+        </a:xfrm>
+      </p:grpSpPr>
+      <p:sp>
+        <p:nvSpPr>
+          <p:cNvPr id="5124" name="Rectangle 2"/>
+          <p:cNvSpPr>
+            <a:spLocks noGrp="1" noChangeArrowheads="1"/>
+          </p:cNvSpPr>
+          <p:nvPr>
+            <p:ph type="title"/>
+          </p:nvPr>
+        </p:nvSpPr>
+        <p:spPr>
+          <a:xfrm>
+            <a:off x="1600200" y="304800"/>
+            <a:ext cx="6019800" cy="1143000"/>
+          </a:xfrm>
+        </p:spPr>
+        <p:txBody>
+          <a:bodyPr/>
+          <a:lstStyle/>
+          <a:p>
+            <a:pPr eaLnBrk="1" hangingPunct="1"/>
+            <a:r>
+              <a:rPr lang="en-US" dirty="0" smtClean="0">
+                <a:latin typeface="Comic Sans MS" pitchFamily="66" charset="0"/>
+              </a:rPr>
+              <a:t>Inclusion-Excl</a:t>
+            </a:r>
+            <a:r>
+              <a:rPr lang="en-US" dirty="0" smtClean="0"/>
+              <a:t>usion</a:t>
+            </a:r>
+            <a:endParaRPr lang="en-US" dirty="0" smtClean="0">
+              <a:latin typeface="Comic Sans MS" pitchFamily="66" charset="0"/>
+            </a:endParaRPr>
+          </a:p>
+        </p:txBody>
+      </p:sp>
+      <p:sp>
+        <p:nvSpPr>
+          <p:cNvPr id="5125" name="Slide Number Placeholder 7"/>
+          <p:cNvSpPr>
+            <a:spLocks noGrp="1"/>
+          </p:cNvSpPr>
+          <p:nvPr>
+            <p:ph type="sldNum" sz="quarter" idx="10"/>
+          </p:nvPr>
+        </p:nvSpPr>
+        <p:spPr>
+          <a:noFill/>
+        </p:spPr>
+        <p:txBody>
+          <a:bodyPr/>
+          <a:lstStyle/>
+          <a:p>
+            <a:r>
+              <a:rPr lang="en-US" dirty="0" err="1" smtClean="0"/>
+              <a:t>incexcI</a:t>
+            </a:r>
+            <a:r>
+              <a:rPr lang="en-US" dirty="0" smtClean="0"/>
+              <a:t>.</a:t>
+            </a:r>
+            <a:fld id="{440333D2-3154-4D4B-AAB9-AB5679BA8A30}" type="slidenum">
+              <a:rPr lang="en-US" smtClean="0"/>
+              <a:pPr/>
+              <a:t>11</a:t>
+            </a:fld>
+            <a:endParaRPr lang="en-US" dirty="0" smtClean="0"/>
+          </a:p>
+        </p:txBody>
+      </p:sp>
+      <p:graphicFrame>
+        <p:nvGraphicFramePr>
+          <p:cNvPr id="2" name="Object 1"/>
+          <p:cNvGraphicFramePr>
+            <a:graphicFrameLocks noChangeAspect="1"/>
+          </p:cNvGraphicFramePr>
+          <p:nvPr>
+            <p:extLst>
+              <p:ext uri="{D42A27DB-BD31-4B8C-83A1-F6EECF244321}">
+                <p14:modId xmlns:p14="http://schemas.microsoft.com/office/powerpoint/2010/main" val="3034928959"/>
+              </p:ext>
+            </p:extLst>
+          </p:nvPr>
+        </p:nvGraphicFramePr>
+        <p:xfrm>
+          <a:off x="457200" y="3200400"/>
+          <a:ext cx="8229600" cy="2133600"/>
+        </p:xfrm>
+        <a:graphic>
+          <a:graphicData uri="http://schemas.openxmlformats.org/presentationml/2006/ole">
+            <mc:AlternateContent xmlns:mc="http://schemas.openxmlformats.org/markup-compatibility/2006">
+              <mc:Choice xmlns:v="urn:schemas-microsoft-com:vml" Requires="v">
+                <p:oleObj spid="_x0000_s201777" name="Equation" r:id="rId4" imgW="2057400" imgH="533400" progId="Equation.DSMT4">
+                  <p:embed/>
+                </p:oleObj>
+              </mc:Choice>
+              <mc:Fallback>
+                <p:oleObj name="Equation" r:id="rId4" imgW="2057400" imgH="533400" progId="Equation.DSMT4">
+                  <p:embed/>
+                  <p:pic>
+                    <p:nvPicPr>
+                      <p:cNvPr id="0" name=""/>
+                      <p:cNvPicPr/>
+                      <p:nvPr/>
+                    </p:nvPicPr>
+                    <p:blipFill>
+                      <a:blip r:embed="rId5"/>
+                      <a:stretch>
+                        <a:fillRect/>
+                      </a:stretch>
+                    </p:blipFill>
+                    <p:spPr>
+                      <a:xfrm>
+                        <a:off x="457200" y="3200400"/>
+                        <a:ext cx="8229600" cy="2133600"/>
+                      </a:xfrm>
+                      <a:prstGeom prst="rect">
+                        <a:avLst/>
+                      </a:prstGeom>
+                    </p:spPr>
+                  </p:pic>
+                </p:oleObj>
+              </mc:Fallback>
+            </mc:AlternateContent>
+          </a:graphicData>
+        </a:graphic>
+      </p:graphicFrame>
+      <p:graphicFrame>
+        <p:nvGraphicFramePr>
+          <p:cNvPr id="6" name="Object 3"/>
+          <p:cNvGraphicFramePr>
+            <a:graphicFrameLocks noChangeAspect="1"/>
+          </p:cNvGraphicFramePr>
+          <p:nvPr>
+            <p:extLst>
+              <p:ext uri="{D42A27DB-BD31-4B8C-83A1-F6EECF244321}">
+                <p14:modId xmlns:p14="http://schemas.microsoft.com/office/powerpoint/2010/main" val="3931540511"/>
+              </p:ext>
+            </p:extLst>
+          </p:nvPr>
+        </p:nvGraphicFramePr>
+        <p:xfrm>
+          <a:off x="217488" y="1687512"/>
+          <a:ext cx="6877050" cy="1360488"/>
+        </p:xfrm>
+        <a:graphic>
+          <a:graphicData uri="http://schemas.openxmlformats.org/presentationml/2006/ole">
+            <mc:AlternateContent xmlns:mc="http://schemas.openxmlformats.org/markup-compatibility/2006">
+              <mc:Choice xmlns:v="urn:schemas-microsoft-com:vml" Requires="v">
+                <p:oleObj spid="_x0000_s201778" name="Equation" r:id="rId6" imgW="1346200" imgH="266700" progId="Equation.DSMT4">
+                  <p:embed/>
+                </p:oleObj>
+              </mc:Choice>
+              <mc:Fallback>
+                <p:oleObj name="Equation" r:id="rId6" imgW="1346200" imgH="266700" progId="Equation.DSMT4">
+                  <p:embed/>
+                  <p:pic>
+                    <p:nvPicPr>
+                      <p:cNvPr id="0" name=""/>
+                      <p:cNvPicPr>
+                        <a:picLocks noChangeAspect="1" noChangeArrowheads="1"/>
+                      </p:cNvPicPr>
+                      <p:nvPr/>
+                    </p:nvPicPr>
+                    <p:blipFill>
+                      <a:blip r:embed="rId7"/>
+                      <a:srcRect/>
+                      <a:stretch>
+                        <a:fillRect/>
+                      </a:stretch>
+                    </p:blipFill>
+                    <p:spPr bwMode="auto">
+                      <a:xfrm>
+                        <a:off x="217488" y="1687512"/>
+                        <a:ext cx="6877050" cy="1360488"/>
+                      </a:xfrm>
+                      <a:prstGeom prst="rect">
+                        <a:avLst/>
+                      </a:prstGeom>
+                      <a:noFill/>
+                      <a:extLst>
+                        <a:ext uri="{909E8E84-426E-40dd-AFC4-6F175D3DCCD1}">
+                          <a14:hiddenFill xmlns:a14="http://schemas.microsoft.com/office/drawing/2010/main">
+                            <a:solidFill>
+                              <a:srgbClr val="FFFFFF"/>
+                            </a:solidFill>
+                          </a14:hiddenFill>
+                        </a:ext>
+                      </a:extLst>
+                    </p:spPr>
+                  </p:pic>
+                </p:oleObj>
+              </mc:Fallback>
+            </mc:AlternateContent>
+          </a:graphicData>
+        </a:graphic>
+      </p:graphicFrame>
+    </p:spTree>
+    <p:extLst>
+      <p:ext uri="{BB962C8B-B14F-4D97-AF65-F5344CB8AC3E}">
+        <p14:creationId xmlns:p14="http://schemas.microsoft.com/office/powerpoint/2010/main" val="2003505488"/>
+      </p:ext>
+    </p:extLst>
+  </p:cSld>
+  <p:clrMapOvr>
+    <a:masterClrMapping/>
+  </p:clrMapOvr>
+  <p:transition xmlns:p14="http://schemas.microsoft.com/office/powerpoint/2010/main" spd="slow" advClick="0">
+    <p:fade/>
+  </p:transition>
+  <p:timing>
+    <p:tnLst>
+      <p:par>
+        <p:cTn xmlns:p14="http://schemas.microsoft.com/office/powerpoint/2010/main" id="1" dur="indefinite" restart="never" nodeType="tmRoot"/>
+      </p:par>
+    </p:tnLst>
+  </p:timing>
+</p:sld>
+</file>
+
+<file path=ppt/slides/slide12.xml><?xml version="1.0" encoding="utf-8"?>
+<p:sld xmlns:a="http://schemas.openxmlformats.org/drawingml/2006/main" xmlns:r="http://schemas.openxmlformats.org/officeDocument/2006/relationships" xmlns:p="http://schemas.openxmlformats.org/presentationml/2006/main">
+  <p:cSld>
+    <p:spTree>
+      <p:nvGrpSpPr>
+        <p:cNvPr id="1" name=""/>
+        <p:cNvGrpSpPr/>
+        <p:nvPr/>
+      </p:nvGrpSpPr>
+      <p:grpSpPr>
+        <a:xfrm>
+          <a:off x="0" y="0"/>
+          <a:ext cx="0" cy="0"/>
+          <a:chOff x="0" y="0"/>
+          <a:chExt cx="0" cy="0"/>
+        </a:xfrm>
+      </p:grpSpPr>
+      <p:graphicFrame>
+        <p:nvGraphicFramePr>
+          <p:cNvPr id="5122" name="Object 3"/>
+          <p:cNvGraphicFramePr>
+            <a:graphicFrameLocks noChangeAspect="1"/>
+          </p:cNvGraphicFramePr>
+          <p:nvPr>
+            <p:extLst>
+              <p:ext uri="{D42A27DB-BD31-4B8C-83A1-F6EECF244321}">
+                <p14:modId xmlns:p14="http://schemas.microsoft.com/office/powerpoint/2010/main" val="3128216839"/>
+              </p:ext>
+            </p:extLst>
+          </p:nvPr>
+        </p:nvGraphicFramePr>
+        <p:xfrm>
+          <a:off x="217488" y="1187450"/>
+          <a:ext cx="6877050" cy="1360488"/>
+        </p:xfrm>
+        <a:graphic>
+          <a:graphicData uri="http://schemas.openxmlformats.org/presentationml/2006/ole">
+            <mc:AlternateContent xmlns:mc="http://schemas.openxmlformats.org/markup-compatibility/2006">
+              <mc:Choice xmlns:v="urn:schemas-microsoft-com:vml" Requires="v">
+                <p:oleObj spid="_x0000_s5202" name="Equation" r:id="rId4" imgW="1346200" imgH="266700" progId="Equation.DSMT4">
+                  <p:embed/>
+                </p:oleObj>
+              </mc:Choice>
+              <mc:Fallback>
+                <p:oleObj name="Equation" r:id="rId4" imgW="1346200" imgH="266700" progId="Equation.DSMT4">
+                  <p:embed/>
+                  <p:pic>
+                    <p:nvPicPr>
+                      <p:cNvPr id="0" name="Object 3"/>
+                      <p:cNvPicPr>
+                        <a:picLocks noChangeAspect="1" noChangeArrowheads="1"/>
+                      </p:cNvPicPr>
+                      <p:nvPr/>
+                    </p:nvPicPr>
+                    <p:blipFill>
+                      <a:blip r:embed="rId5"/>
+                      <a:srcRect/>
+                      <a:stretch>
+                        <a:fillRect/>
+                      </a:stretch>
+                    </p:blipFill>
+                    <p:spPr bwMode="auto">
+                      <a:xfrm>
+                        <a:off x="217488" y="1187450"/>
+                        <a:ext cx="6877050" cy="1360488"/>
+                      </a:xfrm>
+                      <a:prstGeom prst="rect">
+                        <a:avLst/>
+                      </a:prstGeom>
+                      <a:noFill/>
+                      <a:extLst>
+                        <a:ext uri="{909E8E84-426E-40dd-AFC4-6F175D3DCCD1}">
+                          <a14:hiddenFill xmlns:a14="http://schemas.microsoft.com/office/drawing/2010/main">
+                            <a:solidFill>
+                              <a:srgbClr val="FFFFFF"/>
+                            </a:solidFill>
+                          </a14:hiddenFill>
+                        </a:ext>
+                      </a:extLst>
+                    </p:spPr>
+                  </p:pic>
+                </p:oleObj>
+              </mc:Fallback>
+            </mc:AlternateContent>
+          </a:graphicData>
+        </a:graphic>
+      </p:graphicFrame>
+      <p:graphicFrame>
+        <p:nvGraphicFramePr>
+          <p:cNvPr id="571396" name="Object 4"/>
+          <p:cNvGraphicFramePr>
+            <a:graphicFrameLocks noChangeAspect="1"/>
+          </p:cNvGraphicFramePr>
+          <p:nvPr>
+            <p:extLst>
+              <p:ext uri="{D42A27DB-BD31-4B8C-83A1-F6EECF244321}">
+                <p14:modId xmlns:p14="http://schemas.microsoft.com/office/powerpoint/2010/main" val="3732530121"/>
+              </p:ext>
+            </p:extLst>
+          </p:nvPr>
+        </p:nvGraphicFramePr>
+        <p:xfrm>
+          <a:off x="933450" y="2451100"/>
+          <a:ext cx="7307263" cy="2493963"/>
+        </p:xfrm>
+        <a:graphic>
+          <a:graphicData uri="http://schemas.openxmlformats.org/presentationml/2006/ole">
+            <mc:AlternateContent xmlns:mc="http://schemas.openxmlformats.org/markup-compatibility/2006">
+              <mc:Choice xmlns:v="urn:schemas-microsoft-com:vml" Requires="v">
+                <p:oleObj spid="_x0000_s5203" name="Equation" r:id="rId6" imgW="1447800" imgH="495300" progId="Equation.DSMT4">
+                  <p:embed/>
+                </p:oleObj>
+              </mc:Choice>
+              <mc:Fallback>
+                <p:oleObj name="Equation" r:id="rId6" imgW="1447800" imgH="495300" progId="Equation.DSMT4">
+                  <p:embed/>
+                  <p:pic>
+                    <p:nvPicPr>
+                      <p:cNvPr id="0" name="Object 4"/>
+                      <p:cNvPicPr>
+                        <a:picLocks noChangeAspect="1" noChangeArrowheads="1"/>
+                      </p:cNvPicPr>
+                      <p:nvPr/>
+                    </p:nvPicPr>
+                    <p:blipFill>
+                      <a:blip r:embed="rId7"/>
+                      <a:srcRect/>
+                      <a:stretch>
+                        <a:fillRect/>
+                      </a:stretch>
+                    </p:blipFill>
+                    <p:spPr bwMode="auto">
+                      <a:xfrm>
+                        <a:off x="933450" y="2451100"/>
+                        <a:ext cx="7307263" cy="2493963"/>
+                      </a:xfrm>
+                      <a:prstGeom prst="rect">
+                        <a:avLst/>
+                      </a:prstGeom>
+                      <a:noFill/>
+                      <a:extLst>
+                        <a:ext uri="{909E8E84-426E-40dd-AFC4-6F175D3DCCD1}">
+                          <a14:hiddenFill xmlns:a14="http://schemas.microsoft.com/office/drawing/2010/main">
+                            <a:solidFill>
+                              <a:srgbClr val="FFFFFF"/>
+                            </a:solidFill>
+                          </a14:hiddenFill>
+                        </a:ext>
+                      </a:extLst>
+                    </p:spPr>
+                  </p:pic>
+                </p:oleObj>
+              </mc:Fallback>
+            </mc:AlternateContent>
+          </a:graphicData>
+        </a:graphic>
+      </p:graphicFrame>
+      <p:sp>
+        <p:nvSpPr>
+          <p:cNvPr id="5124" name="Rectangle 2"/>
+          <p:cNvSpPr>
+            <a:spLocks noGrp="1" noChangeArrowheads="1"/>
+          </p:cNvSpPr>
+          <p:nvPr>
+            <p:ph type="title"/>
+          </p:nvPr>
+        </p:nvSpPr>
+        <p:spPr>
+          <a:xfrm>
+            <a:off x="1600200" y="304800"/>
+            <a:ext cx="6019800" cy="1143000"/>
+          </a:xfrm>
+        </p:spPr>
+        <p:txBody>
+          <a:bodyPr/>
+          <a:lstStyle/>
+          <a:p>
+            <a:pPr eaLnBrk="1" hangingPunct="1"/>
+            <a:r>
+              <a:rPr lang="en-US" dirty="0" err="1" smtClean="0">
+                <a:latin typeface="Comic Sans MS" pitchFamily="66" charset="0"/>
+              </a:rPr>
+              <a:t>Incl-</a:t>
+            </a:r>
+            <a:r>
+              <a:rPr lang="en-US" dirty="0" err="1" smtClean="0">
+                <a:latin typeface="Comic Sans MS" pitchFamily="66" charset="0"/>
+              </a:rPr>
+              <a:t>Excl</a:t>
+            </a:r>
+            <a:r>
+              <a:rPr lang="en-US" dirty="0" smtClean="0">
+                <a:latin typeface="Comic Sans MS" pitchFamily="66" charset="0"/>
+              </a:rPr>
+              <a:t> (</a:t>
+            </a:r>
+            <a:r>
+              <a:rPr lang="en-US" dirty="0" smtClean="0">
+                <a:solidFill>
+                  <a:srgbClr val="0000FF"/>
+                </a:solidFill>
+                <a:latin typeface="Comic Sans MS" pitchFamily="66" charset="0"/>
+              </a:rPr>
+              <a:t>n</a:t>
+            </a:r>
+            <a:r>
+              <a:rPr lang="en-US" dirty="0" smtClean="0">
+                <a:latin typeface="Comic Sans MS" pitchFamily="66" charset="0"/>
+              </a:rPr>
+              <a:t> sets)</a:t>
+            </a:r>
+            <a:endParaRPr lang="en-US" dirty="0" smtClean="0">
+              <a:latin typeface="Comic Sans MS" pitchFamily="66" charset="0"/>
+            </a:endParaRPr>
+          </a:p>
+        </p:txBody>
+      </p:sp>
+      <p:sp>
+        <p:nvSpPr>
+          <p:cNvPr id="5125" name="Slide Number Placeholder 7"/>
+          <p:cNvSpPr>
+            <a:spLocks noGrp="1"/>
+          </p:cNvSpPr>
+          <p:nvPr>
+            <p:ph type="sldNum" sz="quarter" idx="10"/>
+          </p:nvPr>
+        </p:nvSpPr>
+        <p:spPr>
+          <a:noFill/>
+        </p:spPr>
+        <p:txBody>
+          <a:bodyPr/>
+          <a:lstStyle/>
+          <a:p>
+            <a:r>
+              <a:rPr lang="en-US" dirty="0" err="1" smtClean="0"/>
+              <a:t>incexcI</a:t>
+            </a:r>
+            <a:r>
+              <a:rPr lang="en-US" dirty="0" smtClean="0"/>
+              <a:t>.</a:t>
+            </a:r>
+            <a:fld id="{440333D2-3154-4D4B-AAB9-AB5679BA8A30}" type="slidenum">
+              <a:rPr lang="en-US" smtClean="0"/>
+              <a:pPr/>
+              <a:t>12</a:t>
+            </a:fld>
+            <a:endParaRPr lang="en-US" dirty="0" smtClean="0"/>
+          </a:p>
+        </p:txBody>
+      </p:sp>
+    </p:spTree>
+  </p:cSld>
+  <p:clrMapOvr>
+    <a:masterClrMapping/>
+  </p:clrMapOvr>
+  <p:transition xmlns:p14="http://schemas.microsoft.com/office/powerpoint/2010/main" spd="slow" advClick="0">
+    <p:fade thruBlk="1"/>
+  </p:transition>
+  <p:timing>
+    <p:tnLst>
+      <p:par>
+        <p:cTn xmlns:p14="http://schemas.microsoft.com/office/powerpoint/2010/main" id="1" dur="indefinite" restart="never" nodeType="tmRoot">
+          <p:childTnLst>
+            <p:seq concurrent="1" nextAc="seek">
+              <p:cTn id="2" dur="indefinite" nodeType="mainSeq">
+                <p:childTnLst>
+                  <p:par>
+                    <p:cTn id="3" fill="hold">
+                      <p:stCondLst>
+                        <p:cond delay="indefinite"/>
+                      </p:stCondLst>
+                      <p:childTnLst>
+                        <p:par>
+                          <p:cTn id="4" fill="hold">
+                            <p:stCondLst>
+                              <p:cond delay="0"/>
+                            </p:stCondLst>
+                            <p:childTnLst>
+                              <p:par>
+                                <p:cTn id="5" presetID="22" presetClass="entr" presetSubtype="8" fill="hold" nodeType="clickEffect">
+                                  <p:stCondLst>
+                                    <p:cond delay="0"/>
+                                  </p:stCondLst>
+                                  <p:childTnLst>
+                                    <p:set>
+                                      <p:cBhvr>
+                                        <p:cTn id="6" dur="1" fill="hold">
+                                          <p:stCondLst>
+                                            <p:cond delay="0"/>
+                                          </p:stCondLst>
+                                        </p:cTn>
+                                        <p:tgtEl>
+                                          <p:spTgt spid="571396"/>
+                                        </p:tgtEl>
+                                        <p:attrNameLst>
+                                          <p:attrName>style.visibility</p:attrName>
+                                        </p:attrNameLst>
+                                      </p:cBhvr>
+                                      <p:to>
+                                        <p:strVal val="visible"/>
+                                      </p:to>
+                                    </p:set>
+                                    <p:animEffect transition="in" filter="wipe(left)">
+                                      <p:cBhvr>
+                                        <p:cTn id="7" dur="2000"/>
+                                        <p:tgtEl>
+                                          <p:spTgt spid="571396"/>
+                                        </p:tgtEl>
+                                      </p:cBhvr>
+                                    </p:animEffect>
+                                  </p:childTnLst>
+                                </p:cTn>
+                              </p:par>
+                            </p:childTnLst>
+                          </p:cTn>
+                        </p:par>
+                      </p:childTnLst>
+                    </p:cTn>
+                  </p:par>
+                </p:childTnLst>
+              </p:cTn>
+              <p:prevCondLst>
+                <p:cond evt="onPrev" delay="0">
+                  <p:tgtEl>
+                    <p:sldTgt/>
+                  </p:tgtEl>
+                </p:cond>
+              </p:prevCondLst>
+              <p:nextCondLst>
+                <p:cond evt="onNext" delay="0">
+                  <p:tgtEl>
+                    <p:sldTgt/>
+                  </p:tgtEl>
+                </p:cond>
+              </p:nextCondLst>
+            </p:seq>
+          </p:childTnLst>
+        </p:cTn>
+      </p:par>
+    </p:tnLst>
+  </p:timing>
+</p:sld>
+</file>
+
+<file path=ppt/slides/slide13.xml><?xml version="1.0" encoding="utf-8"?>
+<p:sld xmlns:a="http://schemas.openxmlformats.org/drawingml/2006/main" xmlns:r="http://schemas.openxmlformats.org/officeDocument/2006/relationships" xmlns:p="http://schemas.openxmlformats.org/presentationml/2006/main" show="0">
+  <p:cSld>
+    <p:spTree>
+      <p:nvGrpSpPr>
+        <p:cNvPr id="1" name=""/>
+        <p:cNvGrpSpPr/>
+        <p:nvPr/>
+      </p:nvGrpSpPr>
+      <p:grpSpPr>
+        <a:xfrm>
+          <a:off x="0" y="0"/>
+          <a:ext cx="0" cy="0"/>
+          <a:chOff x="0" y="0"/>
+          <a:chExt cx="0" cy="0"/>
+        </a:xfrm>
+      </p:grpSpPr>
+      <p:graphicFrame>
+        <p:nvGraphicFramePr>
+          <p:cNvPr id="5122" name="Object 3"/>
+          <p:cNvGraphicFramePr>
+            <a:graphicFrameLocks noChangeAspect="1"/>
+          </p:cNvGraphicFramePr>
+          <p:nvPr>
+            <p:extLst>
+              <p:ext uri="{D42A27DB-BD31-4B8C-83A1-F6EECF244321}">
+                <p14:modId xmlns:p14="http://schemas.microsoft.com/office/powerpoint/2010/main" val="4103597954"/>
+              </p:ext>
+            </p:extLst>
+          </p:nvPr>
+        </p:nvGraphicFramePr>
+        <p:xfrm>
+          <a:off x="563563" y="1133475"/>
+          <a:ext cx="3178175" cy="2524125"/>
+        </p:xfrm>
+        <a:graphic>
+          <a:graphicData uri="http://schemas.openxmlformats.org/presentationml/2006/ole">
+            <mc:AlternateContent xmlns:mc="http://schemas.openxmlformats.org/markup-compatibility/2006">
+              <mc:Choice xmlns:v="urn:schemas-microsoft-com:vml" Requires="v">
+                <p:oleObj spid="_x0000_s198732" name="Equation" r:id="rId4" imgW="622300" imgH="495300" progId="Equation.DSMT4">
+                  <p:embed/>
+                </p:oleObj>
+              </mc:Choice>
+              <mc:Fallback>
+                <p:oleObj name="Equation" r:id="rId4" imgW="622300" imgH="495300" progId="Equation.DSMT4">
+                  <p:embed/>
+                  <p:pic>
+                    <p:nvPicPr>
+                      <p:cNvPr id="0" name="Object 3"/>
+                      <p:cNvPicPr>
+                        <a:picLocks noChangeAspect="1" noChangeArrowheads="1"/>
+                      </p:cNvPicPr>
+                      <p:nvPr/>
+                    </p:nvPicPr>
+                    <p:blipFill>
+                      <a:blip r:embed="rId5"/>
+                      <a:srcRect/>
+                      <a:stretch>
+                        <a:fillRect/>
+                      </a:stretch>
+                    </p:blipFill>
+                    <p:spPr bwMode="auto">
+                      <a:xfrm>
+                        <a:off x="563563" y="1133475"/>
+                        <a:ext cx="3178175" cy="2524125"/>
+                      </a:xfrm>
+                      <a:prstGeom prst="rect">
+                        <a:avLst/>
+                      </a:prstGeom>
+                      <a:noFill/>
+                      <a:extLst>
+                        <a:ext uri="{909E8E84-426E-40dd-AFC4-6F175D3DCCD1}">
+                          <a14:hiddenFill xmlns:a14="http://schemas.microsoft.com/office/drawing/2010/main">
+                            <a:solidFill>
+                              <a:srgbClr val="FFFFFF"/>
+                            </a:solidFill>
+                          </a14:hiddenFill>
+                        </a:ext>
+                      </a:extLst>
+                    </p:spPr>
+                  </p:pic>
+                </p:oleObj>
+              </mc:Fallback>
+            </mc:AlternateContent>
+          </a:graphicData>
+        </a:graphic>
+      </p:graphicFrame>
+      <p:sp>
+        <p:nvSpPr>
+          <p:cNvPr id="5124" name="Rectangle 2"/>
+          <p:cNvSpPr>
+            <a:spLocks noGrp="1" noChangeArrowheads="1"/>
+          </p:cNvSpPr>
+          <p:nvPr>
+            <p:ph type="title"/>
+          </p:nvPr>
+        </p:nvSpPr>
+        <p:spPr>
+          <a:xfrm>
+            <a:off x="1600200" y="304800"/>
+            <a:ext cx="6019800" cy="1143000"/>
+          </a:xfrm>
+        </p:spPr>
+        <p:txBody>
+          <a:bodyPr/>
+          <a:lstStyle/>
+          <a:p>
+            <a:pPr eaLnBrk="1" hangingPunct="1"/>
+            <a:r>
+              <a:rPr lang="en-US" dirty="0" smtClean="0">
+                <a:latin typeface="Comic Sans MS" pitchFamily="66" charset="0"/>
+              </a:rPr>
+              <a:t>Inclusion-Excl</a:t>
+            </a:r>
+            <a:r>
+              <a:rPr lang="en-US" dirty="0" smtClean="0"/>
+              <a:t>usion</a:t>
+            </a:r>
+            <a:endParaRPr lang="en-US" dirty="0" smtClean="0">
+              <a:latin typeface="Comic Sans MS" pitchFamily="66" charset="0"/>
+            </a:endParaRPr>
+          </a:p>
+        </p:txBody>
+      </p:sp>
+      <p:sp>
+        <p:nvSpPr>
+          <p:cNvPr id="5125" name="Slide Number Placeholder 7"/>
+          <p:cNvSpPr>
+            <a:spLocks noGrp="1"/>
+          </p:cNvSpPr>
+          <p:nvPr>
+            <p:ph type="sldNum" sz="quarter" idx="10"/>
+          </p:nvPr>
+        </p:nvSpPr>
+        <p:spPr>
+          <a:noFill/>
+        </p:spPr>
+        <p:txBody>
+          <a:bodyPr/>
+          <a:lstStyle/>
+          <a:p>
+            <a:r>
+              <a:rPr lang="en-US" dirty="0" err="1" smtClean="0"/>
+              <a:t>incexcI</a:t>
+            </a:r>
+            <a:r>
+              <a:rPr lang="en-US" dirty="0" smtClean="0"/>
+              <a:t>.</a:t>
+            </a:r>
+            <a:fld id="{440333D2-3154-4D4B-AAB9-AB5679BA8A30}" type="slidenum">
+              <a:rPr lang="en-US" smtClean="0"/>
+              <a:pPr/>
+              <a:t>13</a:t>
+            </a:fld>
+            <a:endParaRPr lang="en-US" dirty="0" smtClean="0"/>
+          </a:p>
+        </p:txBody>
+      </p:sp>
+      <p:graphicFrame>
+        <p:nvGraphicFramePr>
+          <p:cNvPr id="2" name="Object 1"/>
+          <p:cNvGraphicFramePr>
+            <a:graphicFrameLocks noChangeAspect="1"/>
+          </p:cNvGraphicFramePr>
+          <p:nvPr>
+            <p:extLst>
+              <p:ext uri="{D42A27DB-BD31-4B8C-83A1-F6EECF244321}">
+                <p14:modId xmlns:p14="http://schemas.microsoft.com/office/powerpoint/2010/main" val="3581708770"/>
+              </p:ext>
+            </p:extLst>
+          </p:nvPr>
+        </p:nvGraphicFramePr>
+        <p:xfrm>
+          <a:off x="304800" y="3733800"/>
+          <a:ext cx="8534400" cy="2133600"/>
+        </p:xfrm>
+        <a:graphic>
+          <a:graphicData uri="http://schemas.openxmlformats.org/presentationml/2006/ole">
+            <mc:AlternateContent xmlns:mc="http://schemas.openxmlformats.org/markup-compatibility/2006">
+              <mc:Choice xmlns:v="urn:schemas-microsoft-com:vml" Requires="v">
+                <p:oleObj spid="_x0000_s198733" name="Equation" r:id="rId6" imgW="2133600" imgH="533400" progId="Equation.DSMT4">
+                  <p:embed/>
+                </p:oleObj>
+              </mc:Choice>
+              <mc:Fallback>
+                <p:oleObj name="Equation" r:id="rId6" imgW="2133600" imgH="533400" progId="Equation.DSMT4">
+                  <p:embed/>
+                  <p:pic>
+                    <p:nvPicPr>
+                      <p:cNvPr id="0" name=""/>
+                      <p:cNvPicPr/>
+                      <p:nvPr/>
+                    </p:nvPicPr>
+                    <p:blipFill>
+                      <a:blip r:embed="rId7"/>
+                      <a:stretch>
+                        <a:fillRect/>
+                      </a:stretch>
+                    </p:blipFill>
+                    <p:spPr>
+                      <a:xfrm>
+                        <a:off x="304800" y="3733800"/>
+                        <a:ext cx="8534400" cy="2133600"/>
+                      </a:xfrm>
+                      <a:prstGeom prst="rect">
+                        <a:avLst/>
+                      </a:prstGeom>
+                    </p:spPr>
+                  </p:pic>
+                </p:oleObj>
+              </mc:Fallback>
+            </mc:AlternateContent>
+          </a:graphicData>
+        </a:graphic>
+      </p:graphicFrame>
+    </p:spTree>
+  </p:cSld>
+  <p:clrMapOvr>
+    <a:masterClrMapping/>
+  </p:clrMapOvr>
+  <p:transition xmlns:p14="http://schemas.microsoft.com/office/powerpoint/2010/main" spd="slow" advClick="0">
+    <p:fade/>
+  </p:transition>
+  <p:timing>
+    <p:tnLst>
+      <p:par>
+        <p:cTn xmlns:p14="http://schemas.microsoft.com/office/powerpoint/2010/main" id="1" dur="indefinite" restart="never" nodeType="tmRoot"/>
+      </p:par>
+    </p:tnLst>
+  </p:timing>
+</p:sld>
+</file>
+
+<file path=ppt/slides/slide14.xml><?xml version="1.0" encoding="utf-8"?>
+<p:sld xmlns:a="http://schemas.openxmlformats.org/drawingml/2006/main" xmlns:r="http://schemas.openxmlformats.org/officeDocument/2006/relationships" xmlns:p="http://schemas.openxmlformats.org/presentationml/2006/main" show="0">
+  <p:cSld>
+    <p:spTree>
+      <p:nvGrpSpPr>
+        <p:cNvPr id="1" name=""/>
+        <p:cNvGrpSpPr/>
+        <p:nvPr/>
+      </p:nvGrpSpPr>
+      <p:grpSpPr>
+        <a:xfrm>
+          <a:off x="0" y="0"/>
+          <a:ext cx="0" cy="0"/>
+          <a:chOff x="0" y="0"/>
+          <a:chExt cx="0" cy="0"/>
+        </a:xfrm>
+      </p:grpSpPr>
+      <p:graphicFrame>
+        <p:nvGraphicFramePr>
+          <p:cNvPr id="5122" name="Object 3"/>
+          <p:cNvGraphicFramePr>
+            <a:graphicFrameLocks noChangeAspect="1"/>
+          </p:cNvGraphicFramePr>
+          <p:nvPr>
+            <p:extLst>
+              <p:ext uri="{D42A27DB-BD31-4B8C-83A1-F6EECF244321}">
+                <p14:modId xmlns:p14="http://schemas.microsoft.com/office/powerpoint/2010/main" val="762641182"/>
+              </p:ext>
+            </p:extLst>
+          </p:nvPr>
+        </p:nvGraphicFramePr>
+        <p:xfrm>
+          <a:off x="563563" y="1133475"/>
+          <a:ext cx="3178175" cy="2524125"/>
+        </p:xfrm>
+        <a:graphic>
+          <a:graphicData uri="http://schemas.openxmlformats.org/presentationml/2006/ole">
+            <mc:AlternateContent xmlns:mc="http://schemas.openxmlformats.org/markup-compatibility/2006">
+              <mc:Choice xmlns:v="urn:schemas-microsoft-com:vml" Requires="v">
+                <p:oleObj spid="_x0000_s200753" name="Equation" r:id="rId4" imgW="622300" imgH="495300" progId="Equation.DSMT4">
+                  <p:embed/>
+                </p:oleObj>
+              </mc:Choice>
+              <mc:Fallback>
+                <p:oleObj name="Equation" r:id="rId4" imgW="622300" imgH="495300" progId="Equation.DSMT4">
+                  <p:embed/>
+                  <p:pic>
+                    <p:nvPicPr>
+                      <p:cNvPr id="0" name=""/>
+                      <p:cNvPicPr>
+                        <a:picLocks noChangeAspect="1" noChangeArrowheads="1"/>
+                      </p:cNvPicPr>
+                      <p:nvPr/>
+                    </p:nvPicPr>
+                    <p:blipFill>
+                      <a:blip r:embed="rId5"/>
+                      <a:srcRect/>
+                      <a:stretch>
+                        <a:fillRect/>
+                      </a:stretch>
+                    </p:blipFill>
+                    <p:spPr bwMode="auto">
+                      <a:xfrm>
+                        <a:off x="563563" y="1133475"/>
+                        <a:ext cx="3178175" cy="2524125"/>
+                      </a:xfrm>
+                      <a:prstGeom prst="rect">
+                        <a:avLst/>
+                      </a:prstGeom>
+                      <a:noFill/>
+                      <a:extLst>
+                        <a:ext uri="{909E8E84-426E-40dd-AFC4-6F175D3DCCD1}">
+                          <a14:hiddenFill xmlns:a14="http://schemas.microsoft.com/office/drawing/2010/main">
+                            <a:solidFill>
+                              <a:srgbClr val="FFFFFF"/>
+                            </a:solidFill>
+                          </a14:hiddenFill>
+                        </a:ext>
+                      </a:extLst>
+                    </p:spPr>
+                  </p:pic>
+                </p:oleObj>
+              </mc:Fallback>
+            </mc:AlternateContent>
+          </a:graphicData>
+        </a:graphic>
+      </p:graphicFrame>
+      <p:graphicFrame>
+        <p:nvGraphicFramePr>
+          <p:cNvPr id="571396" name="Object 4"/>
+          <p:cNvGraphicFramePr>
+            <a:graphicFrameLocks noChangeAspect="1"/>
+          </p:cNvGraphicFramePr>
+          <p:nvPr>
+            <p:extLst>
+              <p:ext uri="{D42A27DB-BD31-4B8C-83A1-F6EECF244321}">
+                <p14:modId xmlns:p14="http://schemas.microsoft.com/office/powerpoint/2010/main" val="3711612902"/>
+              </p:ext>
+            </p:extLst>
+          </p:nvPr>
+        </p:nvGraphicFramePr>
+        <p:xfrm>
+          <a:off x="1758950" y="3111500"/>
+          <a:ext cx="6538913" cy="2493963"/>
+        </p:xfrm>
+        <a:graphic>
+          <a:graphicData uri="http://schemas.openxmlformats.org/presentationml/2006/ole">
+            <mc:AlternateContent xmlns:mc="http://schemas.openxmlformats.org/markup-compatibility/2006">
+              <mc:Choice xmlns:v="urn:schemas-microsoft-com:vml" Requires="v">
+                <p:oleObj spid="_x0000_s200754" name="Equation" r:id="rId6" imgW="1295400" imgH="495300" progId="Equation.DSMT4">
+                  <p:embed/>
+                </p:oleObj>
+              </mc:Choice>
+              <mc:Fallback>
+                <p:oleObj name="Equation" r:id="rId6" imgW="1295400" imgH="495300" progId="Equation.DSMT4">
+                  <p:embed/>
+                  <p:pic>
+                    <p:nvPicPr>
+                      <p:cNvPr id="0" name=""/>
+                      <p:cNvPicPr>
+                        <a:picLocks noChangeAspect="1" noChangeArrowheads="1"/>
+                      </p:cNvPicPr>
+                      <p:nvPr/>
+                    </p:nvPicPr>
+                    <p:blipFill>
+                      <a:blip r:embed="rId7"/>
+                      <a:srcRect/>
+                      <a:stretch>
+                        <a:fillRect/>
+                      </a:stretch>
+                    </p:blipFill>
+                    <p:spPr bwMode="auto">
+                      <a:xfrm>
+                        <a:off x="1758950" y="3111500"/>
+                        <a:ext cx="6538913" cy="2493963"/>
+                      </a:xfrm>
+                      <a:prstGeom prst="rect">
+                        <a:avLst/>
+                      </a:prstGeom>
+                      <a:noFill/>
+                      <a:extLst>
+                        <a:ext uri="{909E8E84-426E-40dd-AFC4-6F175D3DCCD1}">
+                          <a14:hiddenFill xmlns:a14="http://schemas.microsoft.com/office/drawing/2010/main">
+                            <a:solidFill>
+                              <a:srgbClr val="FFFFFF"/>
+                            </a:solidFill>
+                          </a14:hiddenFill>
+                        </a:ext>
+                      </a:extLst>
+                    </p:spPr>
+                  </p:pic>
+                </p:oleObj>
+              </mc:Fallback>
+            </mc:AlternateContent>
+          </a:graphicData>
+        </a:graphic>
+      </p:graphicFrame>
+      <p:sp>
+        <p:nvSpPr>
+          <p:cNvPr id="5124" name="Rectangle 2"/>
+          <p:cNvSpPr>
+            <a:spLocks noGrp="1" noChangeArrowheads="1"/>
+          </p:cNvSpPr>
+          <p:nvPr>
+            <p:ph type="title"/>
+          </p:nvPr>
+        </p:nvSpPr>
+        <p:spPr>
+          <a:xfrm>
+            <a:off x="1600200" y="304800"/>
+            <a:ext cx="6019800" cy="1143000"/>
+          </a:xfrm>
+        </p:spPr>
+        <p:txBody>
+          <a:bodyPr/>
+          <a:lstStyle/>
+          <a:p>
+            <a:pPr eaLnBrk="1" hangingPunct="1"/>
+            <a:r>
+              <a:rPr lang="en-US" dirty="0" smtClean="0">
+                <a:latin typeface="Comic Sans MS" pitchFamily="66" charset="0"/>
+              </a:rPr>
+              <a:t>Inclusion-Excl</a:t>
+            </a:r>
+            <a:r>
+              <a:rPr lang="en-US" dirty="0" smtClean="0"/>
+              <a:t>usion</a:t>
+            </a:r>
+            <a:endParaRPr lang="en-US" dirty="0" smtClean="0">
+              <a:latin typeface="Comic Sans MS" pitchFamily="66" charset="0"/>
+            </a:endParaRPr>
+          </a:p>
+        </p:txBody>
+      </p:sp>
+      <p:sp>
+        <p:nvSpPr>
+          <p:cNvPr id="5125" name="Slide Number Placeholder 7"/>
+          <p:cNvSpPr>
+            <a:spLocks noGrp="1"/>
+          </p:cNvSpPr>
+          <p:nvPr>
+            <p:ph type="sldNum" sz="quarter" idx="10"/>
+          </p:nvPr>
+        </p:nvSpPr>
+        <p:spPr>
+          <a:noFill/>
+        </p:spPr>
+        <p:txBody>
+          <a:bodyPr/>
+          <a:lstStyle/>
+          <a:p>
+            <a:r>
+              <a:rPr lang="en-US" dirty="0" err="1" smtClean="0"/>
+              <a:t>incexcI</a:t>
+            </a:r>
+            <a:r>
+              <a:rPr lang="en-US" dirty="0" smtClean="0"/>
+              <a:t>.</a:t>
+            </a:r>
+            <a:fld id="{440333D2-3154-4D4B-AAB9-AB5679BA8A30}" type="slidenum">
+              <a:rPr lang="en-US" smtClean="0"/>
+              <a:pPr/>
+              <a:t>14</a:t>
+            </a:fld>
+            <a:endParaRPr lang="en-US" dirty="0" smtClean="0"/>
+          </a:p>
+        </p:txBody>
+      </p:sp>
+    </p:spTree>
+    <p:extLst>
+      <p:ext uri="{BB962C8B-B14F-4D97-AF65-F5344CB8AC3E}">
+        <p14:creationId xmlns:p14="http://schemas.microsoft.com/office/powerpoint/2010/main" val="4100464621"/>
+      </p:ext>
+    </p:extLst>
+  </p:cSld>
+  <p:clrMapOvr>
+    <a:masterClrMapping/>
+  </p:clrMapOvr>
+  <p:transition xmlns:p14="http://schemas.microsoft.com/office/powerpoint/2010/main" spd="slow" advClick="0">
+    <p:fade/>
+  </p:transition>
+  <p:timing>
+    <p:tnLst>
+      <p:par>
+        <p:cTn xmlns:p14="http://schemas.microsoft.com/office/powerpoint/2010/main" id="1" dur="indefinite" restart="never" nodeType="tmRoot">
+          <p:childTnLst>
+            <p:seq concurrent="1" nextAc="seek">
+              <p:cTn id="2" dur="indefinite" nodeType="mainSeq">
+                <p:childTnLst>
+                  <p:par>
+                    <p:cTn id="3" fill="hold">
+                      <p:stCondLst>
+                        <p:cond delay="indefinite"/>
+                      </p:stCondLst>
+                      <p:childTnLst>
+                        <p:par>
+                          <p:cTn id="4" fill="hold">
+                            <p:stCondLst>
+                              <p:cond delay="0"/>
+                            </p:stCondLst>
+                            <p:childTnLst>
+                              <p:par>
+                                <p:cTn id="5" presetID="1" presetClass="entr" presetSubtype="0" fill="hold" nodeType="clickEffect">
+                                  <p:stCondLst>
+                                    <p:cond delay="0"/>
+                                  </p:stCondLst>
+                                  <p:childTnLst>
+                                    <p:set>
+                                      <p:cBhvr>
+                                        <p:cTn id="6" dur="1" fill="hold">
+                                          <p:stCondLst>
+                                            <p:cond delay="0"/>
+                                          </p:stCondLst>
+                                        </p:cTn>
+                                        <p:tgtEl>
+                                          <p:spTgt spid="571396"/>
+                                        </p:tgtEl>
+                                        <p:attrNameLst>
+                                          <p:attrName>style.visibility</p:attrName>
+                                        </p:attrNameLst>
+                                      </p:cBhvr>
+                                      <p:to>
+                                        <p:strVal val="visible"/>
+                                      </p:to>
+                                    </p:set>
+                                  </p:childTnLst>
+                                </p:cTn>
+                              </p:par>
+                            </p:childTnLst>
+                          </p:cTn>
+                        </p:par>
+                      </p:childTnLst>
+                    </p:cTn>
+                  </p:par>
+                </p:childTnLst>
+              </p:cTn>
+              <p:prevCondLst>
+                <p:cond evt="onPrev" delay="0">
+                  <p:tgtEl>
+                    <p:sldTgt/>
+                  </p:tgtEl>
+                </p:cond>
+              </p:prevCondLst>
+              <p:nextCondLst>
+                <p:cond evt="onNext" delay="0">
+                  <p:tgtEl>
+                    <p:sldTgt/>
+                  </p:tgtEl>
+                </p:cond>
+              </p:nextCondLst>
+            </p:seq>
+          </p:childTnLst>
+        </p:cTn>
+      </p:par>
+    </p:tnLst>
+  </p:timing>
+</p:sld>
+</file>
+
+<file path=ppt/slides/slide15.xml><?xml version="1.0" encoding="utf-8"?>
+<p:sld xmlns:a="http://schemas.openxmlformats.org/drawingml/2006/main" xmlns:r="http://schemas.openxmlformats.org/officeDocument/2006/relationships" xmlns:p="http://schemas.openxmlformats.org/presentationml/2006/main">
+  <p:cSld>
+    <p:spTree>
+      <p:nvGrpSpPr>
+        <p:cNvPr id="1" name=""/>
+        <p:cNvGrpSpPr/>
+        <p:nvPr/>
+      </p:nvGrpSpPr>
+      <p:grpSpPr>
+        <a:xfrm>
+          <a:off x="0" y="0"/>
+          <a:ext cx="0" cy="0"/>
+          <a:chOff x="0" y="0"/>
+          <a:chExt cx="0" cy="0"/>
+        </a:xfrm>
+      </p:grpSpPr>
+      <p:sp>
+        <p:nvSpPr>
           <p:cNvPr id="17412" name="Slide Number Placeholder 5"/>
           <p:cNvSpPr>
             <a:spLocks noGrp="1"/>
@@ -3223,7 +5883,7 @@
             <a:fld id="{83D78B86-54BD-4C40-B154-E0B4BEB7EE49}" type="slidenum">
               <a:rPr lang="en-US" smtClean="0"/>
               <a:pPr/>
-              <a:t>10</a:t>
+              <a:t>15</a:t>
             </a:fld>
             <a:endParaRPr lang="en-US" dirty="0" smtClean="0"/>
           </a:p>
@@ -3269,7 +5929,7 @@
         <p:spPr>
           <a:xfrm>
             <a:off x="304800" y="1375350"/>
-            <a:ext cx="8458200" cy="5262979"/>
+            <a:ext cx="8458200" cy="5447645"/>
           </a:xfrm>
           <a:prstGeom prst="rect">
             <a:avLst/>
@@ -3328,34 +5988,15 @@
             </a:endParaRPr>
           </a:p>
           <a:p>
-            <a:pPr algn="r"/>
-            <a:r>
-              <a:rPr lang="en-US" sz="4800" dirty="0" smtClean="0">
-                <a:solidFill>
-                  <a:srgbClr val="660066"/>
-                </a:solidFill>
-                <a:latin typeface="Comic Sans MS" pitchFamily="66" charset="0"/>
-              </a:rPr>
-              <a:t>--problem in book</a:t>
-            </a:r>
-          </a:p>
-          <a:p>
-            <a:r>
-              <a:rPr lang="en-US" sz="6000" dirty="0" smtClean="0">
-                <a:latin typeface="Comic Sans MS" pitchFamily="66" charset="0"/>
-              </a:rPr>
-              <a:t>binomial counting</a:t>
-            </a:r>
-          </a:p>
-          <a:p>
-            <a:r>
-              <a:rPr lang="en-US" sz="6000" smtClean="0">
+            <a:pPr algn="ctr"/>
+            <a:r>
+              <a:rPr lang="en-US" sz="6000" dirty="0">
                 <a:solidFill>
                   <a:srgbClr val="90096D"/>
                 </a:solidFill>
                 <a:latin typeface="Comic Sans MS" pitchFamily="66" charset="0"/>
               </a:rPr>
-              <a:t>              -</a:t>
+              <a:t>--</a:t>
             </a:r>
             <a:r>
               <a:rPr lang="en-US" sz="6000" dirty="0" smtClean="0">
@@ -3364,8 +6005,51 @@
                 </a:solidFill>
                 <a:latin typeface="Comic Sans MS" pitchFamily="66" charset="0"/>
               </a:rPr>
-              <a:t>-next</a:t>
-            </a:r>
+              <a:t>next</a:t>
+            </a:r>
+          </a:p>
+          <a:p>
+            <a:r>
+              <a:rPr lang="en-US" sz="6000" dirty="0" smtClean="0">
+                <a:latin typeface="Comic Sans MS" pitchFamily="66" charset="0"/>
+              </a:rPr>
+              <a:t>by binomial counting</a:t>
+            </a:r>
+          </a:p>
+          <a:p>
+            <a:r>
+              <a:rPr lang="en-US" sz="6000" dirty="0" smtClean="0">
+                <a:solidFill>
+                  <a:srgbClr val="90096D"/>
+                </a:solidFill>
+                <a:latin typeface="Comic Sans MS" pitchFamily="66" charset="0"/>
+              </a:rPr>
+              <a:t>              </a:t>
+            </a:r>
+            <a:r>
+              <a:rPr lang="en-US" sz="6000" dirty="0" smtClean="0">
+                <a:solidFill>
+                  <a:srgbClr val="90096D"/>
+                </a:solidFill>
+                <a:latin typeface="Comic Sans MS" pitchFamily="66" charset="0"/>
+              </a:rPr>
+              <a:t>-</a:t>
+            </a:r>
+            <a:r>
+              <a:rPr lang="en-US" sz="6000" dirty="0" smtClean="0">
+                <a:solidFill>
+                  <a:srgbClr val="90096D"/>
+                </a:solidFill>
+                <a:latin typeface="Comic Sans MS" pitchFamily="66" charset="0"/>
+              </a:rPr>
+              <a:t>-also</a:t>
+            </a:r>
+            <a:endParaRPr lang="en-US" sz="6000" dirty="0" smtClean="0">
+              <a:solidFill>
+                <a:srgbClr val="90096D"/>
+              </a:solidFill>
+              <a:latin typeface="Comic Sans MS" pitchFamily="66" charset="0"/>
+            </a:endParaRPr>
           </a:p>
         </p:txBody>
       </p:sp>
@@ -3803,14 +6487,19 @@
             <p:ph type="title"/>
           </p:nvPr>
         </p:nvSpPr>
-        <p:spPr/>
+        <p:spPr>
+          <a:xfrm>
+            <a:off x="2438400" y="152400"/>
+            <a:ext cx="4191000" cy="1066800"/>
+          </a:xfrm>
+        </p:spPr>
         <p:txBody>
           <a:bodyPr/>
           <a:lstStyle/>
           <a:p>
             <a:pPr eaLnBrk="1" hangingPunct="1"/>
             <a:r>
-              <a:rPr lang="en-US" sz="4400" smtClean="0">
+              <a:rPr lang="en-US" sz="4400" dirty="0" smtClean="0">
                 <a:latin typeface="Comic Sans MS" pitchFamily="66" charset="0"/>
               </a:rPr>
               <a:t>Sum Rule</a:t>
@@ -3845,12 +6534,18 @@
             </a:pPr>
             <a:r>
               <a:rPr lang="en-US" sz="6000" dirty="0" smtClean="0">
+                <a:solidFill>
+                  <a:srgbClr val="0000FF"/>
+                </a:solidFill>
                 <a:latin typeface="Comic Sans MS" pitchFamily="66" charset="0"/>
               </a:rPr>
               <a:t> |A </a:t>
             </a:r>
             <a:r>
               <a:rPr lang="en-US" sz="6000" dirty="0" smtClean="0">
+                <a:solidFill>
+                  <a:srgbClr val="0000FF"/>
+                </a:solidFill>
                 <a:latin typeface="Comic Sans MS" pitchFamily="66" charset="0"/>
                 <a:sym typeface="Symbol" pitchFamily="18" charset="2"/>
               </a:rPr>
@@ -3858,6 +6553,9 @@
             </a:r>
             <a:r>
               <a:rPr lang="en-US" sz="6000" dirty="0" smtClean="0">
+                <a:solidFill>
+                  <a:srgbClr val="0000FF"/>
+                </a:solidFill>
                 <a:latin typeface="Comic Sans MS" pitchFamily="66" charset="0"/>
               </a:rPr>
               <a:t> B| = |A| + |B|</a:t>
@@ -3982,7 +6680,10 @@
           <a:lstStyle/>
           <a:p>
             <a:r>
-              <a:rPr lang="en-US">
+              <a:rPr lang="en-US" dirty="0">
+                <a:solidFill>
+                  <a:srgbClr val="0000FF"/>
+                </a:solidFill>
                 <a:latin typeface="Comic Sans MS" pitchFamily="66" charset="0"/>
               </a:rPr>
               <a:t>A</a:t>
@@ -4021,7 +6722,10 @@
           <a:lstStyle/>
           <a:p>
             <a:r>
-              <a:rPr lang="en-US">
+              <a:rPr lang="en-US" dirty="0">
+                <a:solidFill>
+                  <a:srgbClr val="0000FF"/>
+                </a:solidFill>
                 <a:latin typeface="Comic Sans MS" pitchFamily="66" charset="0"/>
               </a:rPr>
               <a:t>B</a:t>
@@ -4040,7 +6744,7 @@
         <p:spPr bwMode="auto">
           <a:xfrm>
             <a:off x="974725" y="5170488"/>
-            <a:ext cx="7178675" cy="914400"/>
+            <a:ext cx="7040321" cy="923330"/>
           </a:xfrm>
           <a:prstGeom prst="rect">
             <a:avLst/>
@@ -4065,13 +6769,13 @@
               </a:spcBef>
             </a:pPr>
             <a:r>
-              <a:rPr lang="en-US" sz="5400">
+              <a:rPr lang="en-US" sz="5400" dirty="0">
                 <a:latin typeface="Comic Sans MS" pitchFamily="66" charset="0"/>
               </a:rPr>
               <a:t>for </a:t>
             </a:r>
             <a:r>
-              <a:rPr lang="en-US" sz="5400">
+              <a:rPr lang="en-US" sz="5400" dirty="0">
                 <a:solidFill>
                   <a:srgbClr val="006600"/>
                 </a:solidFill>
@@ -4080,12 +6784,40 @@
               <a:t>disjoint</a:t>
             </a:r>
             <a:r>
-              <a:rPr lang="en-US" sz="5400">
+              <a:rPr lang="en-US" sz="5400" dirty="0">
                 <a:latin typeface="Comic Sans MS" pitchFamily="66" charset="0"/>
               </a:rPr>
-              <a:t> sets A, B </a:t>
-            </a:r>
-            <a:endParaRPr lang="en-US" sz="5400"/>
+              <a:t> sets </a:t>
+            </a:r>
+            <a:r>
+              <a:rPr lang="en-US" sz="5400" dirty="0">
+                <a:solidFill>
+                  <a:srgbClr val="0000FF"/>
+                </a:solidFill>
+                <a:latin typeface="Comic Sans MS" pitchFamily="66" charset="0"/>
+              </a:rPr>
+              <a:t>A</a:t>
+            </a:r>
+            <a:r>
+              <a:rPr lang="en-US" sz="5400" dirty="0">
+                <a:latin typeface="Comic Sans MS" pitchFamily="66" charset="0"/>
+              </a:rPr>
+              <a:t>,</a:t>
+            </a:r>
+            <a:r>
+              <a:rPr lang="en-US" sz="5400" dirty="0">
+                <a:solidFill>
+                  <a:srgbClr val="0000FF"/>
+                </a:solidFill>
+                <a:latin typeface="Comic Sans MS" pitchFamily="66" charset="0"/>
+              </a:rPr>
+              <a:t> B </a:t>
+            </a:r>
+            <a:endParaRPr lang="en-US" sz="5400" dirty="0">
+              <a:solidFill>
+                <a:srgbClr val="0000FF"/>
+              </a:solidFill>
+            </a:endParaRPr>
           </a:p>
         </p:txBody>
       </p:sp>
@@ -4205,7 +6937,10 @@
             <a:lstStyle/>
             <a:p>
               <a:r>
-                <a:rPr lang="en-US" sz="4400">
+                <a:rPr lang="en-US" sz="4400" dirty="0">
+                  <a:solidFill>
+                    <a:srgbClr val="0000FF"/>
+                  </a:solidFill>
                   <a:latin typeface="Comic Sans MS" pitchFamily="66" charset="0"/>
                 </a:rPr>
                 <a:t>A</a:t>
@@ -4244,7 +6979,10 @@
             <a:lstStyle/>
             <a:p>
               <a:r>
-                <a:rPr lang="en-US" sz="4400">
+                <a:rPr lang="en-US" sz="4400" dirty="0">
+                  <a:solidFill>
+                    <a:srgbClr val="0000FF"/>
+                  </a:solidFill>
                   <a:latin typeface="Comic Sans MS" pitchFamily="66" charset="0"/>
                 </a:rPr>
                 <a:t>B</a:t>
@@ -4423,33 +7161,6 @@
       </p:sp>
       <p:sp>
         <p:nvSpPr>
-          <p:cNvPr id="15364" name="Rectangle 1043"/>
-          <p:cNvSpPr>
-            <a:spLocks noGrp="1" noChangeArrowheads="1"/>
-          </p:cNvSpPr>
-          <p:nvPr>
-            <p:ph type="title"/>
-          </p:nvPr>
-        </p:nvSpPr>
-        <p:spPr>
-          <a:noFill/>
-        </p:spPr>
-        <p:txBody>
-          <a:bodyPr/>
-          <a:lstStyle/>
-          <a:p>
-            <a:pPr eaLnBrk="1" hangingPunct="1"/>
-            <a:r>
-              <a:rPr lang="en-US" sz="4400" smtClean="0">
-                <a:latin typeface="Comic Sans MS" pitchFamily="66" charset="0"/>
-              </a:rPr>
-              <a:t>Sum Rule</a:t>
-            </a:r>
-          </a:p>
-        </p:txBody>
-      </p:sp>
-      <p:sp>
-        <p:nvSpPr>
           <p:cNvPr id="15365" name="Rectangle 1046"/>
           <p:cNvSpPr>
             <a:spLocks noGrp="1" noChangeArrowheads="1"/>
@@ -4472,21 +7183,52 @@
             <a:pPr eaLnBrk="1" hangingPunct="1"/>
             <a:r>
               <a:rPr lang="en-US" sz="6000" dirty="0" smtClean="0">
+                <a:solidFill>
+                  <a:srgbClr val="0000FF"/>
+                </a:solidFill>
                 <a:latin typeface="Comic Sans MS" pitchFamily="66" charset="0"/>
               </a:rPr>
               <a:t> |A </a:t>
             </a:r>
             <a:r>
               <a:rPr lang="en-US" sz="6000" dirty="0" smtClean="0">
+                <a:solidFill>
+                  <a:srgbClr val="0000FF"/>
+                </a:solidFill>
                 <a:sym typeface="Symbol" pitchFamily="18" charset="2"/>
               </a:rPr>
               <a:t>∪</a:t>
             </a:r>
             <a:r>
               <a:rPr lang="en-US" sz="6000" dirty="0" smtClean="0">
+                <a:solidFill>
+                  <a:srgbClr val="0000FF"/>
+                </a:solidFill>
                 <a:latin typeface="Comic Sans MS" pitchFamily="66" charset="0"/>
               </a:rPr>
-              <a:t> B| = </a:t>
+              <a:t> B|</a:t>
+            </a:r>
+            <a:r>
+              <a:rPr lang="en-US" sz="6000" dirty="0" smtClean="0">
+                <a:latin typeface="Comic Sans MS" pitchFamily="66" charset="0"/>
+              </a:rPr>
+              <a:t> </a:t>
+            </a:r>
+            <a:r>
+              <a:rPr lang="en-US" sz="6000" b="1" dirty="0" smtClean="0">
+                <a:solidFill>
+                  <a:srgbClr val="0000FF"/>
+                </a:solidFill>
+                <a:latin typeface="Euclid Symbol" charset="2"/>
+                <a:cs typeface="Euclid Symbol" charset="2"/>
+              </a:rPr>
+              <a:t>=</a:t>
+            </a:r>
+            <a:r>
+              <a:rPr lang="en-US" sz="6000" dirty="0" smtClean="0">
+                <a:latin typeface="Comic Sans MS" pitchFamily="66" charset="0"/>
+              </a:rPr>
+              <a:t> </a:t>
             </a:r>
             <a:r>
               <a:rPr lang="en-US" sz="6000" dirty="0" smtClean="0">
@@ -4531,6 +7273,36 @@
               <a:t>3</a:t>
             </a:fld>
             <a:endParaRPr lang="en-US" dirty="0" smtClean="0"/>
+          </a:p>
+        </p:txBody>
+      </p:sp>
+      <p:sp>
+        <p:nvSpPr>
+          <p:cNvPr id="13" name="Rectangle 3"/>
+          <p:cNvSpPr>
+            <a:spLocks noGrp="1" noChangeArrowheads="1"/>
+          </p:cNvSpPr>
+          <p:nvPr>
+            <p:ph type="title"/>
+          </p:nvPr>
+        </p:nvSpPr>
+        <p:spPr>
+          <a:xfrm>
+            <a:off x="2438400" y="152400"/>
+            <a:ext cx="4191000" cy="1066800"/>
+          </a:xfrm>
+        </p:spPr>
+        <p:txBody>
+          <a:bodyPr/>
+          <a:lstStyle/>
+          <a:p>
+            <a:pPr eaLnBrk="1" hangingPunct="1"/>
+            <a:r>
+              <a:rPr lang="en-US" sz="4400" dirty="0" smtClean="0">
+                <a:latin typeface="Comic Sans MS" pitchFamily="66" charset="0"/>
+              </a:rPr>
+              <a:t>Sum Rule</a:t>
+            </a:r>
           </a:p>
         </p:txBody>
       </p:sp>
@@ -4710,14 +7482,19 @@
             <p:ph type="title"/>
           </p:nvPr>
         </p:nvSpPr>
-        <p:spPr/>
+        <p:spPr>
+          <a:xfrm>
+            <a:off x="1752600" y="152400"/>
+            <a:ext cx="5715000" cy="1143000"/>
+          </a:xfrm>
+        </p:spPr>
         <p:txBody>
           <a:bodyPr/>
           <a:lstStyle/>
           <a:p>
             <a:pPr eaLnBrk="1" hangingPunct="1"/>
             <a:r>
-              <a:rPr lang="en-US" smtClean="0">
+              <a:rPr lang="en-US" dirty="0" smtClean="0">
                 <a:solidFill>
                   <a:schemeClr val="tx1"/>
                 </a:solidFill>
@@ -4725,7 +7502,7 @@
               </a:rPr>
               <a:t>Inclusion-Exclusion</a:t>
             </a:r>
-            <a:endParaRPr lang="en-US" smtClean="0">
+            <a:endParaRPr lang="en-US" dirty="0" smtClean="0">
               <a:latin typeface="Comic Sans MS" pitchFamily="66" charset="0"/>
             </a:endParaRPr>
           </a:p>
@@ -4737,22 +7514,28 @@
           <p:cNvGraphicFramePr>
             <a:graphicFrameLocks noChangeAspect="1"/>
           </p:cNvGraphicFramePr>
-          <p:nvPr/>
+          <p:nvPr>
+            <p:extLst>
+              <p:ext uri="{D42A27DB-BD31-4B8C-83A1-F6EECF244321}">
+                <p14:modId xmlns:p14="http://schemas.microsoft.com/office/powerpoint/2010/main" val="1221841254"/>
+              </p:ext>
+            </p:extLst>
+          </p:nvPr>
         </p:nvGraphicFramePr>
         <p:xfrm>
-          <a:off x="381000" y="1447800"/>
-          <a:ext cx="8427795" cy="1076325"/>
+          <a:off x="382588" y="1447800"/>
+          <a:ext cx="8426450" cy="1076325"/>
         </p:xfrm>
         <a:graphic>
           <a:graphicData uri="http://schemas.openxmlformats.org/presentationml/2006/ole">
             <mc:AlternateContent xmlns:mc="http://schemas.openxmlformats.org/markup-compatibility/2006">
               <mc:Choice xmlns:v="urn:schemas-microsoft-com:vml" Requires="v">
-                <p:oleObj spid="_x0000_s1064" name="Equation" r:id="rId4" imgW="1790640" imgH="228600" progId="Equation.DSMT4">
+                <p:oleObj spid="_x0000_s1071" name="Equation" r:id="rId4" imgW="1790700" imgH="228600" progId="Equation.DSMT4">
                   <p:embed/>
                 </p:oleObj>
               </mc:Choice>
               <mc:Fallback>
-                <p:oleObj name="Equation" r:id="rId4" imgW="1790640" imgH="228600" progId="Equation.DSMT4">
+                <p:oleObj name="Equation" r:id="rId4" imgW="1790700" imgH="228600" progId="Equation.DSMT4">
                   <p:embed/>
                   <p:pic>
                     <p:nvPicPr>
@@ -4763,13 +7546,7 @@
                       <p:nvPr/>
                     </p:nvPicPr>
                     <p:blipFill>
-                      <a:blip r:embed="rId5">
-                        <a:extLst>
-                          <a:ext uri="{28A0092B-C50C-407E-A947-70E740481C1C}">
-                            <a14:useLocalDpi xmlns:a14="http://schemas.microsoft.com/office/drawing/2010/main" val="0"/>
-                          </a:ext>
-                        </a:extLst>
-                      </a:blip>
+                      <a:blip r:embed="rId5"/>
                       <a:srcRect/>
                       <a:stretch>
                         <a:fillRect/>
@@ -4777,8 +7554,8 @@
                     </p:blipFill>
                     <p:spPr bwMode="auto">
                       <a:xfrm>
-                        <a:off x="381000" y="1447800"/>
-                        <a:ext cx="8427795" cy="1076325"/>
+                        <a:off x="382588" y="1447800"/>
+                        <a:ext cx="8426450" cy="1076325"/>
                       </a:xfrm>
                       <a:prstGeom prst="rect">
                         <a:avLst/>
@@ -4883,7 +7660,10 @@
             <a:lstStyle/>
             <a:p>
               <a:r>
-                <a:rPr lang="en-US" sz="4400">
+                <a:rPr lang="en-US" sz="4400" dirty="0">
+                  <a:solidFill>
+                    <a:srgbClr val="0000FF"/>
+                  </a:solidFill>
                   <a:latin typeface="Comic Sans MS" pitchFamily="66" charset="0"/>
                 </a:rPr>
                 <a:t>A</a:t>
@@ -4922,7 +7702,10 @@
             <a:lstStyle/>
             <a:p>
               <a:r>
-                <a:rPr lang="en-US" sz="4400">
+                <a:rPr lang="en-US" sz="4400" dirty="0">
+                  <a:solidFill>
+                    <a:srgbClr val="0000FF"/>
+                  </a:solidFill>
                   <a:latin typeface="Comic Sans MS" pitchFamily="66" charset="0"/>
                 </a:rPr>
                 <a:t>B</a:t>
@@ -5125,7 +7908,7 @@
                                     </p:set>
                                     <p:animEffect transition="in" filter="wipe(left)">
                                       <p:cBhvr>
-                                        <p:cTn id="7" dur="500"/>
+                                        <p:cTn id="7" dur="1000"/>
                                         <p:tgtEl>
                                           <p:spTgt spid="1026"/>
                                         </p:tgtEl>
@@ -5140,7 +7923,7 @@
                         <p:par>
                           <p:cTn id="8" fill="hold">
                             <p:stCondLst>
-                              <p:cond delay="500"/>
+                              <p:cond delay="1000"/>
                             </p:stCondLst>
                             <p:childTnLst>
                               <p:par>
@@ -5231,7 +8014,7 @@
       </p:grpSpPr>
       <p:sp>
         <p:nvSpPr>
-          <p:cNvPr id="16386" name="Rectangle 2"/>
+          <p:cNvPr id="1027" name="Rectangle 2"/>
           <p:cNvSpPr>
             <a:spLocks noGrp="1" noChangeArrowheads="1"/>
           </p:cNvSpPr>
@@ -5239,266 +8022,47 @@
             <p:ph type="title"/>
           </p:nvPr>
         </p:nvSpPr>
-        <p:spPr>
-          <a:xfrm>
-            <a:off x="1295400" y="152400"/>
-            <a:ext cx="7391400" cy="1143000"/>
-          </a:xfrm>
-        </p:spPr>
+        <p:spPr/>
         <p:txBody>
           <a:bodyPr/>
           <a:lstStyle/>
           <a:p>
             <a:pPr eaLnBrk="1" hangingPunct="1"/>
             <a:r>
-              <a:rPr lang="en-US" dirty="0" smtClean="0">
+              <a:rPr lang="en-US" dirty="0" err="1" smtClean="0">
+                <a:solidFill>
+                  <a:schemeClr val="tx1"/>
+                </a:solidFill>
                 <a:latin typeface="Comic Sans MS" pitchFamily="66" charset="0"/>
               </a:rPr>
-              <a:t>Inclusion-Exclusion (3 Sets)</a:t>
-            </a:r>
-          </a:p>
-        </p:txBody>
-      </p:sp>
-      <p:sp>
-        <p:nvSpPr>
-          <p:cNvPr id="27651" name="Text Box 6"/>
-          <p:cNvSpPr txBox="1">
-            <a:spLocks noChangeArrowheads="1"/>
-          </p:cNvSpPr>
-          <p:nvPr/>
-        </p:nvSpPr>
-        <p:spPr bwMode="auto">
-          <a:xfrm>
-            <a:off x="1062038" y="1219200"/>
-            <a:ext cx="7583025" cy="2308324"/>
-          </a:xfrm>
-          <a:prstGeom prst="rect">
-            <a:avLst/>
-          </a:prstGeom>
-          <a:noFill/>
-          <a:ln w="31750">
-            <a:solidFill>
-              <a:srgbClr val="FF00FF"/>
-            </a:solidFill>
-            <a:prstDash val="sysDash"/>
-            <a:miter lim="800000"/>
-            <a:headEnd/>
-            <a:tailEnd type="none" w="lg" len="lg"/>
-          </a:ln>
-        </p:spPr>
-        <p:txBody>
-          <a:bodyPr wrap="none">
-            <a:spAutoFit/>
-          </a:bodyPr>
-          <a:lstStyle/>
-          <a:p>
-            <a:pPr>
-              <a:tabLst>
-                <a:tab pos="2743200" algn="l"/>
-              </a:tabLst>
-            </a:pPr>
-            <a:r>
-              <a:rPr lang="en-US" b="1" dirty="0">
+              <a:t>Inc-Exc</a:t>
+            </a:r>
+            <a:r>
+              <a:rPr lang="en-US" dirty="0" smtClean="0">
+                <a:solidFill>
+                  <a:schemeClr val="tx1"/>
+                </a:solidFill>
                 <a:latin typeface="Comic Sans MS" pitchFamily="66" charset="0"/>
               </a:rPr>
-              <a:t>|</a:t>
-            </a:r>
-            <a:r>
-              <a:rPr lang="en-US" b="1" dirty="0" smtClean="0">
-                <a:latin typeface="Comic Sans MS" pitchFamily="66" charset="0"/>
+              <a:t> from</a:t>
+            </a:r>
+            <a:r>
+              <a:rPr lang="en-US" dirty="0" smtClean="0">
+                <a:solidFill>
+                  <a:schemeClr val="tx1"/>
+                </a:solidFill>
               </a:rPr>
-              <a:t>A</a:t>
-            </a:r>
-            <a:r>
-              <a:rPr lang="en-US" dirty="0" smtClean="0">
-                <a:latin typeface="Comic Sans MS" pitchFamily="66" charset="0"/>
-                <a:sym typeface="Symbol" pitchFamily="18" charset="2"/>
-              </a:rPr>
-              <a:t>∪</a:t>
-            </a:r>
-            <a:r>
-              <a:rPr lang="en-US" b="1" dirty="0" smtClean="0">
-                <a:latin typeface="Comic Sans MS" pitchFamily="66" charset="0"/>
-              </a:rPr>
-              <a:t>B</a:t>
-            </a:r>
-            <a:r>
-              <a:rPr lang="en-US" dirty="0" smtClean="0">
-                <a:latin typeface="Comic Sans MS" pitchFamily="66" charset="0"/>
-                <a:sym typeface="Symbol" pitchFamily="18" charset="2"/>
-              </a:rPr>
-              <a:t>∪</a:t>
-            </a:r>
-            <a:r>
-              <a:rPr lang="en-US" b="1" dirty="0" smtClean="0">
-                <a:latin typeface="Comic Sans MS" pitchFamily="66" charset="0"/>
-              </a:rPr>
-              <a:t>C</a:t>
-            </a:r>
-            <a:r>
-              <a:rPr lang="en-US" b="1" dirty="0">
-                <a:latin typeface="Comic Sans MS" pitchFamily="66" charset="0"/>
-              </a:rPr>
-              <a:t>| =</a:t>
-            </a:r>
-          </a:p>
-          <a:p>
-            <a:pPr>
-              <a:tabLst>
-                <a:tab pos="2743200" algn="l"/>
-              </a:tabLst>
-            </a:pPr>
-            <a:r>
-              <a:rPr lang="en-US" b="1" dirty="0">
-                <a:latin typeface="Comic Sans MS" pitchFamily="66" charset="0"/>
-              </a:rPr>
-              <a:t>     |A|+|B|+|C|</a:t>
-            </a:r>
-          </a:p>
-          <a:p>
-            <a:pPr>
-              <a:tabLst>
-                <a:tab pos="2743200" algn="l"/>
-              </a:tabLst>
-            </a:pPr>
-            <a:r>
-              <a:rPr lang="en-US" b="1" dirty="0">
-                <a:latin typeface="Comic Sans MS" pitchFamily="66" charset="0"/>
-              </a:rPr>
-              <a:t>      – |</a:t>
-            </a:r>
-            <a:r>
-              <a:rPr lang="en-US" b="1" dirty="0" smtClean="0">
-                <a:latin typeface="Comic Sans MS" pitchFamily="66" charset="0"/>
-              </a:rPr>
-              <a:t>A</a:t>
-            </a:r>
-            <a:r>
-              <a:rPr lang="en-US" b="1" dirty="0" smtClean="0">
-                <a:latin typeface="Comic Sans MS" pitchFamily="66" charset="0"/>
-                <a:sym typeface="Euclid Symbol" pitchFamily="18" charset="2"/>
-              </a:rPr>
-              <a:t>∩</a:t>
-            </a:r>
-            <a:r>
-              <a:rPr lang="en-US" b="1" dirty="0" smtClean="0">
-                <a:latin typeface="Comic Sans MS" pitchFamily="66" charset="0"/>
-              </a:rPr>
-              <a:t>B</a:t>
-            </a:r>
-            <a:r>
-              <a:rPr lang="en-US" b="1" dirty="0">
-                <a:latin typeface="Comic Sans MS" pitchFamily="66" charset="0"/>
-              </a:rPr>
-              <a:t>| – |</a:t>
-            </a:r>
-            <a:r>
-              <a:rPr lang="en-US" b="1" dirty="0" smtClean="0">
-                <a:latin typeface="Comic Sans MS" pitchFamily="66" charset="0"/>
-              </a:rPr>
-              <a:t>A</a:t>
-            </a:r>
-            <a:r>
-              <a:rPr lang="en-US" b="1" dirty="0" smtClean="0">
-                <a:latin typeface="Comic Sans MS" pitchFamily="66" charset="0"/>
-                <a:sym typeface="Euclid Symbol" pitchFamily="18" charset="2"/>
-              </a:rPr>
-              <a:t>∩</a:t>
-            </a:r>
-            <a:r>
-              <a:rPr lang="en-US" b="1" dirty="0" smtClean="0">
-                <a:latin typeface="Comic Sans MS" pitchFamily="66" charset="0"/>
-              </a:rPr>
-              <a:t>C</a:t>
-            </a:r>
-            <a:r>
-              <a:rPr lang="en-US" b="1" dirty="0">
-                <a:latin typeface="Comic Sans MS" pitchFamily="66" charset="0"/>
-              </a:rPr>
-              <a:t>| – |</a:t>
-            </a:r>
-            <a:r>
-              <a:rPr lang="en-US" b="1" dirty="0" smtClean="0">
-                <a:latin typeface="Comic Sans MS" pitchFamily="66" charset="0"/>
-              </a:rPr>
-              <a:t>B</a:t>
-            </a:r>
-            <a:r>
-              <a:rPr lang="en-US" b="1" dirty="0" smtClean="0">
-                <a:latin typeface="Comic Sans MS" pitchFamily="66" charset="0"/>
-                <a:sym typeface="Euclid Symbol" pitchFamily="18" charset="2"/>
-              </a:rPr>
-              <a:t>∩</a:t>
-            </a:r>
-            <a:r>
-              <a:rPr lang="en-US" b="1" dirty="0" smtClean="0">
-                <a:latin typeface="Comic Sans MS" pitchFamily="66" charset="0"/>
-              </a:rPr>
-              <a:t>C</a:t>
-            </a:r>
-            <a:r>
-              <a:rPr lang="en-US" b="1" dirty="0">
-                <a:latin typeface="Comic Sans MS" pitchFamily="66" charset="0"/>
-              </a:rPr>
-              <a:t>|</a:t>
-            </a:r>
-          </a:p>
-          <a:p>
-            <a:pPr>
-              <a:tabLst>
-                <a:tab pos="2743200" algn="l"/>
-              </a:tabLst>
-            </a:pPr>
-            <a:r>
-              <a:rPr lang="en-US" b="1" dirty="0">
-                <a:latin typeface="Comic Sans MS" pitchFamily="66" charset="0"/>
-              </a:rPr>
-              <a:t>      + |</a:t>
-            </a:r>
-            <a:r>
-              <a:rPr lang="en-US" b="1" dirty="0" smtClean="0">
-                <a:latin typeface="Comic Sans MS" pitchFamily="66" charset="0"/>
-              </a:rPr>
-              <a:t>A</a:t>
-            </a:r>
-            <a:r>
-              <a:rPr lang="en-US" b="1" dirty="0" smtClean="0">
-                <a:latin typeface="Comic Sans MS" pitchFamily="66" charset="0"/>
-                <a:sym typeface="Euclid Symbol" pitchFamily="18" charset="2"/>
-              </a:rPr>
-              <a:t>∩</a:t>
-            </a:r>
-            <a:r>
-              <a:rPr lang="en-US" b="1" dirty="0" smtClean="0">
-                <a:latin typeface="Comic Sans MS" pitchFamily="66" charset="0"/>
-              </a:rPr>
-              <a:t>B</a:t>
-            </a:r>
-            <a:r>
-              <a:rPr lang="en-US" b="1" dirty="0" smtClean="0">
-                <a:latin typeface="Comic Sans MS" pitchFamily="66" charset="0"/>
-                <a:sym typeface="Euclid Symbol" pitchFamily="18" charset="2"/>
-              </a:rPr>
-              <a:t>∩</a:t>
-            </a:r>
-            <a:r>
-              <a:rPr lang="en-US" b="1" dirty="0" smtClean="0">
-                <a:latin typeface="Comic Sans MS" pitchFamily="66" charset="0"/>
-              </a:rPr>
-              <a:t>C</a:t>
-            </a:r>
-            <a:r>
-              <a:rPr lang="en-US" b="1" dirty="0">
-                <a:latin typeface="Comic Sans MS" pitchFamily="66" charset="0"/>
-              </a:rPr>
-              <a:t>|</a:t>
-            </a:r>
+              <a:t> Sum Rule</a:t>
+            </a:r>
+            <a:endParaRPr lang="en-US" dirty="0" smtClean="0">
+              <a:latin typeface="Comic Sans MS" pitchFamily="66" charset="0"/>
+            </a:endParaRPr>
           </a:p>
         </p:txBody>
       </p:sp>
       <p:grpSp>
         <p:nvGrpSpPr>
-          <p:cNvPr id="16388" name="Group 12"/>
+          <p:cNvPr id="1029" name="Group 5"/>
           <p:cNvGrpSpPr>
             <a:grpSpLocks/>
           </p:cNvGrpSpPr>
@@ -5506,15 +8070,15 @@
         </p:nvGrpSpPr>
         <p:grpSpPr bwMode="auto">
           <a:xfrm>
-            <a:off x="2686050" y="3586163"/>
-            <a:ext cx="3787775" cy="3195637"/>
-            <a:chOff x="1692" y="2232"/>
-            <a:chExt cx="2386" cy="2013"/>
+            <a:off x="3267075" y="914400"/>
+            <a:ext cx="2676525" cy="2352675"/>
+            <a:chOff x="2058" y="1926"/>
+            <a:chExt cx="1686" cy="1482"/>
           </a:xfrm>
         </p:grpSpPr>
         <p:sp>
           <p:nvSpPr>
-            <p:cNvPr id="16390" name="Text Box 3"/>
+            <p:cNvPr id="1032" name="Text Box 6"/>
             <p:cNvSpPr txBox="1">
               <a:spLocks noChangeArrowheads="1"/>
             </p:cNvSpPr>
@@ -5522,8 +8086,8 @@
           </p:nvSpPr>
           <p:spPr bwMode="auto">
             <a:xfrm>
-              <a:off x="1692" y="2561"/>
-              <a:ext cx="327" cy="404"/>
+              <a:off x="2058" y="1926"/>
+              <a:ext cx="373" cy="480"/>
             </a:xfrm>
             <a:prstGeom prst="rect">
               <a:avLst/>
@@ -5543,7 +8107,10 @@
             <a:lstStyle/>
             <a:p>
               <a:r>
-                <a:rPr lang="en-US">
+                <a:rPr lang="en-US" sz="4400" dirty="0">
+                  <a:solidFill>
+                    <a:srgbClr val="0000FF"/>
+                  </a:solidFill>
                   <a:latin typeface="Comic Sans MS" pitchFamily="66" charset="0"/>
                 </a:rPr>
                 <a:t>A</a:t>
@@ -5553,7 +8120,7 @@
         </p:sp>
         <p:sp>
           <p:nvSpPr>
-            <p:cNvPr id="16391" name="Text Box 4"/>
+            <p:cNvPr id="1033" name="Text Box 7"/>
             <p:cNvSpPr txBox="1">
               <a:spLocks noChangeArrowheads="1"/>
             </p:cNvSpPr>
@@ -5561,8 +8128,8 @@
           </p:nvSpPr>
           <p:spPr bwMode="auto">
             <a:xfrm>
-              <a:off x="3780" y="2561"/>
-              <a:ext cx="298" cy="404"/>
+              <a:off x="3406" y="1926"/>
+              <a:ext cx="338" cy="480"/>
             </a:xfrm>
             <a:prstGeom prst="rect">
               <a:avLst/>
@@ -5582,7 +8149,10 @@
             <a:lstStyle/>
             <a:p>
               <a:r>
-                <a:rPr lang="en-US">
+                <a:rPr lang="en-US" sz="4400" dirty="0">
+                  <a:solidFill>
+                    <a:srgbClr val="0000FF"/>
+                  </a:solidFill>
                   <a:latin typeface="Comic Sans MS" pitchFamily="66" charset="0"/>
                 </a:rPr>
                 <a:t>B</a:t>
@@ -5590,48 +8160,9 @@
             </a:p>
           </p:txBody>
         </p:sp>
-        <p:sp>
-          <p:nvSpPr>
-            <p:cNvPr id="16392" name="Text Box 5"/>
-            <p:cNvSpPr txBox="1">
-              <a:spLocks noChangeArrowheads="1"/>
-            </p:cNvSpPr>
-            <p:nvPr/>
-          </p:nvSpPr>
-          <p:spPr bwMode="auto">
-            <a:xfrm>
-              <a:off x="2728" y="3841"/>
-              <a:ext cx="290" cy="404"/>
-            </a:xfrm>
-            <a:prstGeom prst="rect">
-              <a:avLst/>
-            </a:prstGeom>
-            <a:noFill/>
-            <a:ln w="9525">
-              <a:noFill/>
-              <a:miter lim="800000"/>
-              <a:headEnd/>
-              <a:tailEnd type="none" w="lg" len="lg"/>
-            </a:ln>
-          </p:spPr>
-          <p:txBody>
-            <a:bodyPr wrap="none">
-              <a:spAutoFit/>
-            </a:bodyPr>
-            <a:lstStyle/>
-            <a:p>
-              <a:r>
-                <a:rPr lang="en-US">
-                  <a:latin typeface="Comic Sans MS" pitchFamily="66" charset="0"/>
-                </a:rPr>
-                <a:t>C</a:t>
-              </a:r>
-            </a:p>
-          </p:txBody>
-        </p:sp>
         <p:grpSp>
           <p:nvGrpSpPr>
-            <p:cNvPr id="16393" name="Group 7"/>
+            <p:cNvPr id="1034" name="Group 8"/>
             <p:cNvGrpSpPr>
               <a:grpSpLocks/>
             </p:cNvGrpSpPr>
@@ -5639,15 +8170,15 @@
           </p:nvGrpSpPr>
           <p:grpSpPr bwMode="auto">
             <a:xfrm>
-              <a:off x="2064" y="2232"/>
-              <a:ext cx="1632" cy="1608"/>
-              <a:chOff x="1984" y="2232"/>
-              <a:chExt cx="1632" cy="1608"/>
+              <a:off x="2058" y="2376"/>
+              <a:ext cx="1640" cy="1032"/>
+              <a:chOff x="2040" y="2288"/>
+              <a:chExt cx="1640" cy="1032"/>
             </a:xfrm>
           </p:grpSpPr>
           <p:sp>
             <p:nvSpPr>
-              <p:cNvPr id="16394" name="Oval 8"/>
+              <p:cNvPr id="1035" name="Oval 9"/>
               <p:cNvSpPr>
                 <a:spLocks noChangeArrowheads="1"/>
               </p:cNvSpPr>
@@ -5655,7 +8186,7 @@
             </p:nvSpPr>
             <p:spPr bwMode="auto">
               <a:xfrm>
-                <a:off x="1984" y="2240"/>
+                <a:off x="2040" y="2288"/>
                 <a:ext cx="1016" cy="1032"/>
               </a:xfrm>
               <a:prstGeom prst="ellipse">
@@ -5689,7 +8220,7 @@
           </p:sp>
           <p:sp>
             <p:nvSpPr>
-              <p:cNvPr id="16395" name="Oval 9"/>
+              <p:cNvPr id="1036" name="Oval 10"/>
               <p:cNvSpPr>
                 <a:spLocks noChangeArrowheads="1"/>
               </p:cNvSpPr>
@@ -5697,87 +8228,7 @@
             </p:nvSpPr>
             <p:spPr bwMode="auto">
               <a:xfrm>
-                <a:off x="2292" y="2808"/>
-                <a:ext cx="1016" cy="1032"/>
-              </a:xfrm>
-              <a:prstGeom prst="ellipse">
-                <a:avLst/>
-              </a:prstGeom>
-              <a:solidFill>
-                <a:srgbClr val="FFFF00"/>
-              </a:solidFill>
-              <a:ln w="9525">
-                <a:solidFill>
-                  <a:schemeClr val="tx1"/>
-                </a:solidFill>
-                <a:round/>
-                <a:headEnd/>
-                <a:tailEnd type="none" w="lg" len="lg"/>
-              </a:ln>
-            </p:spPr>
-            <p:txBody>
-              <a:bodyPr wrap="none" anchor="ctr"/>
-              <a:lstStyle/>
-              <a:p>
-                <a:endParaRPr lang="en-US"/>
-              </a:p>
-            </p:txBody>
-          </p:sp>
-          <p:sp>
-            <p:nvSpPr>
-              <p:cNvPr id="16396" name="Oval 10"/>
-              <p:cNvSpPr>
-                <a:spLocks noChangeArrowheads="1"/>
-              </p:cNvSpPr>
-              <p:nvPr/>
-            </p:nvSpPr>
-            <p:spPr bwMode="auto">
-              <a:xfrm>
-                <a:off x="1984" y="2248"/>
-                <a:ext cx="1016" cy="1032"/>
-              </a:xfrm>
-              <a:prstGeom prst="ellipse">
-                <a:avLst/>
-              </a:prstGeom>
-              <a:solidFill>
-                <a:srgbClr val="33CCFF">
-                  <a:alpha val="50195"/>
-                </a:srgbClr>
-              </a:solidFill>
-              <a:ln w="9525">
-                <a:solidFill>
-                  <a:schemeClr val="tx1"/>
-                </a:solidFill>
-                <a:round/>
-                <a:headEnd/>
-                <a:tailEnd type="none" w="lg" len="lg"/>
-              </a:ln>
-            </p:spPr>
-            <p:txBody>
-              <a:bodyPr wrap="none" anchor="ctr"/>
-              <a:lstStyle/>
-              <a:p>
-                <a:pPr algn="ctr"/>
-                <a:endParaRPr lang="en-US">
-                  <a:solidFill>
-                    <a:schemeClr val="accent2"/>
-                  </a:solidFill>
-                  <a:latin typeface="Comic Sans MS" pitchFamily="66" charset="0"/>
-                </a:endParaRPr>
-              </a:p>
-            </p:txBody>
-          </p:sp>
-          <p:sp>
-            <p:nvSpPr>
-              <p:cNvPr id="16397" name="Oval 11"/>
-              <p:cNvSpPr>
-                <a:spLocks noChangeArrowheads="1"/>
-              </p:cNvSpPr>
-              <p:nvPr/>
-            </p:nvSpPr>
-            <p:spPr bwMode="auto">
-              <a:xfrm>
-                <a:off x="2600" y="2232"/>
+                <a:off x="2664" y="2288"/>
                 <a:ext cx="1016" cy="1032"/>
               </a:xfrm>
               <a:prstGeom prst="ellipse">
@@ -5815,7 +8266,7 @@
       </p:grpSp>
       <p:sp>
         <p:nvSpPr>
-          <p:cNvPr id="16389" name="Slide Number Placeholder 13"/>
+          <p:cNvPr id="1031" name="Slide Number Placeholder 12"/>
           <p:cNvSpPr>
             <a:spLocks noGrp="1"/>
           </p:cNvSpPr>
@@ -5838,7 +8289,7 @@
               <a:rPr lang="en-US" dirty="0" smtClean="0"/>
               <a:t>.</a:t>
             </a:r>
-            <a:fld id="{3B8E4082-F40B-4428-B587-3133F5D7165C}" type="slidenum">
+            <a:fld id="{28279EDB-FC81-4FF0-A8B6-60CD38656473}" type="slidenum">
               <a:rPr lang="en-US" smtClean="0"/>
               <a:pPr/>
               <a:t>5</a:t>
@@ -5847,7 +8298,220 @@
           </a:p>
         </p:txBody>
       </p:sp>
+      <p:graphicFrame>
+        <p:nvGraphicFramePr>
+          <p:cNvPr id="2" name="Object 1"/>
+          <p:cNvGraphicFramePr>
+            <a:graphicFrameLocks noChangeAspect="1"/>
+          </p:cNvGraphicFramePr>
+          <p:nvPr>
+            <p:extLst>
+              <p:ext uri="{D42A27DB-BD31-4B8C-83A1-F6EECF244321}">
+                <p14:modId xmlns:p14="http://schemas.microsoft.com/office/powerpoint/2010/main" val="624517522"/>
+              </p:ext>
+            </p:extLst>
+          </p:nvPr>
+        </p:nvGraphicFramePr>
+        <p:xfrm>
+          <a:off x="990600" y="3352800"/>
+          <a:ext cx="7243482" cy="1219200"/>
+        </p:xfrm>
+        <a:graphic>
+          <a:graphicData uri="http://schemas.openxmlformats.org/presentationml/2006/ole">
+            <mc:AlternateContent xmlns:mc="http://schemas.openxmlformats.org/markup-compatibility/2006">
+              <mc:Choice xmlns:v="urn:schemas-microsoft-com:vml" Requires="v">
+                <p:oleObj spid="_x0000_s205833" name="Equation" r:id="rId4" imgW="1282700" imgH="215900" progId="Equation.DSMT4">
+                  <p:embed/>
+                </p:oleObj>
+              </mc:Choice>
+              <mc:Fallback>
+                <p:oleObj name="Equation" r:id="rId4" imgW="1282700" imgH="215900" progId="Equation.DSMT4">
+                  <p:embed/>
+                  <p:pic>
+                    <p:nvPicPr>
+                      <p:cNvPr id="0" name=""/>
+                      <p:cNvPicPr/>
+                      <p:nvPr/>
+                    </p:nvPicPr>
+                    <p:blipFill>
+                      <a:blip r:embed="rId5"/>
+                      <a:stretch>
+                        <a:fillRect/>
+                      </a:stretch>
+                    </p:blipFill>
+                    <p:spPr>
+                      <a:xfrm>
+                        <a:off x="990600" y="3352800"/>
+                        <a:ext cx="7243482" cy="1219200"/>
+                      </a:xfrm>
+                      <a:prstGeom prst="rect">
+                        <a:avLst/>
+                      </a:prstGeom>
+                    </p:spPr>
+                  </p:pic>
+                </p:oleObj>
+              </mc:Fallback>
+            </mc:AlternateContent>
+          </a:graphicData>
+        </a:graphic>
+      </p:graphicFrame>
+      <p:sp>
+        <p:nvSpPr>
+          <p:cNvPr id="3" name="TextBox 2"/>
+          <p:cNvSpPr txBox="1"/>
+          <p:nvPr/>
+        </p:nvSpPr>
+        <p:spPr>
+          <a:xfrm>
+            <a:off x="4267200" y="5036403"/>
+            <a:ext cx="2375169" cy="830997"/>
+          </a:xfrm>
+          <a:prstGeom prst="rect">
+            <a:avLst/>
+          </a:prstGeom>
+          <a:noFill/>
+        </p:spPr>
+        <p:txBody>
+          <a:bodyPr wrap="none" rtlCol="0">
+            <a:spAutoFit/>
+          </a:bodyPr>
+          <a:lstStyle/>
+          <a:p>
+            <a:r>
+              <a:rPr lang="en-US" sz="4800" dirty="0" smtClean="0">
+                <a:latin typeface="Comic Sans MS" pitchFamily="66" charset="0"/>
+              </a:rPr>
+              <a:t>disjoint</a:t>
+            </a:r>
+            <a:endParaRPr lang="en-US" sz="4800" dirty="0" smtClean="0">
+              <a:latin typeface="Comic Sans MS" pitchFamily="66" charset="0"/>
+            </a:endParaRPr>
+          </a:p>
+        </p:txBody>
+      </p:sp>
+      <p:grpSp>
+        <p:nvGrpSpPr>
+          <p:cNvPr id="9" name="Group 8"/>
+          <p:cNvGrpSpPr/>
+          <p:nvPr/>
+        </p:nvGrpSpPr>
+        <p:grpSpPr>
+          <a:xfrm>
+            <a:off x="4572000" y="4357806"/>
+            <a:ext cx="1752600" cy="533400"/>
+            <a:chOff x="4572000" y="4503003"/>
+            <a:chExt cx="1752600" cy="533400"/>
+          </a:xfrm>
+        </p:grpSpPr>
+        <p:cxnSp>
+          <p:nvCxnSpPr>
+            <p:cNvPr id="5" name="Straight Arrow Connector 4"/>
+            <p:cNvCxnSpPr>
+              <a:stCxn id="3" idx="0"/>
+            </p:cNvCxnSpPr>
+            <p:nvPr/>
+          </p:nvCxnSpPr>
+          <p:spPr bwMode="auto">
+            <a:xfrm flipV="1">
+              <a:off x="5454785" y="4503003"/>
+              <a:ext cx="869815" cy="533400"/>
+            </a:xfrm>
+            <a:prstGeom prst="straightConnector1">
+              <a:avLst/>
+            </a:prstGeom>
+            <a:solidFill>
+              <a:schemeClr val="accent1"/>
+            </a:solidFill>
+            <a:ln w="38100" cap="flat" cmpd="sng" algn="ctr">
+              <a:solidFill>
+                <a:schemeClr val="tx1"/>
+              </a:solidFill>
+              <a:prstDash val="sysDash"/>
+              <a:round/>
+              <a:headEnd type="none" w="med" len="med"/>
+              <a:tailEnd type="stealth" w="lg" len="lg"/>
+            </a:ln>
+            <a:effectLst/>
+          </p:spPr>
+        </p:cxnSp>
+        <p:cxnSp>
+          <p:nvCxnSpPr>
+            <p:cNvPr id="7" name="Straight Arrow Connector 6"/>
+            <p:cNvCxnSpPr>
+              <a:stCxn id="3" idx="0"/>
+            </p:cNvCxnSpPr>
+            <p:nvPr/>
+          </p:nvCxnSpPr>
+          <p:spPr bwMode="auto">
+            <a:xfrm flipH="1" flipV="1">
+              <a:off x="4572000" y="4503003"/>
+              <a:ext cx="882785" cy="533400"/>
+            </a:xfrm>
+            <a:prstGeom prst="straightConnector1">
+              <a:avLst/>
+            </a:prstGeom>
+            <a:solidFill>
+              <a:schemeClr val="accent1"/>
+            </a:solidFill>
+            <a:ln w="38100" cap="flat" cmpd="sng" algn="ctr">
+              <a:solidFill>
+                <a:schemeClr val="tx1"/>
+              </a:solidFill>
+              <a:prstDash val="sysDash"/>
+              <a:round/>
+              <a:headEnd type="none" w="med" len="med"/>
+              <a:tailEnd type="stealth" w="lg" len="lg"/>
+            </a:ln>
+            <a:effectLst/>
+          </p:spPr>
+        </p:cxnSp>
+      </p:grpSp>
+      <p:sp>
+        <p:nvSpPr>
+          <p:cNvPr id="20" name="TextBox 19"/>
+          <p:cNvSpPr txBox="1"/>
+          <p:nvPr/>
+        </p:nvSpPr>
+        <p:spPr>
+          <a:xfrm>
+            <a:off x="381000" y="2895600"/>
+            <a:ext cx="1806354" cy="769441"/>
+          </a:xfrm>
+          <a:prstGeom prst="rect">
+            <a:avLst/>
+          </a:prstGeom>
+          <a:noFill/>
+        </p:spPr>
+        <p:txBody>
+          <a:bodyPr wrap="none" rtlCol="0">
+            <a:spAutoFit/>
+          </a:bodyPr>
+          <a:lstStyle/>
+          <a:p>
+            <a:r>
+              <a:rPr lang="en-US" sz="4400" dirty="0" smtClean="0">
+                <a:solidFill>
+                  <a:srgbClr val="90096D"/>
+                </a:solidFill>
+                <a:latin typeface="Comic Sans MS" pitchFamily="66" charset="0"/>
+              </a:rPr>
+              <a:t>proof:</a:t>
+            </a:r>
+            <a:endParaRPr lang="en-US" sz="4400" dirty="0" smtClean="0">
+              <a:solidFill>
+                <a:srgbClr val="90096D"/>
+              </a:solidFill>
+              <a:latin typeface="Comic Sans MS" pitchFamily="66" charset="0"/>
+            </a:endParaRPr>
+          </a:p>
+        </p:txBody>
+      </p:sp>
     </p:spTree>
+    <p:extLst>
+      <p:ext uri="{BB962C8B-B14F-4D97-AF65-F5344CB8AC3E}">
+        <p14:creationId xmlns:p14="http://schemas.microsoft.com/office/powerpoint/2010/main" val="1700436471"/>
+      </p:ext>
+    </p:extLst>
   </p:cSld>
   <p:clrMapOvr>
     <a:masterClrMapping/>
@@ -5876,7 +8540,7 @@
                             </p:stCondLst>
                             <p:childTnLst>
                               <p:par>
-                                <p:cTn id="5" presetID="9" presetClass="entr" presetSubtype="0" fill="hold" grpId="0" nodeType="clickEffect">
+                                <p:cTn id="5" presetID="22" presetClass="entr" presetSubtype="8" fill="hold" nodeType="clickEffect">
                                   <p:stCondLst>
                                     <p:cond delay="0"/>
                                   </p:stCondLst>
@@ -5889,7 +8553,7 @@
                                           </p:stCondLst>
                                         </p:cTn>
                                         <p:tgtEl>
-                                          <p:spTgt spid="27651"/>
+                                          <p:spTgt spid="2"/>
                                         </p:tgtEl>
                                         <p:attrNameLst>
                                           <p:attrName>style.visibility</p:attrName>
@@ -5899,11 +8563,108 @@
                                         <p:strVal val="visible"/>
                                       </p:to>
                                     </p:set>
-                                    <p:animEffect transition="in" filter="dissolve">
+                                    <p:animEffect transition="in" filter="wipe(left)">
                                       <p:cBhvr>
-                                        <p:cTn id="7" dur="500"/>
+                                        <p:cTn id="7" dur="2000"/>
                                         <p:tgtEl>
-                                          <p:spTgt spid="27651"/>
+                                          <p:spTgt spid="2"/>
+                                        </p:tgtEl>
+                                      </p:cBhvr>
+                                    </p:animEffect>
+                                  </p:childTnLst>
+                                </p:cTn>
+                              </p:par>
+                            </p:childTnLst>
+                          </p:cTn>
+                        </p:par>
+                      </p:childTnLst>
+                    </p:cTn>
+                  </p:par>
+                  <p:par>
+                    <p:cTn id="8" fill="hold">
+                      <p:stCondLst>
+                        <p:cond delay="indefinite"/>
+                      </p:stCondLst>
+                      <p:childTnLst>
+                        <p:par>
+                          <p:cTn id="9" fill="hold">
+                            <p:stCondLst>
+                              <p:cond delay="0"/>
+                            </p:stCondLst>
+                            <p:childTnLst>
+                              <p:par>
+                                <p:cTn id="10" presetID="10" presetClass="entr" presetSubtype="0" fill="hold" grpId="0" nodeType="clickEffect">
+                                  <p:stCondLst>
+                                    <p:cond delay="0"/>
+                                  </p:stCondLst>
+                                  <p:childTnLst>
+                                    <p:set>
+                                      <p:cBhvr>
+                                        <p:cTn id="11" dur="1" fill="hold">
+                                          <p:stCondLst>
+                                            <p:cond delay="0"/>
+                                          </p:stCondLst>
+                                        </p:cTn>
+                                        <p:tgtEl>
+                                          <p:spTgt spid="3"/>
+                                        </p:tgtEl>
+                                        <p:attrNameLst>
+                                          <p:attrName>style.visibility</p:attrName>
+                                        </p:attrNameLst>
+                                      </p:cBhvr>
+                                      <p:to>
+                                        <p:strVal val="visible"/>
+                                      </p:to>
+                                    </p:set>
+                                    <p:animEffect transition="in" filter="fade">
+                                      <p:cBhvr>
+                                        <p:cTn id="12" dur="500"/>
+                                        <p:tgtEl>
+                                          <p:spTgt spid="3"/>
+                                        </p:tgtEl>
+                                      </p:cBhvr>
+                                    </p:animEffect>
+                                  </p:childTnLst>
+                                </p:cTn>
+                              </p:par>
+                            </p:childTnLst>
+                          </p:cTn>
+                        </p:par>
+                        <p:par>
+                          <p:cTn id="13" fill="hold">
+                            <p:stCondLst>
+                              <p:cond delay="500"/>
+                            </p:stCondLst>
+                            <p:childTnLst>
+                              <p:par>
+                                <p:cTn id="14" presetID="22" presetClass="entr" presetSubtype="4" fill="hold" nodeType="afterEffect">
+                                  <p:stCondLst>
+                                    <p:cond delay="0"/>
+                                  </p:stCondLst>
+                                  <p:childTnLst>
+                                    <p:set>
+                                      <p:cBhvr>
+                                        <p:cTn id="15" dur="1" fill="hold">
+                                          <p:stCondLst>
+                                            <p:cond delay="0"/>
+                                          </p:stCondLst>
+                                        </p:cTn>
+                                        <p:tgtEl>
+                                          <p:spTgt spid="9"/>
+                                        </p:tgtEl>
+                                        <p:attrNameLst>
+                                          <p:attrName>style.visibility</p:attrName>
+                                        </p:attrNameLst>
+                                      </p:cBhvr>
+                                      <p:to>
+                                        <p:strVal val="visible"/>
+                                      </p:to>
+                                    </p:set>
+                                    <p:animEffect transition="in" filter="wipe(down)">
+                                      <p:cBhvr>
+                                        <p:cTn id="16" dur="1000"/>
+                                        <p:tgtEl>
+                                          <p:spTgt spid="9"/>
                                         </p:tgtEl>
                                       </p:cBhvr>
                                     </p:animEffect>
@@ -5938,14 +8699,14 @@
       </p:par>
     </p:tnLst>
     <p:bldLst>
-      <p:bldP spid="27651" grpId="0" animBg="1"/>
+      <p:bldP spid="3" grpId="0"/>
     </p:bldLst>
   </p:timing>
 </p:sld>
 </file>
 
 <file path=ppt/slides/slide6.xml><?xml version="1.0" encoding="utf-8"?>
-<p:sld xmlns:a="http://schemas.openxmlformats.org/drawingml/2006/main" xmlns:r="http://schemas.openxmlformats.org/officeDocument/2006/relationships" xmlns:p="http://schemas.openxmlformats.org/presentationml/2006/main" show="0">
+<p:sld xmlns:a="http://schemas.openxmlformats.org/drawingml/2006/main" xmlns:r="http://schemas.openxmlformats.org/officeDocument/2006/relationships" xmlns:p="http://schemas.openxmlformats.org/presentationml/2006/main">
   <p:cSld>
     <p:spTree>
       <p:nvGrpSpPr>
@@ -5963,7 +8724,7 @@
       </p:grpSpPr>
       <p:sp>
         <p:nvSpPr>
-          <p:cNvPr id="5124" name="Rectangle 2"/>
+          <p:cNvPr id="1027" name="Rectangle 2"/>
           <p:cNvSpPr>
             <a:spLocks noGrp="1" noChangeArrowheads="1"/>
           </p:cNvSpPr>
@@ -5971,26 +8732,37 @@
             <p:ph type="title"/>
           </p:nvPr>
         </p:nvSpPr>
-        <p:spPr>
-          <a:xfrm>
-            <a:off x="1600200" y="304800"/>
-            <a:ext cx="6019800" cy="1143000"/>
-          </a:xfrm>
-        </p:spPr>
+        <p:spPr/>
         <p:txBody>
           <a:bodyPr/>
           <a:lstStyle/>
           <a:p>
             <a:pPr eaLnBrk="1" hangingPunct="1"/>
             <a:r>
-              <a:rPr lang="en-US" dirty="0" smtClean="0">
+              <a:rPr lang="en-US" dirty="0" err="1" smtClean="0">
+                <a:solidFill>
+                  <a:schemeClr val="tx1"/>
+                </a:solidFill>
                 <a:latin typeface="Comic Sans MS" pitchFamily="66" charset="0"/>
               </a:rPr>
-              <a:t>Inclusion-Excl</a:t>
-            </a:r>
-            <a:r>
-              <a:rPr lang="en-US" dirty="0" smtClean="0"/>
-              <a:t>usion</a:t>
+              <a:t>Inc-Exc</a:t>
+            </a:r>
+            <a:r>
+              <a:rPr lang="en-US" dirty="0" smtClean="0">
+                <a:solidFill>
+                  <a:schemeClr val="tx1"/>
+                </a:solidFill>
+                <a:latin typeface="Comic Sans MS" pitchFamily="66" charset="0"/>
+              </a:rPr>
+              <a:t> from</a:t>
+            </a:r>
+            <a:r>
+              <a:rPr lang="en-US" dirty="0" smtClean="0">
+                <a:solidFill>
+                  <a:schemeClr val="tx1"/>
+                </a:solidFill>
+              </a:rPr>
+              <a:t> Sum Rule</a:t>
             </a:r>
             <a:endParaRPr lang="en-US" dirty="0" smtClean="0">
               <a:latin typeface="Comic Sans MS" pitchFamily="66" charset="0"/>
@@ -5998,9 +8770,213 @@
           </a:p>
         </p:txBody>
       </p:sp>
+      <p:grpSp>
+        <p:nvGrpSpPr>
+          <p:cNvPr id="1029" name="Group 5"/>
+          <p:cNvGrpSpPr>
+            <a:grpSpLocks/>
+          </p:cNvGrpSpPr>
+          <p:nvPr/>
+        </p:nvGrpSpPr>
+        <p:grpSpPr bwMode="auto">
+          <a:xfrm>
+            <a:off x="3267075" y="914400"/>
+            <a:ext cx="2676525" cy="2352675"/>
+            <a:chOff x="2058" y="1926"/>
+            <a:chExt cx="1686" cy="1482"/>
+          </a:xfrm>
+        </p:grpSpPr>
+        <p:sp>
+          <p:nvSpPr>
+            <p:cNvPr id="1032" name="Text Box 6"/>
+            <p:cNvSpPr txBox="1">
+              <a:spLocks noChangeArrowheads="1"/>
+            </p:cNvSpPr>
+            <p:nvPr/>
+          </p:nvSpPr>
+          <p:spPr bwMode="auto">
+            <a:xfrm>
+              <a:off x="2058" y="1926"/>
+              <a:ext cx="373" cy="480"/>
+            </a:xfrm>
+            <a:prstGeom prst="rect">
+              <a:avLst/>
+            </a:prstGeom>
+            <a:noFill/>
+            <a:ln w="9525">
+              <a:noFill/>
+              <a:miter lim="800000"/>
+              <a:headEnd/>
+              <a:tailEnd type="none" w="lg" len="lg"/>
+            </a:ln>
+          </p:spPr>
+          <p:txBody>
+            <a:bodyPr wrap="none">
+              <a:spAutoFit/>
+            </a:bodyPr>
+            <a:lstStyle/>
+            <a:p>
+              <a:r>
+                <a:rPr lang="en-US" sz="4400" dirty="0">
+                  <a:solidFill>
+                    <a:srgbClr val="0000FF"/>
+                  </a:solidFill>
+                  <a:latin typeface="Comic Sans MS" pitchFamily="66" charset="0"/>
+                </a:rPr>
+                <a:t>A</a:t>
+              </a:r>
+            </a:p>
+          </p:txBody>
+        </p:sp>
+        <p:sp>
+          <p:nvSpPr>
+            <p:cNvPr id="1033" name="Text Box 7"/>
+            <p:cNvSpPr txBox="1">
+              <a:spLocks noChangeArrowheads="1"/>
+            </p:cNvSpPr>
+            <p:nvPr/>
+          </p:nvSpPr>
+          <p:spPr bwMode="auto">
+            <a:xfrm>
+              <a:off x="3406" y="1926"/>
+              <a:ext cx="338" cy="480"/>
+            </a:xfrm>
+            <a:prstGeom prst="rect">
+              <a:avLst/>
+            </a:prstGeom>
+            <a:noFill/>
+            <a:ln w="9525">
+              <a:noFill/>
+              <a:miter lim="800000"/>
+              <a:headEnd/>
+              <a:tailEnd type="none" w="lg" len="lg"/>
+            </a:ln>
+          </p:spPr>
+          <p:txBody>
+            <a:bodyPr wrap="none">
+              <a:spAutoFit/>
+            </a:bodyPr>
+            <a:lstStyle/>
+            <a:p>
+              <a:r>
+                <a:rPr lang="en-US" sz="4400" dirty="0">
+                  <a:solidFill>
+                    <a:srgbClr val="0000FF"/>
+                  </a:solidFill>
+                  <a:latin typeface="Comic Sans MS" pitchFamily="66" charset="0"/>
+                </a:rPr>
+                <a:t>B</a:t>
+              </a:r>
+            </a:p>
+          </p:txBody>
+        </p:sp>
+        <p:grpSp>
+          <p:nvGrpSpPr>
+            <p:cNvPr id="1034" name="Group 8"/>
+            <p:cNvGrpSpPr>
+              <a:grpSpLocks/>
+            </p:cNvGrpSpPr>
+            <p:nvPr/>
+          </p:nvGrpSpPr>
+          <p:grpSpPr bwMode="auto">
+            <a:xfrm>
+              <a:off x="2058" y="2376"/>
+              <a:ext cx="1640" cy="1032"/>
+              <a:chOff x="2040" y="2288"/>
+              <a:chExt cx="1640" cy="1032"/>
+            </a:xfrm>
+          </p:grpSpPr>
+          <p:sp>
+            <p:nvSpPr>
+              <p:cNvPr id="1035" name="Oval 9"/>
+              <p:cNvSpPr>
+                <a:spLocks noChangeArrowheads="1"/>
+              </p:cNvSpPr>
+              <p:nvPr/>
+            </p:nvSpPr>
+            <p:spPr bwMode="auto">
+              <a:xfrm>
+                <a:off x="2040" y="2288"/>
+                <a:ext cx="1016" cy="1032"/>
+              </a:xfrm>
+              <a:prstGeom prst="ellipse">
+                <a:avLst/>
+              </a:prstGeom>
+              <a:solidFill>
+                <a:srgbClr val="0066FF"/>
+              </a:solidFill>
+              <a:ln w="9525">
+                <a:solidFill>
+                  <a:schemeClr val="tx1"/>
+                </a:solidFill>
+                <a:round/>
+                <a:headEnd/>
+                <a:tailEnd type="none" w="lg" len="lg"/>
+              </a:ln>
+            </p:spPr>
+            <p:txBody>
+              <a:bodyPr wrap="none" anchor="ctr"/>
+              <a:lstStyle/>
+              <a:p>
+                <a:pPr algn="ctr"/>
+                <a:endParaRPr lang="en-US">
+                  <a:solidFill>
+                    <a:schemeClr val="accent2"/>
+                  </a:solidFill>
+                  <a:latin typeface="Comic Sans MS" pitchFamily="66" charset="0"/>
+                </a:endParaRPr>
+              </a:p>
+            </p:txBody>
+          </p:sp>
+          <p:sp>
+            <p:nvSpPr>
+              <p:cNvPr id="1036" name="Oval 10"/>
+              <p:cNvSpPr>
+                <a:spLocks noChangeArrowheads="1"/>
+              </p:cNvSpPr>
+              <p:nvPr/>
+            </p:nvSpPr>
+            <p:spPr bwMode="auto">
+              <a:xfrm>
+                <a:off x="2664" y="2288"/>
+                <a:ext cx="1016" cy="1032"/>
+              </a:xfrm>
+              <a:prstGeom prst="ellipse">
+                <a:avLst/>
+              </a:prstGeom>
+              <a:solidFill>
+                <a:schemeClr val="accent2">
+                  <a:alpha val="50195"/>
+                </a:schemeClr>
+              </a:solidFill>
+              <a:ln w="9525">
+                <a:solidFill>
+                  <a:schemeClr val="tx1"/>
+                </a:solidFill>
+                <a:round/>
+                <a:headEnd/>
+                <a:tailEnd type="none" w="lg" len="lg"/>
+              </a:ln>
+            </p:spPr>
+            <p:txBody>
+              <a:bodyPr wrap="none" anchor="ctr"/>
+              <a:lstStyle/>
+              <a:p>
+                <a:pPr algn="ctr"/>
+                <a:endParaRPr lang="en-US">
+                  <a:solidFill>
+                    <a:schemeClr val="accent2"/>
+                  </a:solidFill>
+                  <a:latin typeface="Comic Sans MS" pitchFamily="66" charset="0"/>
+                </a:endParaRPr>
+              </a:p>
+            </p:txBody>
+          </p:sp>
+        </p:grpSp>
+      </p:grpSp>
       <p:sp>
         <p:nvSpPr>
-          <p:cNvPr id="5125" name="Slide Number Placeholder 7"/>
+          <p:cNvPr id="1031" name="Slide Number Placeholder 12"/>
           <p:cNvSpPr>
             <a:spLocks noGrp="1"/>
           </p:cNvSpPr>
@@ -6023,7 +8999,7 @@
               <a:rPr lang="en-US" dirty="0" smtClean="0"/>
               <a:t>.</a:t>
             </a:r>
-            <a:fld id="{440333D2-3154-4D4B-AAB9-AB5679BA8A30}" type="slidenum">
+            <a:fld id="{28279EDB-FC81-4FF0-A8B6-60CD38656473}" type="slidenum">
               <a:rPr lang="en-US" smtClean="0"/>
               <a:pPr/>
               <a:t>6</a:t>
@@ -6041,25 +9017,25 @@
           <p:nvPr>
             <p:extLst>
               <p:ext uri="{D42A27DB-BD31-4B8C-83A1-F6EECF244321}">
-                <p14:modId xmlns:p14="http://schemas.microsoft.com/office/powerpoint/2010/main" val="3034928959"/>
+                <p14:modId xmlns:p14="http://schemas.microsoft.com/office/powerpoint/2010/main" val="2953222866"/>
               </p:ext>
             </p:extLst>
           </p:nvPr>
         </p:nvGraphicFramePr>
         <p:xfrm>
-          <a:off x="457200" y="3200400"/>
-          <a:ext cx="8229600" cy="2133600"/>
+          <a:off x="382588" y="3352800"/>
+          <a:ext cx="8461375" cy="1219200"/>
         </p:xfrm>
         <a:graphic>
           <a:graphicData uri="http://schemas.openxmlformats.org/presentationml/2006/ole">
             <mc:AlternateContent xmlns:mc="http://schemas.openxmlformats.org/markup-compatibility/2006">
               <mc:Choice xmlns:v="urn:schemas-microsoft-com:vml" Requires="v">
-                <p:oleObj spid="_x0000_s201770" name="Equation" r:id="rId4" imgW="2057400" imgH="533400" progId="Equation.DSMT4">
+                <p:oleObj spid="_x0000_s206857" name="Equation" r:id="rId4" imgW="1498600" imgH="215900" progId="Equation.DSMT4">
                   <p:embed/>
                 </p:oleObj>
               </mc:Choice>
               <mc:Fallback>
-                <p:oleObj name="Equation" r:id="rId4" imgW="2057400" imgH="533400" progId="Equation.DSMT4">
+                <p:oleObj name="Equation" r:id="rId4" imgW="1498600" imgH="215900" progId="Equation.DSMT4">
                   <p:embed/>
                   <p:pic>
                     <p:nvPicPr>
@@ -6075,8 +9051,8 @@
                     </p:blipFill>
                     <p:spPr>
                       <a:xfrm>
-                        <a:off x="457200" y="3200400"/>
-                        <a:ext cx="8229600" cy="2133600"/>
+                        <a:off x="382588" y="3352800"/>
+                        <a:ext cx="8461375" cy="1219200"/>
                       </a:xfrm>
                       <a:prstGeom prst="rect">
                         <a:avLst/>
@@ -6089,95 +9065,190 @@
           </a:graphicData>
         </a:graphic>
       </p:graphicFrame>
-      <p:graphicFrame>
-        <p:nvGraphicFramePr>
-          <p:cNvPr id="6" name="Object 3"/>
-          <p:cNvGraphicFramePr>
-            <a:graphicFrameLocks noChangeAspect="1"/>
-          </p:cNvGraphicFramePr>
-          <p:nvPr>
-            <p:extLst>
-              <p:ext uri="{D42A27DB-BD31-4B8C-83A1-F6EECF244321}">
-                <p14:modId xmlns:p14="http://schemas.microsoft.com/office/powerpoint/2010/main" val="3931540511"/>
-              </p:ext>
-            </p:extLst>
-          </p:nvPr>
-        </p:nvGraphicFramePr>
-        <p:xfrm>
-          <a:off x="217488" y="1687512"/>
-          <a:ext cx="6877050" cy="1360488"/>
-        </p:xfrm>
-        <a:graphic>
-          <a:graphicData uri="http://schemas.openxmlformats.org/presentationml/2006/ole">
-            <mc:AlternateContent xmlns:mc="http://schemas.openxmlformats.org/markup-compatibility/2006">
-              <mc:Choice xmlns:v="urn:schemas-microsoft-com:vml" Requires="v">
-                <p:oleObj spid="_x0000_s201771" name="Equation" r:id="rId6" imgW="1346200" imgH="266700" progId="Equation.DSMT4">
-                  <p:embed/>
-                </p:oleObj>
-              </mc:Choice>
-              <mc:Fallback>
-                <p:oleObj name="Equation" r:id="rId6" imgW="1346200" imgH="266700" progId="Equation.DSMT4">
-                  <p:embed/>
-                  <p:pic>
-                    <p:nvPicPr>
-                      <p:cNvPr id="0" name=""/>
-                      <p:cNvPicPr>
-                        <a:picLocks noChangeAspect="1" noChangeArrowheads="1"/>
-                      </p:cNvPicPr>
-                      <p:nvPr/>
-                    </p:nvPicPr>
-                    <p:blipFill>
-                      <a:blip r:embed="rId7"/>
-                      <a:srcRect/>
-                      <a:stretch>
-                        <a:fillRect/>
-                      </a:stretch>
-                    </p:blipFill>
-                    <p:spPr bwMode="auto">
-                      <a:xfrm>
-                        <a:off x="217488" y="1687512"/>
-                        <a:ext cx="6877050" cy="1360488"/>
-                      </a:xfrm>
-                      <a:prstGeom prst="rect">
-                        <a:avLst/>
-                      </a:prstGeom>
-                      <a:noFill/>
-                      <a:extLst>
-                        <a:ext uri="{909E8E84-426E-40dd-AFC4-6F175D3DCCD1}">
-                          <a14:hiddenFill xmlns:a14="http://schemas.microsoft.com/office/drawing/2010/main">
-                            <a:solidFill>
-                              <a:srgbClr val="FFFFFF"/>
-                            </a:solidFill>
-                          </a14:hiddenFill>
-                        </a:ext>
-                      </a:extLst>
-                    </p:spPr>
-                  </p:pic>
-                </p:oleObj>
-              </mc:Fallback>
-            </mc:AlternateContent>
-          </a:graphicData>
-        </a:graphic>
-      </p:graphicFrame>
+      <p:sp>
+        <p:nvSpPr>
+          <p:cNvPr id="4" name="TextBox 3"/>
+          <p:cNvSpPr txBox="1"/>
+          <p:nvPr/>
+        </p:nvSpPr>
+        <p:spPr>
+          <a:xfrm>
+            <a:off x="2232958" y="4648200"/>
+            <a:ext cx="4548842" cy="1015663"/>
+          </a:xfrm>
+          <a:prstGeom prst="rect">
+            <a:avLst/>
+          </a:prstGeom>
+          <a:noFill/>
+        </p:spPr>
+        <p:txBody>
+          <a:bodyPr wrap="none" rtlCol="0">
+            <a:spAutoFit/>
+          </a:bodyPr>
+          <a:lstStyle/>
+          <a:p>
+            <a:r>
+              <a:rPr lang="en-US" sz="6000" dirty="0" smtClean="0">
+                <a:latin typeface="Comic Sans MS" pitchFamily="66" charset="0"/>
+              </a:rPr>
+              <a:t>by Sum Rule</a:t>
+            </a:r>
+            <a:endParaRPr lang="en-US" sz="6000" dirty="0" smtClean="0">
+              <a:latin typeface="Comic Sans MS" pitchFamily="66" charset="0"/>
+            </a:endParaRPr>
+          </a:p>
+        </p:txBody>
+      </p:sp>
+      <p:sp>
+        <p:nvSpPr>
+          <p:cNvPr id="16" name="TextBox 15"/>
+          <p:cNvSpPr txBox="1"/>
+          <p:nvPr/>
+        </p:nvSpPr>
+        <p:spPr>
+          <a:xfrm>
+            <a:off x="381000" y="2895600"/>
+            <a:ext cx="1806354" cy="769441"/>
+          </a:xfrm>
+          <a:prstGeom prst="rect">
+            <a:avLst/>
+          </a:prstGeom>
+          <a:noFill/>
+        </p:spPr>
+        <p:txBody>
+          <a:bodyPr wrap="none" rtlCol="0">
+            <a:spAutoFit/>
+          </a:bodyPr>
+          <a:lstStyle/>
+          <a:p>
+            <a:r>
+              <a:rPr lang="en-US" sz="4400" dirty="0" smtClean="0">
+                <a:solidFill>
+                  <a:srgbClr val="90096D"/>
+                </a:solidFill>
+                <a:latin typeface="Comic Sans MS" pitchFamily="66" charset="0"/>
+              </a:rPr>
+              <a:t>proof:</a:t>
+            </a:r>
+            <a:endParaRPr lang="en-US" sz="4400" dirty="0" smtClean="0">
+              <a:solidFill>
+                <a:srgbClr val="90096D"/>
+              </a:solidFill>
+              <a:latin typeface="Comic Sans MS" pitchFamily="66" charset="0"/>
+            </a:endParaRPr>
+          </a:p>
+        </p:txBody>
+      </p:sp>
     </p:spTree>
     <p:extLst>
       <p:ext uri="{BB962C8B-B14F-4D97-AF65-F5344CB8AC3E}">
-        <p14:creationId xmlns:p14="http://schemas.microsoft.com/office/powerpoint/2010/main" val="2003505488"/>
+        <p14:creationId xmlns:p14="http://schemas.microsoft.com/office/powerpoint/2010/main" val="2137729994"/>
       </p:ext>
     </p:extLst>
   </p:cSld>
   <p:clrMapOvr>
     <a:masterClrMapping/>
   </p:clrMapOvr>
-  <p:transition xmlns:p14="http://schemas.microsoft.com/office/powerpoint/2010/main" spd="slow" advClick="0">
-    <p:fade/>
-  </p:transition>
+  <mc:AlternateContent xmlns:mc="http://schemas.openxmlformats.org/markup-compatibility/2006">
+    <mc:Choice xmlns:p14="http://schemas.microsoft.com/office/powerpoint/2010/main" Requires="p14">
+      <p:transition spd="med" p14:dur="700" advClick="0">
+        <p:fade/>
+      </p:transition>
+    </mc:Choice>
+    <mc:Fallback>
+      <p:transition xmlns:p14="http://schemas.microsoft.com/office/powerpoint/2010/main" spd="med" advClick="0">
+        <p:fade/>
+      </p:transition>
+    </mc:Fallback>
+  </mc:AlternateContent>
   <p:timing>
     <p:tnLst>
       <p:par>
-        <p:cTn xmlns:p14="http://schemas.microsoft.com/office/powerpoint/2010/main" id="1" dur="indefinite" restart="never" nodeType="tmRoot"/>
+        <p:cTn xmlns:p14="http://schemas.microsoft.com/office/powerpoint/2010/main" id="1" dur="indefinite" restart="never" nodeType="tmRoot">
+          <p:childTnLst>
+            <p:seq concurrent="1" nextAc="seek">
+              <p:cTn id="2" dur="indefinite" nodeType="mainSeq">
+                <p:childTnLst>
+                  <p:par>
+                    <p:cTn id="3" fill="hold">
+                      <p:stCondLst>
+                        <p:cond delay="indefinite"/>
+                        <p:cond evt="onBegin" delay="0">
+                          <p:tn val="2"/>
+                        </p:cond>
+                      </p:stCondLst>
+                      <p:childTnLst>
+                        <p:par>
+                          <p:cTn id="4" fill="hold">
+                            <p:stCondLst>
+                              <p:cond delay="0"/>
+                            </p:stCondLst>
+                            <p:childTnLst>
+                              <p:par>
+                                <p:cTn id="5" presetID="10" presetClass="entr" presetSubtype="0" fill="hold" grpId="0" nodeType="afterEffect">
+                                  <p:stCondLst>
+                                    <p:cond delay="0"/>
+                                  </p:stCondLst>
+                                  <p:childTnLst>
+                                    <p:set>
+                                      <p:cBhvr>
+                                        <p:cTn id="6" dur="1" fill="hold">
+                                          <p:stCondLst>
+                                            <p:cond delay="0"/>
+                                          </p:stCondLst>
+                                        </p:cTn>
+                                        <p:tgtEl>
+                                          <p:spTgt spid="4"/>
+                                        </p:tgtEl>
+                                        <p:attrNameLst>
+                                          <p:attrName>style.visibility</p:attrName>
+                                        </p:attrNameLst>
+                                      </p:cBhvr>
+                                      <p:to>
+                                        <p:strVal val="visible"/>
+                                      </p:to>
+                                    </p:set>
+                                    <p:animEffect transition="in" filter="fade">
+                                      <p:cBhvr>
+                                        <p:cTn id="7" dur="500"/>
+                                        <p:tgtEl>
+                                          <p:spTgt spid="4"/>
+                                        </p:tgtEl>
+                                      </p:cBhvr>
+                                    </p:animEffect>
+                                  </p:childTnLst>
+                                </p:cTn>
+                              </p:par>
+                            </p:childTnLst>
+                          </p:cTn>
+                        </p:par>
+                      </p:childTnLst>
+                    </p:cTn>
+                  </p:par>
+                </p:childTnLst>
+              </p:cTn>
+              <p:prevCondLst>
+                <p:cond evt="onPrev" delay="0">
+                  <p:tgtEl>
+                    <p:sldTgt/>
+                  </p:tgtEl>
+                </p:cond>
+              </p:prevCondLst>
+              <p:nextCondLst>
+                <p:cond evt="onNext" delay="0">
+                  <p:tgtEl>
+                    <p:sldTgt/>
+                  </p:tgtEl>
+                </p:cond>
+              </p:nextCondLst>
+            </p:seq>
+          </p:childTnLst>
+        </p:cTn>
       </p:par>
     </p:tnLst>
+    <p:bldLst>
+      <p:bldP spid="4" grpId="0"/>
+    </p:bldLst>
   </p:timing>
 </p:sld>
 </file>
@@ -6199,149 +9270,9 @@
           <a:chExt cx="0" cy="0"/>
         </a:xfrm>
       </p:grpSpPr>
-      <p:graphicFrame>
-        <p:nvGraphicFramePr>
-          <p:cNvPr id="5122" name="Object 3"/>
-          <p:cNvGraphicFramePr>
-            <a:graphicFrameLocks noChangeAspect="1"/>
-          </p:cNvGraphicFramePr>
-          <p:nvPr>
-            <p:extLst>
-              <p:ext uri="{D42A27DB-BD31-4B8C-83A1-F6EECF244321}">
-                <p14:modId xmlns:p14="http://schemas.microsoft.com/office/powerpoint/2010/main" val="3128216839"/>
-              </p:ext>
-            </p:extLst>
-          </p:nvPr>
-        </p:nvGraphicFramePr>
-        <p:xfrm>
-          <a:off x="217488" y="1187450"/>
-          <a:ext cx="6877050" cy="1360488"/>
-        </p:xfrm>
-        <a:graphic>
-          <a:graphicData uri="http://schemas.openxmlformats.org/presentationml/2006/ole">
-            <mc:AlternateContent xmlns:mc="http://schemas.openxmlformats.org/markup-compatibility/2006">
-              <mc:Choice xmlns:v="urn:schemas-microsoft-com:vml" Requires="v">
-                <p:oleObj spid="_x0000_s5193" name="Equation" r:id="rId4" imgW="1346200" imgH="266700" progId="Equation.DSMT4">
-                  <p:embed/>
-                </p:oleObj>
-              </mc:Choice>
-              <mc:Fallback>
-                <p:oleObj name="Equation" r:id="rId4" imgW="1346200" imgH="266700" progId="Equation.DSMT4">
-                  <p:embed/>
-                  <p:pic>
-                    <p:nvPicPr>
-                      <p:cNvPr id="0" name="Object 3"/>
-                      <p:cNvPicPr>
-                        <a:picLocks noChangeAspect="1" noChangeArrowheads="1"/>
-                      </p:cNvPicPr>
-                      <p:nvPr/>
-                    </p:nvPicPr>
-                    <p:blipFill>
-                      <a:blip r:embed="rId5"/>
-                      <a:srcRect/>
-                      <a:stretch>
-                        <a:fillRect/>
-                      </a:stretch>
-                    </p:blipFill>
-                    <p:spPr bwMode="auto">
-                      <a:xfrm>
-                        <a:off x="217488" y="1187450"/>
-                        <a:ext cx="6877050" cy="1360488"/>
-                      </a:xfrm>
-                      <a:prstGeom prst="rect">
-                        <a:avLst/>
-                      </a:prstGeom>
-                      <a:noFill/>
-                      <a:extLst>
-                        <a:ext uri="{909E8E84-426E-40dd-AFC4-6F175D3DCCD1}">
-                          <a14:hiddenFill xmlns:a14="http://schemas.microsoft.com/office/drawing/2010/main">
-                            <a:solidFill>
-                              <a:srgbClr val="FFFFFF"/>
-                            </a:solidFill>
-                          </a14:hiddenFill>
-                        </a:ext>
-                      </a:extLst>
-                    </p:spPr>
-                  </p:pic>
-                </p:oleObj>
-              </mc:Fallback>
-            </mc:AlternateContent>
-          </a:graphicData>
-        </a:graphic>
-      </p:graphicFrame>
-      <p:graphicFrame>
-        <p:nvGraphicFramePr>
-          <p:cNvPr id="571396" name="Object 4"/>
-          <p:cNvGraphicFramePr>
-            <a:graphicFrameLocks noChangeAspect="1"/>
-          </p:cNvGraphicFramePr>
-          <p:nvPr>
-            <p:extLst>
-              <p:ext uri="{D42A27DB-BD31-4B8C-83A1-F6EECF244321}">
-                <p14:modId xmlns:p14="http://schemas.microsoft.com/office/powerpoint/2010/main" val="3732530121"/>
-              </p:ext>
-            </p:extLst>
-          </p:nvPr>
-        </p:nvGraphicFramePr>
-        <p:xfrm>
-          <a:off x="933450" y="2451100"/>
-          <a:ext cx="7307263" cy="2493963"/>
-        </p:xfrm>
-        <a:graphic>
-          <a:graphicData uri="http://schemas.openxmlformats.org/presentationml/2006/ole">
-            <mc:AlternateContent xmlns:mc="http://schemas.openxmlformats.org/markup-compatibility/2006">
-              <mc:Choice xmlns:v="urn:schemas-microsoft-com:vml" Requires="v">
-                <p:oleObj spid="_x0000_s5194" name="Equation" r:id="rId6" imgW="1447800" imgH="495300" progId="Equation.DSMT4">
-                  <p:embed/>
-                </p:oleObj>
-              </mc:Choice>
-              <mc:Fallback>
-                <p:oleObj name="Equation" r:id="rId6" imgW="1447800" imgH="495300" progId="Equation.DSMT4">
-                  <p:embed/>
-                  <p:pic>
-                    <p:nvPicPr>
-                      <p:cNvPr id="0" name="Object 4"/>
-                      <p:cNvPicPr>
-                        <a:picLocks noChangeAspect="1" noChangeArrowheads="1"/>
-                      </p:cNvPicPr>
-                      <p:nvPr/>
-                    </p:nvPicPr>
-                    <p:blipFill>
-                      <a:blip r:embed="rId7"/>
-                      <a:srcRect/>
-                      <a:stretch>
-                        <a:fillRect/>
-                      </a:stretch>
-                    </p:blipFill>
-                    <p:spPr bwMode="auto">
-                      <a:xfrm>
-                        <a:off x="933450" y="2451100"/>
-                        <a:ext cx="7307263" cy="2493963"/>
-                      </a:xfrm>
-                      <a:prstGeom prst="rect">
-                        <a:avLst/>
-                      </a:prstGeom>
-                      <a:noFill/>
-                      <a:extLst>
-                        <a:ext uri="{909E8E84-426E-40dd-AFC4-6F175D3DCCD1}">
-                          <a14:hiddenFill xmlns:a14="http://schemas.microsoft.com/office/drawing/2010/main">
-                            <a:solidFill>
-                              <a:srgbClr val="FFFFFF"/>
-                            </a:solidFill>
-                          </a14:hiddenFill>
-                        </a:ext>
-                      </a:extLst>
-                    </p:spPr>
-                  </p:pic>
-                </p:oleObj>
-              </mc:Fallback>
-            </mc:AlternateContent>
-          </a:graphicData>
-        </a:graphic>
-      </p:graphicFrame>
       <p:sp>
         <p:nvSpPr>
-          <p:cNvPr id="5124" name="Rectangle 2"/>
+          <p:cNvPr id="1027" name="Rectangle 2"/>
           <p:cNvSpPr>
             <a:spLocks noGrp="1" noChangeArrowheads="1"/>
           </p:cNvSpPr>
@@ -6349,29 +9280,251 @@
             <p:ph type="title"/>
           </p:nvPr>
         </p:nvSpPr>
-        <p:spPr>
-          <a:xfrm>
-            <a:off x="1600200" y="304800"/>
-            <a:ext cx="6019800" cy="1143000"/>
-          </a:xfrm>
-        </p:spPr>
+        <p:spPr/>
         <p:txBody>
           <a:bodyPr/>
           <a:lstStyle/>
           <a:p>
             <a:pPr eaLnBrk="1" hangingPunct="1"/>
             <a:r>
-              <a:rPr lang="en-US" smtClean="0">
+              <a:rPr lang="en-US" dirty="0" err="1" smtClean="0">
+                <a:solidFill>
+                  <a:schemeClr val="tx1"/>
+                </a:solidFill>
                 <a:latin typeface="Comic Sans MS" pitchFamily="66" charset="0"/>
               </a:rPr>
-              <a:t>Incl-Excl:“Obvious”?</a:t>
-            </a:r>
+              <a:t>Inc-Exc</a:t>
+            </a:r>
+            <a:r>
+              <a:rPr lang="en-US" dirty="0" smtClean="0">
+                <a:solidFill>
+                  <a:schemeClr val="tx1"/>
+                </a:solidFill>
+                <a:latin typeface="Comic Sans MS" pitchFamily="66" charset="0"/>
+              </a:rPr>
+              <a:t> from</a:t>
+            </a:r>
+            <a:r>
+              <a:rPr lang="en-US" dirty="0" smtClean="0">
+                <a:solidFill>
+                  <a:schemeClr val="tx1"/>
+                </a:solidFill>
+              </a:rPr>
+              <a:t> Sum Rule</a:t>
+            </a:r>
+            <a:endParaRPr lang="en-US" dirty="0" smtClean="0">
+              <a:latin typeface="Comic Sans MS" pitchFamily="66" charset="0"/>
+            </a:endParaRPr>
           </a:p>
         </p:txBody>
       </p:sp>
+      <p:grpSp>
+        <p:nvGrpSpPr>
+          <p:cNvPr id="1029" name="Group 5"/>
+          <p:cNvGrpSpPr>
+            <a:grpSpLocks/>
+          </p:cNvGrpSpPr>
+          <p:nvPr/>
+        </p:nvGrpSpPr>
+        <p:grpSpPr bwMode="auto">
+          <a:xfrm>
+            <a:off x="3267075" y="914400"/>
+            <a:ext cx="2676525" cy="2352675"/>
+            <a:chOff x="2058" y="1926"/>
+            <a:chExt cx="1686" cy="1482"/>
+          </a:xfrm>
+        </p:grpSpPr>
+        <p:sp>
+          <p:nvSpPr>
+            <p:cNvPr id="1032" name="Text Box 6"/>
+            <p:cNvSpPr txBox="1">
+              <a:spLocks noChangeArrowheads="1"/>
+            </p:cNvSpPr>
+            <p:nvPr/>
+          </p:nvSpPr>
+          <p:spPr bwMode="auto">
+            <a:xfrm>
+              <a:off x="2058" y="1926"/>
+              <a:ext cx="373" cy="480"/>
+            </a:xfrm>
+            <a:prstGeom prst="rect">
+              <a:avLst/>
+            </a:prstGeom>
+            <a:noFill/>
+            <a:ln w="9525">
+              <a:noFill/>
+              <a:miter lim="800000"/>
+              <a:headEnd/>
+              <a:tailEnd type="none" w="lg" len="lg"/>
+            </a:ln>
+          </p:spPr>
+          <p:txBody>
+            <a:bodyPr wrap="none">
+              <a:spAutoFit/>
+            </a:bodyPr>
+            <a:lstStyle/>
+            <a:p>
+              <a:r>
+                <a:rPr lang="en-US" sz="4400" dirty="0">
+                  <a:solidFill>
+                    <a:srgbClr val="0000FF"/>
+                  </a:solidFill>
+                  <a:latin typeface="Comic Sans MS" pitchFamily="66" charset="0"/>
+                </a:rPr>
+                <a:t>A</a:t>
+              </a:r>
+            </a:p>
+          </p:txBody>
+        </p:sp>
+        <p:sp>
+          <p:nvSpPr>
+            <p:cNvPr id="1033" name="Text Box 7"/>
+            <p:cNvSpPr txBox="1">
+              <a:spLocks noChangeArrowheads="1"/>
+            </p:cNvSpPr>
+            <p:nvPr/>
+          </p:nvSpPr>
+          <p:spPr bwMode="auto">
+            <a:xfrm>
+              <a:off x="3406" y="1926"/>
+              <a:ext cx="338" cy="480"/>
+            </a:xfrm>
+            <a:prstGeom prst="rect">
+              <a:avLst/>
+            </a:prstGeom>
+            <a:noFill/>
+            <a:ln w="9525">
+              <a:noFill/>
+              <a:miter lim="800000"/>
+              <a:headEnd/>
+              <a:tailEnd type="none" w="lg" len="lg"/>
+            </a:ln>
+          </p:spPr>
+          <p:txBody>
+            <a:bodyPr wrap="none">
+              <a:spAutoFit/>
+            </a:bodyPr>
+            <a:lstStyle/>
+            <a:p>
+              <a:r>
+                <a:rPr lang="en-US" sz="4400" dirty="0">
+                  <a:solidFill>
+                    <a:srgbClr val="0000FF"/>
+                  </a:solidFill>
+                  <a:latin typeface="Comic Sans MS" pitchFamily="66" charset="0"/>
+                </a:rPr>
+                <a:t>B</a:t>
+              </a:r>
+            </a:p>
+          </p:txBody>
+        </p:sp>
+        <p:grpSp>
+          <p:nvGrpSpPr>
+            <p:cNvPr id="1034" name="Group 8"/>
+            <p:cNvGrpSpPr>
+              <a:grpSpLocks/>
+            </p:cNvGrpSpPr>
+            <p:nvPr/>
+          </p:nvGrpSpPr>
+          <p:grpSpPr bwMode="auto">
+            <a:xfrm>
+              <a:off x="2058" y="2376"/>
+              <a:ext cx="1640" cy="1032"/>
+              <a:chOff x="2040" y="2288"/>
+              <a:chExt cx="1640" cy="1032"/>
+            </a:xfrm>
+          </p:grpSpPr>
+          <p:sp>
+            <p:nvSpPr>
+              <p:cNvPr id="1035" name="Oval 9"/>
+              <p:cNvSpPr>
+                <a:spLocks noChangeArrowheads="1"/>
+              </p:cNvSpPr>
+              <p:nvPr/>
+            </p:nvSpPr>
+            <p:spPr bwMode="auto">
+              <a:xfrm>
+                <a:off x="2040" y="2288"/>
+                <a:ext cx="1016" cy="1032"/>
+              </a:xfrm>
+              <a:prstGeom prst="ellipse">
+                <a:avLst/>
+              </a:prstGeom>
+              <a:solidFill>
+                <a:srgbClr val="0066FF"/>
+              </a:solidFill>
+              <a:ln w="9525">
+                <a:solidFill>
+                  <a:schemeClr val="tx1"/>
+                </a:solidFill>
+                <a:round/>
+                <a:headEnd/>
+                <a:tailEnd type="none" w="lg" len="lg"/>
+              </a:ln>
+            </p:spPr>
+            <p:txBody>
+              <a:bodyPr wrap="none" anchor="ctr"/>
+              <a:lstStyle/>
+              <a:p>
+                <a:pPr algn="ctr"/>
+                <a:endParaRPr lang="en-US">
+                  <a:solidFill>
+                    <a:schemeClr val="accent2"/>
+                  </a:solidFill>
+                  <a:latin typeface="Comic Sans MS" pitchFamily="66" charset="0"/>
+                </a:endParaRPr>
+              </a:p>
+            </p:txBody>
+          </p:sp>
+          <p:sp>
+            <p:nvSpPr>
+              <p:cNvPr id="1036" name="Oval 10"/>
+              <p:cNvSpPr>
+                <a:spLocks noChangeArrowheads="1"/>
+              </p:cNvSpPr>
+              <p:nvPr/>
+            </p:nvSpPr>
+            <p:spPr bwMode="auto">
+              <a:xfrm>
+                <a:off x="2664" y="2288"/>
+                <a:ext cx="1016" cy="1032"/>
+              </a:xfrm>
+              <a:prstGeom prst="ellipse">
+                <a:avLst/>
+              </a:prstGeom>
+              <a:solidFill>
+                <a:schemeClr val="accent2">
+                  <a:alpha val="50195"/>
+                </a:schemeClr>
+              </a:solidFill>
+              <a:ln w="9525">
+                <a:solidFill>
+                  <a:schemeClr val="tx1"/>
+                </a:solidFill>
+                <a:round/>
+                <a:headEnd/>
+                <a:tailEnd type="none" w="lg" len="lg"/>
+              </a:ln>
+            </p:spPr>
+            <p:txBody>
+              <a:bodyPr wrap="none" anchor="ctr"/>
+              <a:lstStyle/>
+              <a:p>
+                <a:pPr algn="ctr"/>
+                <a:endParaRPr lang="en-US">
+                  <a:solidFill>
+                    <a:schemeClr val="accent2"/>
+                  </a:solidFill>
+                  <a:latin typeface="Comic Sans MS" pitchFamily="66" charset="0"/>
+                </a:endParaRPr>
+              </a:p>
+            </p:txBody>
+          </p:sp>
+        </p:grpSp>
+      </p:grpSp>
       <p:sp>
         <p:nvSpPr>
-          <p:cNvPr id="5125" name="Slide Number Placeholder 7"/>
+          <p:cNvPr id="1031" name="Slide Number Placeholder 12"/>
           <p:cNvSpPr>
             <a:spLocks noGrp="1"/>
           </p:cNvSpPr>
@@ -6394,7 +9547,7 @@
               <a:rPr lang="en-US" dirty="0" smtClean="0"/>
               <a:t>.</a:t>
             </a:r>
-            <a:fld id="{440333D2-3154-4D4B-AAB9-AB5679BA8A30}" type="slidenum">
+            <a:fld id="{28279EDB-FC81-4FF0-A8B6-60CD38656473}" type="slidenum">
               <a:rPr lang="en-US" smtClean="0"/>
               <a:pPr/>
               <a:t>7</a:t>
@@ -6403,7 +9556,1486 @@
           </a:p>
         </p:txBody>
       </p:sp>
+      <p:graphicFrame>
+        <p:nvGraphicFramePr>
+          <p:cNvPr id="3" name="Object 2"/>
+          <p:cNvGraphicFramePr>
+            <a:graphicFrameLocks noChangeAspect="1"/>
+          </p:cNvGraphicFramePr>
+          <p:nvPr>
+            <p:extLst>
+              <p:ext uri="{D42A27DB-BD31-4B8C-83A1-F6EECF244321}">
+                <p14:modId xmlns:p14="http://schemas.microsoft.com/office/powerpoint/2010/main" val="3593434873"/>
+              </p:ext>
+            </p:extLst>
+          </p:nvPr>
+        </p:nvGraphicFramePr>
+        <p:xfrm>
+          <a:off x="5867400" y="3429000"/>
+          <a:ext cx="3098801" cy="2590800"/>
+        </p:xfrm>
+        <a:graphic>
+          <a:graphicData uri="http://schemas.openxmlformats.org/presentationml/2006/ole">
+            <mc:AlternateContent xmlns:mc="http://schemas.openxmlformats.org/markup-compatibility/2006">
+              <mc:Choice xmlns:v="urn:schemas-microsoft-com:vml" Requires="v">
+                <p:oleObj spid="_x0000_s207887" name="Equation" r:id="rId4" imgW="622300" imgH="520700" progId="Equation.DSMT4">
+                  <p:embed/>
+                </p:oleObj>
+              </mc:Choice>
+              <mc:Fallback>
+                <p:oleObj name="Equation" r:id="rId4" imgW="622300" imgH="520700" progId="Equation.DSMT4">
+                  <p:embed/>
+                  <p:pic>
+                    <p:nvPicPr>
+                      <p:cNvPr id="0" name=""/>
+                      <p:cNvPicPr/>
+                      <p:nvPr/>
+                    </p:nvPicPr>
+                    <p:blipFill>
+                      <a:blip r:embed="rId5"/>
+                      <a:stretch>
+                        <a:fillRect/>
+                      </a:stretch>
+                    </p:blipFill>
+                    <p:spPr>
+                      <a:xfrm>
+                        <a:off x="5867400" y="3429000"/>
+                        <a:ext cx="3098801" cy="2590800"/>
+                      </a:xfrm>
+                      <a:prstGeom prst="rect">
+                        <a:avLst/>
+                      </a:prstGeom>
+                    </p:spPr>
+                  </p:pic>
+                </p:oleObj>
+              </mc:Fallback>
+            </mc:AlternateContent>
+          </a:graphicData>
+        </a:graphic>
+      </p:graphicFrame>
+      <p:graphicFrame>
+        <p:nvGraphicFramePr>
+          <p:cNvPr id="13" name="Object 12"/>
+          <p:cNvGraphicFramePr>
+            <a:graphicFrameLocks noChangeAspect="1"/>
+          </p:cNvGraphicFramePr>
+          <p:nvPr>
+            <p:extLst>
+              <p:ext uri="{D42A27DB-BD31-4B8C-83A1-F6EECF244321}">
+                <p14:modId xmlns:p14="http://schemas.microsoft.com/office/powerpoint/2010/main" val="2033703322"/>
+              </p:ext>
+            </p:extLst>
+          </p:nvPr>
+        </p:nvGraphicFramePr>
+        <p:xfrm>
+          <a:off x="382588" y="3352800"/>
+          <a:ext cx="8461375" cy="1219200"/>
+        </p:xfrm>
+        <a:graphic>
+          <a:graphicData uri="http://schemas.openxmlformats.org/presentationml/2006/ole">
+            <mc:AlternateContent xmlns:mc="http://schemas.openxmlformats.org/markup-compatibility/2006">
+              <mc:Choice xmlns:v="urn:schemas-microsoft-com:vml" Requires="v">
+                <p:oleObj spid="_x0000_s207888" name="Equation" r:id="rId6" imgW="1498600" imgH="215900" progId="Equation.DSMT4">
+                  <p:embed/>
+                </p:oleObj>
+              </mc:Choice>
+              <mc:Fallback>
+                <p:oleObj name="Equation" r:id="rId6" imgW="1498600" imgH="215900" progId="Equation.DSMT4">
+                  <p:embed/>
+                  <p:pic>
+                    <p:nvPicPr>
+                      <p:cNvPr id="0" name=""/>
+                      <p:cNvPicPr/>
+                      <p:nvPr/>
+                    </p:nvPicPr>
+                    <p:blipFill>
+                      <a:blip r:embed="rId7"/>
+                      <a:stretch>
+                        <a:fillRect/>
+                      </a:stretch>
+                    </p:blipFill>
+                    <p:spPr>
+                      <a:xfrm>
+                        <a:off x="382588" y="3352800"/>
+                        <a:ext cx="8461375" cy="1219200"/>
+                      </a:xfrm>
+                      <a:prstGeom prst="rect">
+                        <a:avLst/>
+                      </a:prstGeom>
+                    </p:spPr>
+                  </p:pic>
+                </p:oleObj>
+              </mc:Fallback>
+            </mc:AlternateContent>
+          </a:graphicData>
+        </a:graphic>
+      </p:graphicFrame>
     </p:spTree>
+    <p:extLst>
+      <p:ext uri="{BB962C8B-B14F-4D97-AF65-F5344CB8AC3E}">
+        <p14:creationId xmlns:p14="http://schemas.microsoft.com/office/powerpoint/2010/main" val="2840053059"/>
+      </p:ext>
+    </p:extLst>
+  </p:cSld>
+  <p:clrMapOvr>
+    <a:masterClrMapping/>
+  </p:clrMapOvr>
+  <mc:AlternateContent xmlns:mc="http://schemas.openxmlformats.org/markup-compatibility/2006">
+    <mc:Choice xmlns:p14="http://schemas.microsoft.com/office/powerpoint/2010/main" Requires="p14">
+      <p:transition spd="med" p14:dur="700" advClick="0">
+        <p:fade/>
+      </p:transition>
+    </mc:Choice>
+    <mc:Fallback>
+      <p:transition xmlns:p14="http://schemas.microsoft.com/office/powerpoint/2010/main" spd="med" advClick="0">
+        <p:fade/>
+      </p:transition>
+    </mc:Fallback>
+  </mc:AlternateContent>
+  <p:timing>
+    <p:tnLst>
+      <p:par>
+        <p:cTn xmlns:p14="http://schemas.microsoft.com/office/powerpoint/2010/main" id="1" dur="indefinite" restart="never" nodeType="tmRoot"/>
+      </p:par>
+    </p:tnLst>
+  </p:timing>
+</p:sld>
+</file>
+
+<file path=ppt/slides/slide8.xml><?xml version="1.0" encoding="utf-8"?>
+<p:sld xmlns:a="http://schemas.openxmlformats.org/drawingml/2006/main" xmlns:r="http://schemas.openxmlformats.org/officeDocument/2006/relationships" xmlns:p="http://schemas.openxmlformats.org/presentationml/2006/main">
+  <p:cSld>
+    <p:spTree>
+      <p:nvGrpSpPr>
+        <p:cNvPr id="1" name=""/>
+        <p:cNvGrpSpPr/>
+        <p:nvPr/>
+      </p:nvGrpSpPr>
+      <p:grpSpPr>
+        <a:xfrm>
+          <a:off x="0" y="0"/>
+          <a:ext cx="0" cy="0"/>
+          <a:chOff x="0" y="0"/>
+          <a:chExt cx="0" cy="0"/>
+        </a:xfrm>
+      </p:grpSpPr>
+      <p:sp>
+        <p:nvSpPr>
+          <p:cNvPr id="1027" name="Rectangle 2"/>
+          <p:cNvSpPr>
+            <a:spLocks noGrp="1" noChangeArrowheads="1"/>
+          </p:cNvSpPr>
+          <p:nvPr>
+            <p:ph type="title"/>
+          </p:nvPr>
+        </p:nvSpPr>
+        <p:spPr>
+          <a:xfrm>
+            <a:off x="1066800" y="152400"/>
+            <a:ext cx="3200400" cy="1143000"/>
+          </a:xfrm>
+        </p:spPr>
+        <p:txBody>
+          <a:bodyPr/>
+          <a:lstStyle/>
+          <a:p>
+            <a:pPr eaLnBrk="1" hangingPunct="1"/>
+            <a:r>
+              <a:rPr lang="en-US" b="0" dirty="0" smtClean="0">
+                <a:solidFill>
+                  <a:srgbClr val="90096D"/>
+                </a:solidFill>
+                <a:latin typeface="Comic Sans MS" pitchFamily="66" charset="0"/>
+              </a:rPr>
+              <a:t>Lemma:</a:t>
+            </a:r>
+            <a:r>
+              <a:rPr lang="en-US" dirty="0" smtClean="0">
+                <a:solidFill>
+                  <a:schemeClr val="tx1"/>
+                </a:solidFill>
+                <a:latin typeface="Comic Sans MS" pitchFamily="66" charset="0"/>
+              </a:rPr>
+              <a:t> </a:t>
+            </a:r>
+            <a:endParaRPr lang="en-US" dirty="0" smtClean="0">
+              <a:latin typeface="Comic Sans MS" pitchFamily="66" charset="0"/>
+            </a:endParaRPr>
+          </a:p>
+        </p:txBody>
+      </p:sp>
+      <p:grpSp>
+        <p:nvGrpSpPr>
+          <p:cNvPr id="1029" name="Group 5"/>
+          <p:cNvGrpSpPr>
+            <a:grpSpLocks/>
+          </p:cNvGrpSpPr>
+          <p:nvPr/>
+        </p:nvGrpSpPr>
+        <p:grpSpPr bwMode="auto">
+          <a:xfrm>
+            <a:off x="3267075" y="914400"/>
+            <a:ext cx="2676525" cy="2352675"/>
+            <a:chOff x="2058" y="1926"/>
+            <a:chExt cx="1686" cy="1482"/>
+          </a:xfrm>
+        </p:grpSpPr>
+        <p:sp>
+          <p:nvSpPr>
+            <p:cNvPr id="1032" name="Text Box 6"/>
+            <p:cNvSpPr txBox="1">
+              <a:spLocks noChangeArrowheads="1"/>
+            </p:cNvSpPr>
+            <p:nvPr/>
+          </p:nvSpPr>
+          <p:spPr bwMode="auto">
+            <a:xfrm>
+              <a:off x="2058" y="1926"/>
+              <a:ext cx="373" cy="480"/>
+            </a:xfrm>
+            <a:prstGeom prst="rect">
+              <a:avLst/>
+            </a:prstGeom>
+            <a:noFill/>
+            <a:ln w="9525">
+              <a:noFill/>
+              <a:miter lim="800000"/>
+              <a:headEnd/>
+              <a:tailEnd type="none" w="lg" len="lg"/>
+            </a:ln>
+          </p:spPr>
+          <p:txBody>
+            <a:bodyPr wrap="none">
+              <a:spAutoFit/>
+            </a:bodyPr>
+            <a:lstStyle/>
+            <a:p>
+              <a:r>
+                <a:rPr lang="en-US" sz="4400" dirty="0">
+                  <a:solidFill>
+                    <a:srgbClr val="0000FF"/>
+                  </a:solidFill>
+                  <a:latin typeface="Comic Sans MS" pitchFamily="66" charset="0"/>
+                </a:rPr>
+                <a:t>A</a:t>
+              </a:r>
+            </a:p>
+          </p:txBody>
+        </p:sp>
+        <p:sp>
+          <p:nvSpPr>
+            <p:cNvPr id="1033" name="Text Box 7"/>
+            <p:cNvSpPr txBox="1">
+              <a:spLocks noChangeArrowheads="1"/>
+            </p:cNvSpPr>
+            <p:nvPr/>
+          </p:nvSpPr>
+          <p:spPr bwMode="auto">
+            <a:xfrm>
+              <a:off x="3406" y="1926"/>
+              <a:ext cx="338" cy="480"/>
+            </a:xfrm>
+            <a:prstGeom prst="rect">
+              <a:avLst/>
+            </a:prstGeom>
+            <a:noFill/>
+            <a:ln w="9525">
+              <a:noFill/>
+              <a:miter lim="800000"/>
+              <a:headEnd/>
+              <a:tailEnd type="none" w="lg" len="lg"/>
+            </a:ln>
+          </p:spPr>
+          <p:txBody>
+            <a:bodyPr wrap="none">
+              <a:spAutoFit/>
+            </a:bodyPr>
+            <a:lstStyle/>
+            <a:p>
+              <a:r>
+                <a:rPr lang="en-US" sz="4400" dirty="0">
+                  <a:solidFill>
+                    <a:srgbClr val="0000FF"/>
+                  </a:solidFill>
+                  <a:latin typeface="Comic Sans MS" pitchFamily="66" charset="0"/>
+                </a:rPr>
+                <a:t>B</a:t>
+              </a:r>
+            </a:p>
+          </p:txBody>
+        </p:sp>
+        <p:grpSp>
+          <p:nvGrpSpPr>
+            <p:cNvPr id="1034" name="Group 8"/>
+            <p:cNvGrpSpPr>
+              <a:grpSpLocks/>
+            </p:cNvGrpSpPr>
+            <p:nvPr/>
+          </p:nvGrpSpPr>
+          <p:grpSpPr bwMode="auto">
+            <a:xfrm>
+              <a:off x="2058" y="2376"/>
+              <a:ext cx="1640" cy="1032"/>
+              <a:chOff x="2040" y="2288"/>
+              <a:chExt cx="1640" cy="1032"/>
+            </a:xfrm>
+          </p:grpSpPr>
+          <p:sp>
+            <p:nvSpPr>
+              <p:cNvPr id="1035" name="Oval 9"/>
+              <p:cNvSpPr>
+                <a:spLocks noChangeArrowheads="1"/>
+              </p:cNvSpPr>
+              <p:nvPr/>
+            </p:nvSpPr>
+            <p:spPr bwMode="auto">
+              <a:xfrm>
+                <a:off x="2040" y="2288"/>
+                <a:ext cx="1016" cy="1032"/>
+              </a:xfrm>
+              <a:prstGeom prst="ellipse">
+                <a:avLst/>
+              </a:prstGeom>
+              <a:solidFill>
+                <a:srgbClr val="0066FF"/>
+              </a:solidFill>
+              <a:ln w="9525">
+                <a:solidFill>
+                  <a:schemeClr val="tx1"/>
+                </a:solidFill>
+                <a:round/>
+                <a:headEnd/>
+                <a:tailEnd type="none" w="lg" len="lg"/>
+              </a:ln>
+            </p:spPr>
+            <p:txBody>
+              <a:bodyPr wrap="none" anchor="ctr"/>
+              <a:lstStyle/>
+              <a:p>
+                <a:pPr algn="ctr"/>
+                <a:endParaRPr lang="en-US">
+                  <a:solidFill>
+                    <a:schemeClr val="accent2"/>
+                  </a:solidFill>
+                  <a:latin typeface="Comic Sans MS" pitchFamily="66" charset="0"/>
+                </a:endParaRPr>
+              </a:p>
+            </p:txBody>
+          </p:sp>
+          <p:sp>
+            <p:nvSpPr>
+              <p:cNvPr id="1036" name="Oval 10"/>
+              <p:cNvSpPr>
+                <a:spLocks noChangeArrowheads="1"/>
+              </p:cNvSpPr>
+              <p:nvPr/>
+            </p:nvSpPr>
+            <p:spPr bwMode="auto">
+              <a:xfrm>
+                <a:off x="2664" y="2288"/>
+                <a:ext cx="1016" cy="1032"/>
+              </a:xfrm>
+              <a:prstGeom prst="ellipse">
+                <a:avLst/>
+              </a:prstGeom>
+              <a:solidFill>
+                <a:schemeClr val="accent2">
+                  <a:alpha val="50195"/>
+                </a:schemeClr>
+              </a:solidFill>
+              <a:ln w="9525">
+                <a:solidFill>
+                  <a:schemeClr val="tx1"/>
+                </a:solidFill>
+                <a:round/>
+                <a:headEnd/>
+                <a:tailEnd type="none" w="lg" len="lg"/>
+              </a:ln>
+            </p:spPr>
+            <p:txBody>
+              <a:bodyPr wrap="none" anchor="ctr"/>
+              <a:lstStyle/>
+              <a:p>
+                <a:pPr algn="ctr"/>
+                <a:endParaRPr lang="en-US">
+                  <a:solidFill>
+                    <a:schemeClr val="accent2"/>
+                  </a:solidFill>
+                  <a:latin typeface="Comic Sans MS" pitchFamily="66" charset="0"/>
+                </a:endParaRPr>
+              </a:p>
+            </p:txBody>
+          </p:sp>
+        </p:grpSp>
+      </p:grpSp>
+      <p:sp>
+        <p:nvSpPr>
+          <p:cNvPr id="1031" name="Slide Number Placeholder 12"/>
+          <p:cNvSpPr>
+            <a:spLocks noGrp="1"/>
+          </p:cNvSpPr>
+          <p:nvPr>
+            <p:ph type="sldNum" sz="quarter" idx="10"/>
+          </p:nvPr>
+        </p:nvSpPr>
+        <p:spPr>
+          <a:noFill/>
+        </p:spPr>
+        <p:txBody>
+          <a:bodyPr/>
+          <a:lstStyle/>
+          <a:p>
+            <a:r>
+              <a:rPr lang="en-US" dirty="0" err="1" smtClean="0"/>
+              <a:t>incexcI</a:t>
+            </a:r>
+            <a:r>
+              <a:rPr lang="en-US" dirty="0" smtClean="0"/>
+              <a:t>.</a:t>
+            </a:r>
+            <a:fld id="{28279EDB-FC81-4FF0-A8B6-60CD38656473}" type="slidenum">
+              <a:rPr lang="en-US" smtClean="0"/>
+              <a:pPr/>
+              <a:t>8</a:t>
+            </a:fld>
+            <a:endParaRPr lang="en-US" dirty="0" smtClean="0"/>
+          </a:p>
+        </p:txBody>
+      </p:sp>
+      <p:graphicFrame>
+        <p:nvGraphicFramePr>
+          <p:cNvPr id="3" name="Object 2"/>
+          <p:cNvGraphicFramePr>
+            <a:graphicFrameLocks noChangeAspect="1"/>
+          </p:cNvGraphicFramePr>
+          <p:nvPr>
+            <p:extLst>
+              <p:ext uri="{D42A27DB-BD31-4B8C-83A1-F6EECF244321}">
+                <p14:modId xmlns:p14="http://schemas.microsoft.com/office/powerpoint/2010/main" val="1855059848"/>
+              </p:ext>
+            </p:extLst>
+          </p:nvPr>
+        </p:nvGraphicFramePr>
+        <p:xfrm>
+          <a:off x="3024188" y="273050"/>
+          <a:ext cx="5735637" cy="946150"/>
+        </p:xfrm>
+        <a:graphic>
+          <a:graphicData uri="http://schemas.openxmlformats.org/presentationml/2006/ole">
+            <mc:AlternateContent xmlns:mc="http://schemas.openxmlformats.org/markup-compatibility/2006">
+              <mc:Choice xmlns:v="urn:schemas-microsoft-com:vml" Requires="v">
+                <p:oleObj spid="_x0000_s208908" name="Equation" r:id="rId4" imgW="1460500" imgH="241300" progId="Equation.DSMT4">
+                  <p:embed/>
+                </p:oleObj>
+              </mc:Choice>
+              <mc:Fallback>
+                <p:oleObj name="Equation" r:id="rId4" imgW="1460500" imgH="241300" progId="Equation.DSMT4">
+                  <p:embed/>
+                  <p:pic>
+                    <p:nvPicPr>
+                      <p:cNvPr id="0" name=""/>
+                      <p:cNvPicPr/>
+                      <p:nvPr/>
+                    </p:nvPicPr>
+                    <p:blipFill>
+                      <a:blip r:embed="rId5"/>
+                      <a:stretch>
+                        <a:fillRect/>
+                      </a:stretch>
+                    </p:blipFill>
+                    <p:spPr>
+                      <a:xfrm>
+                        <a:off x="3024188" y="273050"/>
+                        <a:ext cx="5735637" cy="946150"/>
+                      </a:xfrm>
+                      <a:prstGeom prst="rect">
+                        <a:avLst/>
+                      </a:prstGeom>
+                    </p:spPr>
+                  </p:pic>
+                </p:oleObj>
+              </mc:Fallback>
+            </mc:AlternateContent>
+          </a:graphicData>
+        </a:graphic>
+      </p:graphicFrame>
+      <p:graphicFrame>
+        <p:nvGraphicFramePr>
+          <p:cNvPr id="2" name="Object 1"/>
+          <p:cNvGraphicFramePr>
+            <a:graphicFrameLocks noChangeAspect="1"/>
+          </p:cNvGraphicFramePr>
+          <p:nvPr>
+            <p:extLst>
+              <p:ext uri="{D42A27DB-BD31-4B8C-83A1-F6EECF244321}">
+                <p14:modId xmlns:p14="http://schemas.microsoft.com/office/powerpoint/2010/main" val="2214245113"/>
+              </p:ext>
+            </p:extLst>
+          </p:nvPr>
+        </p:nvGraphicFramePr>
+        <p:xfrm>
+          <a:off x="381000" y="3581400"/>
+          <a:ext cx="8305799" cy="1295400"/>
+        </p:xfrm>
+        <a:graphic>
+          <a:graphicData uri="http://schemas.openxmlformats.org/presentationml/2006/ole">
+            <mc:AlternateContent xmlns:mc="http://schemas.openxmlformats.org/markup-compatibility/2006">
+              <mc:Choice xmlns:v="urn:schemas-microsoft-com:vml" Requires="v">
+                <p:oleObj spid="_x0000_s208909" name="Equation" r:id="rId6" imgW="1384300" imgH="215900" progId="Equation.DSMT4">
+                  <p:embed/>
+                </p:oleObj>
+              </mc:Choice>
+              <mc:Fallback>
+                <p:oleObj name="Equation" r:id="rId6" imgW="1384300" imgH="215900" progId="Equation.DSMT4">
+                  <p:embed/>
+                  <p:pic>
+                    <p:nvPicPr>
+                      <p:cNvPr id="0" name=""/>
+                      <p:cNvPicPr/>
+                      <p:nvPr/>
+                    </p:nvPicPr>
+                    <p:blipFill>
+                      <a:blip r:embed="rId7"/>
+                      <a:stretch>
+                        <a:fillRect/>
+                      </a:stretch>
+                    </p:blipFill>
+                    <p:spPr>
+                      <a:xfrm>
+                        <a:off x="381000" y="3581400"/>
+                        <a:ext cx="8305799" cy="1295400"/>
+                      </a:xfrm>
+                      <a:prstGeom prst="rect">
+                        <a:avLst/>
+                      </a:prstGeom>
+                    </p:spPr>
+                  </p:pic>
+                </p:oleObj>
+              </mc:Fallback>
+            </mc:AlternateContent>
+          </a:graphicData>
+        </a:graphic>
+      </p:graphicFrame>
+      <p:sp>
+        <p:nvSpPr>
+          <p:cNvPr id="14" name="TextBox 13"/>
+          <p:cNvSpPr txBox="1"/>
+          <p:nvPr/>
+        </p:nvSpPr>
+        <p:spPr>
+          <a:xfrm>
+            <a:off x="4191000" y="5341203"/>
+            <a:ext cx="2375169" cy="830997"/>
+          </a:xfrm>
+          <a:prstGeom prst="rect">
+            <a:avLst/>
+          </a:prstGeom>
+          <a:noFill/>
+        </p:spPr>
+        <p:txBody>
+          <a:bodyPr wrap="none" rtlCol="0">
+            <a:spAutoFit/>
+          </a:bodyPr>
+          <a:lstStyle/>
+          <a:p>
+            <a:r>
+              <a:rPr lang="en-US" sz="4800" dirty="0" smtClean="0">
+                <a:latin typeface="Comic Sans MS" pitchFamily="66" charset="0"/>
+              </a:rPr>
+              <a:t>disjoint</a:t>
+            </a:r>
+            <a:endParaRPr lang="en-US" sz="4800" dirty="0" smtClean="0">
+              <a:latin typeface="Comic Sans MS" pitchFamily="66" charset="0"/>
+            </a:endParaRPr>
+          </a:p>
+        </p:txBody>
+      </p:sp>
+      <p:grpSp>
+        <p:nvGrpSpPr>
+          <p:cNvPr id="15" name="Group 14"/>
+          <p:cNvGrpSpPr/>
+          <p:nvPr/>
+        </p:nvGrpSpPr>
+        <p:grpSpPr>
+          <a:xfrm>
+            <a:off x="4419600" y="4967406"/>
+            <a:ext cx="1752600" cy="533400"/>
+            <a:chOff x="4495800" y="4807803"/>
+            <a:chExt cx="1752600" cy="533400"/>
+          </a:xfrm>
+        </p:grpSpPr>
+        <p:cxnSp>
+          <p:nvCxnSpPr>
+            <p:cNvPr id="16" name="Straight Arrow Connector 15"/>
+            <p:cNvCxnSpPr>
+              <a:stCxn id="14" idx="0"/>
+            </p:cNvCxnSpPr>
+            <p:nvPr/>
+          </p:nvCxnSpPr>
+          <p:spPr bwMode="auto">
+            <a:xfrm flipV="1">
+              <a:off x="5378585" y="4807803"/>
+              <a:ext cx="869815" cy="533400"/>
+            </a:xfrm>
+            <a:prstGeom prst="straightConnector1">
+              <a:avLst/>
+            </a:prstGeom>
+            <a:solidFill>
+              <a:schemeClr val="accent1"/>
+            </a:solidFill>
+            <a:ln w="38100" cap="flat" cmpd="sng" algn="ctr">
+              <a:solidFill>
+                <a:schemeClr val="tx1"/>
+              </a:solidFill>
+              <a:prstDash val="sysDash"/>
+              <a:round/>
+              <a:headEnd type="none" w="med" len="med"/>
+              <a:tailEnd type="stealth" w="lg" len="lg"/>
+            </a:ln>
+            <a:effectLst/>
+          </p:spPr>
+        </p:cxnSp>
+        <p:cxnSp>
+          <p:nvCxnSpPr>
+            <p:cNvPr id="17" name="Straight Arrow Connector 16"/>
+            <p:cNvCxnSpPr>
+              <a:stCxn id="14" idx="0"/>
+            </p:cNvCxnSpPr>
+            <p:nvPr/>
+          </p:nvCxnSpPr>
+          <p:spPr bwMode="auto">
+            <a:xfrm flipH="1" flipV="1">
+              <a:off x="4495800" y="4807803"/>
+              <a:ext cx="882785" cy="533400"/>
+            </a:xfrm>
+            <a:prstGeom prst="straightConnector1">
+              <a:avLst/>
+            </a:prstGeom>
+            <a:solidFill>
+              <a:schemeClr val="accent1"/>
+            </a:solidFill>
+            <a:ln w="38100" cap="flat" cmpd="sng" algn="ctr">
+              <a:solidFill>
+                <a:schemeClr val="tx1"/>
+              </a:solidFill>
+              <a:prstDash val="sysDash"/>
+              <a:round/>
+              <a:headEnd type="none" w="med" len="med"/>
+              <a:tailEnd type="stealth" w="lg" len="lg"/>
+            </a:ln>
+            <a:effectLst/>
+          </p:spPr>
+        </p:cxnSp>
+      </p:grpSp>
+      <p:sp>
+        <p:nvSpPr>
+          <p:cNvPr id="4" name="TextBox 3"/>
+          <p:cNvSpPr txBox="1"/>
+          <p:nvPr/>
+        </p:nvSpPr>
+        <p:spPr>
+          <a:xfrm>
+            <a:off x="381000" y="2895600"/>
+            <a:ext cx="1806354" cy="769441"/>
+          </a:xfrm>
+          <a:prstGeom prst="rect">
+            <a:avLst/>
+          </a:prstGeom>
+          <a:noFill/>
+        </p:spPr>
+        <p:txBody>
+          <a:bodyPr wrap="none" rtlCol="0">
+            <a:spAutoFit/>
+          </a:bodyPr>
+          <a:lstStyle/>
+          <a:p>
+            <a:r>
+              <a:rPr lang="en-US" sz="4400" dirty="0" smtClean="0">
+                <a:solidFill>
+                  <a:srgbClr val="90096D"/>
+                </a:solidFill>
+                <a:latin typeface="Comic Sans MS" pitchFamily="66" charset="0"/>
+              </a:rPr>
+              <a:t>proof:</a:t>
+            </a:r>
+            <a:endParaRPr lang="en-US" sz="4400" dirty="0" smtClean="0">
+              <a:solidFill>
+                <a:srgbClr val="90096D"/>
+              </a:solidFill>
+              <a:latin typeface="Comic Sans MS" pitchFamily="66" charset="0"/>
+            </a:endParaRPr>
+          </a:p>
+        </p:txBody>
+      </p:sp>
+    </p:spTree>
+    <p:extLst>
+      <p:ext uri="{BB962C8B-B14F-4D97-AF65-F5344CB8AC3E}">
+        <p14:creationId xmlns:p14="http://schemas.microsoft.com/office/powerpoint/2010/main" val="3222326926"/>
+      </p:ext>
+    </p:extLst>
+  </p:cSld>
+  <p:clrMapOvr>
+    <a:masterClrMapping/>
+  </p:clrMapOvr>
+  <p:transition xmlns:p14="http://schemas.microsoft.com/office/powerpoint/2010/main" spd="slow" advClick="0">
+    <p:fade/>
+  </p:transition>
+  <p:timing>
+    <p:tnLst>
+      <p:par>
+        <p:cTn xmlns:p14="http://schemas.microsoft.com/office/powerpoint/2010/main" id="1" dur="indefinite" restart="never" nodeType="tmRoot">
+          <p:childTnLst>
+            <p:seq concurrent="1" nextAc="seek">
+              <p:cTn id="2" dur="indefinite" nodeType="mainSeq">
+                <p:childTnLst>
+                  <p:par>
+                    <p:cTn id="3" fill="hold">
+                      <p:stCondLst>
+                        <p:cond delay="indefinite"/>
+                      </p:stCondLst>
+                      <p:childTnLst>
+                        <p:par>
+                          <p:cTn id="4" fill="hold">
+                            <p:stCondLst>
+                              <p:cond delay="0"/>
+                            </p:stCondLst>
+                            <p:childTnLst>
+                              <p:par>
+                                <p:cTn id="5" presetID="10" presetClass="entr" presetSubtype="0" fill="hold" grpId="0" nodeType="clickEffect">
+                                  <p:stCondLst>
+                                    <p:cond delay="0"/>
+                                  </p:stCondLst>
+                                  <p:childTnLst>
+                                    <p:set>
+                                      <p:cBhvr>
+                                        <p:cTn id="6" dur="1" fill="hold">
+                                          <p:stCondLst>
+                                            <p:cond delay="0"/>
+                                          </p:stCondLst>
+                                        </p:cTn>
+                                        <p:tgtEl>
+                                          <p:spTgt spid="4"/>
+                                        </p:tgtEl>
+                                        <p:attrNameLst>
+                                          <p:attrName>style.visibility</p:attrName>
+                                        </p:attrNameLst>
+                                      </p:cBhvr>
+                                      <p:to>
+                                        <p:strVal val="visible"/>
+                                      </p:to>
+                                    </p:set>
+                                    <p:animEffect transition="in" filter="fade">
+                                      <p:cBhvr>
+                                        <p:cTn id="7" dur="500"/>
+                                        <p:tgtEl>
+                                          <p:spTgt spid="4"/>
+                                        </p:tgtEl>
+                                      </p:cBhvr>
+                                    </p:animEffect>
+                                  </p:childTnLst>
+                                </p:cTn>
+                              </p:par>
+                            </p:childTnLst>
+                          </p:cTn>
+                        </p:par>
+                        <p:par>
+                          <p:cTn id="8" fill="hold">
+                            <p:stCondLst>
+                              <p:cond delay="500"/>
+                            </p:stCondLst>
+                            <p:childTnLst>
+                              <p:par>
+                                <p:cTn id="9" presetID="22" presetClass="entr" presetSubtype="8" fill="hold" nodeType="afterEffect">
+                                  <p:stCondLst>
+                                    <p:cond delay="0"/>
+                                  </p:stCondLst>
+                                  <p:childTnLst>
+                                    <p:set>
+                                      <p:cBhvr>
+                                        <p:cTn id="10" dur="1" fill="hold">
+                                          <p:stCondLst>
+                                            <p:cond delay="0"/>
+                                          </p:stCondLst>
+                                        </p:cTn>
+                                        <p:tgtEl>
+                                          <p:spTgt spid="2"/>
+                                        </p:tgtEl>
+                                        <p:attrNameLst>
+                                          <p:attrName>style.visibility</p:attrName>
+                                        </p:attrNameLst>
+                                      </p:cBhvr>
+                                      <p:to>
+                                        <p:strVal val="visible"/>
+                                      </p:to>
+                                    </p:set>
+                                    <p:animEffect transition="in" filter="wipe(left)">
+                                      <p:cBhvr>
+                                        <p:cTn id="11" dur="2000"/>
+                                        <p:tgtEl>
+                                          <p:spTgt spid="2"/>
+                                        </p:tgtEl>
+                                      </p:cBhvr>
+                                    </p:animEffect>
+                                  </p:childTnLst>
+                                </p:cTn>
+                              </p:par>
+                            </p:childTnLst>
+                          </p:cTn>
+                        </p:par>
+                      </p:childTnLst>
+                    </p:cTn>
+                  </p:par>
+                  <p:par>
+                    <p:cTn id="12" fill="hold">
+                      <p:stCondLst>
+                        <p:cond delay="indefinite"/>
+                      </p:stCondLst>
+                      <p:childTnLst>
+                        <p:par>
+                          <p:cTn id="13" fill="hold">
+                            <p:stCondLst>
+                              <p:cond delay="0"/>
+                            </p:stCondLst>
+                            <p:childTnLst>
+                              <p:par>
+                                <p:cTn id="14" presetID="10" presetClass="entr" presetSubtype="0" fill="hold" grpId="0" nodeType="clickEffect">
+                                  <p:stCondLst>
+                                    <p:cond delay="0"/>
+                                  </p:stCondLst>
+                                  <p:childTnLst>
+                                    <p:set>
+                                      <p:cBhvr>
+                                        <p:cTn id="15" dur="1" fill="hold">
+                                          <p:stCondLst>
+                                            <p:cond delay="0"/>
+                                          </p:stCondLst>
+                                        </p:cTn>
+                                        <p:tgtEl>
+                                          <p:spTgt spid="14"/>
+                                        </p:tgtEl>
+                                        <p:attrNameLst>
+                                          <p:attrName>style.visibility</p:attrName>
+                                        </p:attrNameLst>
+                                      </p:cBhvr>
+                                      <p:to>
+                                        <p:strVal val="visible"/>
+                                      </p:to>
+                                    </p:set>
+                                    <p:animEffect transition="in" filter="fade">
+                                      <p:cBhvr>
+                                        <p:cTn id="16" dur="500"/>
+                                        <p:tgtEl>
+                                          <p:spTgt spid="14"/>
+                                        </p:tgtEl>
+                                      </p:cBhvr>
+                                    </p:animEffect>
+                                  </p:childTnLst>
+                                </p:cTn>
+                              </p:par>
+                              <p:par>
+                                <p:cTn id="17" presetID="22" presetClass="entr" presetSubtype="4" fill="hold" nodeType="withEffect">
+                                  <p:stCondLst>
+                                    <p:cond delay="0"/>
+                                  </p:stCondLst>
+                                  <p:childTnLst>
+                                    <p:set>
+                                      <p:cBhvr>
+                                        <p:cTn id="18" dur="1" fill="hold">
+                                          <p:stCondLst>
+                                            <p:cond delay="0"/>
+                                          </p:stCondLst>
+                                        </p:cTn>
+                                        <p:tgtEl>
+                                          <p:spTgt spid="15"/>
+                                        </p:tgtEl>
+                                        <p:attrNameLst>
+                                          <p:attrName>style.visibility</p:attrName>
+                                        </p:attrNameLst>
+                                      </p:cBhvr>
+                                      <p:to>
+                                        <p:strVal val="visible"/>
+                                      </p:to>
+                                    </p:set>
+                                    <p:animEffect transition="in" filter="wipe(down)">
+                                      <p:cBhvr>
+                                        <p:cTn id="19" dur="500"/>
+                                        <p:tgtEl>
+                                          <p:spTgt spid="15"/>
+                                        </p:tgtEl>
+                                      </p:cBhvr>
+                                    </p:animEffect>
+                                  </p:childTnLst>
+                                </p:cTn>
+                              </p:par>
+                            </p:childTnLst>
+                          </p:cTn>
+                        </p:par>
+                      </p:childTnLst>
+                    </p:cTn>
+                  </p:par>
+                </p:childTnLst>
+              </p:cTn>
+              <p:prevCondLst>
+                <p:cond evt="onPrev" delay="0">
+                  <p:tgtEl>
+                    <p:sldTgt/>
+                  </p:tgtEl>
+                </p:cond>
+              </p:prevCondLst>
+              <p:nextCondLst>
+                <p:cond evt="onNext" delay="0">
+                  <p:tgtEl>
+                    <p:sldTgt/>
+                  </p:tgtEl>
+                </p:cond>
+              </p:nextCondLst>
+            </p:seq>
+          </p:childTnLst>
+        </p:cTn>
+      </p:par>
+    </p:tnLst>
+    <p:bldLst>
+      <p:bldP spid="14" grpId="0"/>
+      <p:bldP spid="4" grpId="0"/>
+    </p:bldLst>
+  </p:timing>
+</p:sld>
+</file>
+
+<file path=ppt/slides/slide9.xml><?xml version="1.0" encoding="utf-8"?>
+<p:sld xmlns:a="http://schemas.openxmlformats.org/drawingml/2006/main" xmlns:r="http://schemas.openxmlformats.org/officeDocument/2006/relationships" xmlns:p="http://schemas.openxmlformats.org/presentationml/2006/main">
+  <p:cSld>
+    <p:spTree>
+      <p:nvGrpSpPr>
+        <p:cNvPr id="1" name=""/>
+        <p:cNvGrpSpPr/>
+        <p:nvPr/>
+      </p:nvGrpSpPr>
+      <p:grpSpPr>
+        <a:xfrm>
+          <a:off x="0" y="0"/>
+          <a:ext cx="0" cy="0"/>
+          <a:chOff x="0" y="0"/>
+          <a:chExt cx="0" cy="0"/>
+        </a:xfrm>
+      </p:grpSpPr>
+      <p:sp>
+        <p:nvSpPr>
+          <p:cNvPr id="1027" name="Rectangle 2"/>
+          <p:cNvSpPr>
+            <a:spLocks noGrp="1" noChangeArrowheads="1"/>
+          </p:cNvSpPr>
+          <p:nvPr>
+            <p:ph type="title"/>
+          </p:nvPr>
+        </p:nvSpPr>
+        <p:spPr>
+          <a:xfrm>
+            <a:off x="1066800" y="152400"/>
+            <a:ext cx="3200400" cy="1143000"/>
+          </a:xfrm>
+        </p:spPr>
+        <p:txBody>
+          <a:bodyPr/>
+          <a:lstStyle/>
+          <a:p>
+            <a:pPr eaLnBrk="1" hangingPunct="1"/>
+            <a:r>
+              <a:rPr lang="en-US" b="0" dirty="0" smtClean="0">
+                <a:solidFill>
+                  <a:srgbClr val="90096D"/>
+                </a:solidFill>
+                <a:latin typeface="Comic Sans MS" pitchFamily="66" charset="0"/>
+              </a:rPr>
+              <a:t>Lemma:</a:t>
+            </a:r>
+            <a:r>
+              <a:rPr lang="en-US" dirty="0" smtClean="0">
+                <a:solidFill>
+                  <a:schemeClr val="tx1"/>
+                </a:solidFill>
+                <a:latin typeface="Comic Sans MS" pitchFamily="66" charset="0"/>
+              </a:rPr>
+              <a:t> </a:t>
+            </a:r>
+            <a:endParaRPr lang="en-US" dirty="0" smtClean="0">
+              <a:latin typeface="Comic Sans MS" pitchFamily="66" charset="0"/>
+            </a:endParaRPr>
+          </a:p>
+        </p:txBody>
+      </p:sp>
+      <p:grpSp>
+        <p:nvGrpSpPr>
+          <p:cNvPr id="1029" name="Group 5"/>
+          <p:cNvGrpSpPr>
+            <a:grpSpLocks/>
+          </p:cNvGrpSpPr>
+          <p:nvPr/>
+        </p:nvGrpSpPr>
+        <p:grpSpPr bwMode="auto">
+          <a:xfrm>
+            <a:off x="3267075" y="914400"/>
+            <a:ext cx="2676525" cy="2352675"/>
+            <a:chOff x="2058" y="1926"/>
+            <a:chExt cx="1686" cy="1482"/>
+          </a:xfrm>
+        </p:grpSpPr>
+        <p:sp>
+          <p:nvSpPr>
+            <p:cNvPr id="1032" name="Text Box 6"/>
+            <p:cNvSpPr txBox="1">
+              <a:spLocks noChangeArrowheads="1"/>
+            </p:cNvSpPr>
+            <p:nvPr/>
+          </p:nvSpPr>
+          <p:spPr bwMode="auto">
+            <a:xfrm>
+              <a:off x="2058" y="1926"/>
+              <a:ext cx="373" cy="480"/>
+            </a:xfrm>
+            <a:prstGeom prst="rect">
+              <a:avLst/>
+            </a:prstGeom>
+            <a:noFill/>
+            <a:ln w="9525">
+              <a:noFill/>
+              <a:miter lim="800000"/>
+              <a:headEnd/>
+              <a:tailEnd type="none" w="lg" len="lg"/>
+            </a:ln>
+          </p:spPr>
+          <p:txBody>
+            <a:bodyPr wrap="none">
+              <a:spAutoFit/>
+            </a:bodyPr>
+            <a:lstStyle/>
+            <a:p>
+              <a:r>
+                <a:rPr lang="en-US" sz="4400" dirty="0">
+                  <a:solidFill>
+                    <a:srgbClr val="0000FF"/>
+                  </a:solidFill>
+                  <a:latin typeface="Comic Sans MS" pitchFamily="66" charset="0"/>
+                </a:rPr>
+                <a:t>A</a:t>
+              </a:r>
+            </a:p>
+          </p:txBody>
+        </p:sp>
+        <p:sp>
+          <p:nvSpPr>
+            <p:cNvPr id="1033" name="Text Box 7"/>
+            <p:cNvSpPr txBox="1">
+              <a:spLocks noChangeArrowheads="1"/>
+            </p:cNvSpPr>
+            <p:nvPr/>
+          </p:nvSpPr>
+          <p:spPr bwMode="auto">
+            <a:xfrm>
+              <a:off x="3406" y="1926"/>
+              <a:ext cx="338" cy="480"/>
+            </a:xfrm>
+            <a:prstGeom prst="rect">
+              <a:avLst/>
+            </a:prstGeom>
+            <a:noFill/>
+            <a:ln w="9525">
+              <a:noFill/>
+              <a:miter lim="800000"/>
+              <a:headEnd/>
+              <a:tailEnd type="none" w="lg" len="lg"/>
+            </a:ln>
+          </p:spPr>
+          <p:txBody>
+            <a:bodyPr wrap="none">
+              <a:spAutoFit/>
+            </a:bodyPr>
+            <a:lstStyle/>
+            <a:p>
+              <a:r>
+                <a:rPr lang="en-US" sz="4400" dirty="0">
+                  <a:solidFill>
+                    <a:srgbClr val="0000FF"/>
+                  </a:solidFill>
+                  <a:latin typeface="Comic Sans MS" pitchFamily="66" charset="0"/>
+                </a:rPr>
+                <a:t>B</a:t>
+              </a:r>
+            </a:p>
+          </p:txBody>
+        </p:sp>
+        <p:grpSp>
+          <p:nvGrpSpPr>
+            <p:cNvPr id="1034" name="Group 8"/>
+            <p:cNvGrpSpPr>
+              <a:grpSpLocks/>
+            </p:cNvGrpSpPr>
+            <p:nvPr/>
+          </p:nvGrpSpPr>
+          <p:grpSpPr bwMode="auto">
+            <a:xfrm>
+              <a:off x="2058" y="2376"/>
+              <a:ext cx="1640" cy="1032"/>
+              <a:chOff x="2040" y="2288"/>
+              <a:chExt cx="1640" cy="1032"/>
+            </a:xfrm>
+          </p:grpSpPr>
+          <p:sp>
+            <p:nvSpPr>
+              <p:cNvPr id="1035" name="Oval 9"/>
+              <p:cNvSpPr>
+                <a:spLocks noChangeArrowheads="1"/>
+              </p:cNvSpPr>
+              <p:nvPr/>
+            </p:nvSpPr>
+            <p:spPr bwMode="auto">
+              <a:xfrm>
+                <a:off x="2040" y="2288"/>
+                <a:ext cx="1016" cy="1032"/>
+              </a:xfrm>
+              <a:prstGeom prst="ellipse">
+                <a:avLst/>
+              </a:prstGeom>
+              <a:solidFill>
+                <a:srgbClr val="0066FF"/>
+              </a:solidFill>
+              <a:ln w="9525">
+                <a:solidFill>
+                  <a:schemeClr val="tx1"/>
+                </a:solidFill>
+                <a:round/>
+                <a:headEnd/>
+                <a:tailEnd type="none" w="lg" len="lg"/>
+              </a:ln>
+            </p:spPr>
+            <p:txBody>
+              <a:bodyPr wrap="none" anchor="ctr"/>
+              <a:lstStyle/>
+              <a:p>
+                <a:pPr algn="ctr"/>
+                <a:endParaRPr lang="en-US">
+                  <a:solidFill>
+                    <a:schemeClr val="accent2"/>
+                  </a:solidFill>
+                  <a:latin typeface="Comic Sans MS" pitchFamily="66" charset="0"/>
+                </a:endParaRPr>
+              </a:p>
+            </p:txBody>
+          </p:sp>
+          <p:sp>
+            <p:nvSpPr>
+              <p:cNvPr id="1036" name="Oval 10"/>
+              <p:cNvSpPr>
+                <a:spLocks noChangeArrowheads="1"/>
+              </p:cNvSpPr>
+              <p:nvPr/>
+            </p:nvSpPr>
+            <p:spPr bwMode="auto">
+              <a:xfrm>
+                <a:off x="2664" y="2288"/>
+                <a:ext cx="1016" cy="1032"/>
+              </a:xfrm>
+              <a:prstGeom prst="ellipse">
+                <a:avLst/>
+              </a:prstGeom>
+              <a:solidFill>
+                <a:schemeClr val="accent2">
+                  <a:alpha val="50195"/>
+                </a:schemeClr>
+              </a:solidFill>
+              <a:ln w="9525">
+                <a:solidFill>
+                  <a:schemeClr val="tx1"/>
+                </a:solidFill>
+                <a:round/>
+                <a:headEnd/>
+                <a:tailEnd type="none" w="lg" len="lg"/>
+              </a:ln>
+            </p:spPr>
+            <p:txBody>
+              <a:bodyPr wrap="none" anchor="ctr"/>
+              <a:lstStyle/>
+              <a:p>
+                <a:pPr algn="ctr"/>
+                <a:endParaRPr lang="en-US">
+                  <a:solidFill>
+                    <a:schemeClr val="accent2"/>
+                  </a:solidFill>
+                  <a:latin typeface="Comic Sans MS" pitchFamily="66" charset="0"/>
+                </a:endParaRPr>
+              </a:p>
+            </p:txBody>
+          </p:sp>
+        </p:grpSp>
+      </p:grpSp>
+      <p:sp>
+        <p:nvSpPr>
+          <p:cNvPr id="1031" name="Slide Number Placeholder 12"/>
+          <p:cNvSpPr>
+            <a:spLocks noGrp="1"/>
+          </p:cNvSpPr>
+          <p:nvPr>
+            <p:ph type="sldNum" sz="quarter" idx="10"/>
+          </p:nvPr>
+        </p:nvSpPr>
+        <p:spPr>
+          <a:noFill/>
+        </p:spPr>
+        <p:txBody>
+          <a:bodyPr/>
+          <a:lstStyle/>
+          <a:p>
+            <a:r>
+              <a:rPr lang="en-US" dirty="0" err="1" smtClean="0"/>
+              <a:t>incexcI</a:t>
+            </a:r>
+            <a:r>
+              <a:rPr lang="en-US" dirty="0" smtClean="0"/>
+              <a:t>.</a:t>
+            </a:r>
+            <a:fld id="{28279EDB-FC81-4FF0-A8B6-60CD38656473}" type="slidenum">
+              <a:rPr lang="en-US" smtClean="0"/>
+              <a:pPr/>
+              <a:t>9</a:t>
+            </a:fld>
+            <a:endParaRPr lang="en-US" dirty="0" smtClean="0"/>
+          </a:p>
+        </p:txBody>
+      </p:sp>
+      <p:graphicFrame>
+        <p:nvGraphicFramePr>
+          <p:cNvPr id="2" name="Object 1"/>
+          <p:cNvGraphicFramePr>
+            <a:graphicFrameLocks noChangeAspect="1"/>
+          </p:cNvGraphicFramePr>
+          <p:nvPr>
+            <p:extLst>
+              <p:ext uri="{D42A27DB-BD31-4B8C-83A1-F6EECF244321}">
+                <p14:modId xmlns:p14="http://schemas.microsoft.com/office/powerpoint/2010/main" val="179178398"/>
+              </p:ext>
+            </p:extLst>
+          </p:nvPr>
+        </p:nvGraphicFramePr>
+        <p:xfrm>
+          <a:off x="152400" y="3505200"/>
+          <a:ext cx="8801100" cy="1370663"/>
+        </p:xfrm>
+        <a:graphic>
+          <a:graphicData uri="http://schemas.openxmlformats.org/presentationml/2006/ole">
+            <mc:AlternateContent xmlns:mc="http://schemas.openxmlformats.org/markup-compatibility/2006">
+              <mc:Choice xmlns:v="urn:schemas-microsoft-com:vml" Requires="v">
+                <p:oleObj spid="_x0000_s209929" name="Equation" r:id="rId4" imgW="1549400" imgH="241300" progId="Equation.DSMT4">
+                  <p:embed/>
+                </p:oleObj>
+              </mc:Choice>
+              <mc:Fallback>
+                <p:oleObj name="Equation" r:id="rId4" imgW="1549400" imgH="241300" progId="Equation.DSMT4">
+                  <p:embed/>
+                  <p:pic>
+                    <p:nvPicPr>
+                      <p:cNvPr id="0" name=""/>
+                      <p:cNvPicPr/>
+                      <p:nvPr/>
+                    </p:nvPicPr>
+                    <p:blipFill>
+                      <a:blip r:embed="rId5"/>
+                      <a:stretch>
+                        <a:fillRect/>
+                      </a:stretch>
+                    </p:blipFill>
+                    <p:spPr>
+                      <a:xfrm>
+                        <a:off x="152400" y="3505200"/>
+                        <a:ext cx="8801100" cy="1370663"/>
+                      </a:xfrm>
+                      <a:prstGeom prst="rect">
+                        <a:avLst/>
+                      </a:prstGeom>
+                    </p:spPr>
+                  </p:pic>
+                </p:oleObj>
+              </mc:Fallback>
+            </mc:AlternateContent>
+          </a:graphicData>
+        </a:graphic>
+      </p:graphicFrame>
+      <p:sp>
+        <p:nvSpPr>
+          <p:cNvPr id="18" name="TextBox 17"/>
+          <p:cNvSpPr txBox="1"/>
+          <p:nvPr/>
+        </p:nvSpPr>
+        <p:spPr>
+          <a:xfrm>
+            <a:off x="381000" y="2895600"/>
+            <a:ext cx="1806354" cy="769441"/>
+          </a:xfrm>
+          <a:prstGeom prst="rect">
+            <a:avLst/>
+          </a:prstGeom>
+          <a:noFill/>
+        </p:spPr>
+        <p:txBody>
+          <a:bodyPr wrap="none" rtlCol="0">
+            <a:spAutoFit/>
+          </a:bodyPr>
+          <a:lstStyle/>
+          <a:p>
+            <a:r>
+              <a:rPr lang="en-US" sz="4400" dirty="0" smtClean="0">
+                <a:solidFill>
+                  <a:srgbClr val="90096D"/>
+                </a:solidFill>
+                <a:latin typeface="Comic Sans MS" pitchFamily="66" charset="0"/>
+              </a:rPr>
+              <a:t>proof:</a:t>
+            </a:r>
+            <a:endParaRPr lang="en-US" sz="4400" dirty="0" smtClean="0">
+              <a:solidFill>
+                <a:srgbClr val="90096D"/>
+              </a:solidFill>
+              <a:latin typeface="Comic Sans MS" pitchFamily="66" charset="0"/>
+            </a:endParaRPr>
+          </a:p>
+        </p:txBody>
+      </p:sp>
+      <p:sp>
+        <p:nvSpPr>
+          <p:cNvPr id="19" name="TextBox 18"/>
+          <p:cNvSpPr txBox="1"/>
+          <p:nvPr/>
+        </p:nvSpPr>
+        <p:spPr>
+          <a:xfrm>
+            <a:off x="2232958" y="4648200"/>
+            <a:ext cx="4548842" cy="1015663"/>
+          </a:xfrm>
+          <a:prstGeom prst="rect">
+            <a:avLst/>
+          </a:prstGeom>
+          <a:noFill/>
+        </p:spPr>
+        <p:txBody>
+          <a:bodyPr wrap="none" rtlCol="0">
+            <a:spAutoFit/>
+          </a:bodyPr>
+          <a:lstStyle/>
+          <a:p>
+            <a:r>
+              <a:rPr lang="en-US" sz="6000" dirty="0" smtClean="0">
+                <a:latin typeface="Comic Sans MS" pitchFamily="66" charset="0"/>
+              </a:rPr>
+              <a:t>by Sum Rule</a:t>
+            </a:r>
+            <a:endParaRPr lang="en-US" sz="6000" dirty="0" smtClean="0">
+              <a:latin typeface="Comic Sans MS" pitchFamily="66" charset="0"/>
+            </a:endParaRPr>
+          </a:p>
+        </p:txBody>
+      </p:sp>
+      <p:sp>
+        <p:nvSpPr>
+          <p:cNvPr id="4" name="TextBox 3"/>
+          <p:cNvSpPr txBox="1"/>
+          <p:nvPr/>
+        </p:nvSpPr>
+        <p:spPr>
+          <a:xfrm>
+            <a:off x="6248400" y="1600200"/>
+            <a:ext cx="2236910" cy="1200329"/>
+          </a:xfrm>
+          <a:prstGeom prst="rect">
+            <a:avLst/>
+          </a:prstGeom>
+          <a:noFill/>
+        </p:spPr>
+        <p:txBody>
+          <a:bodyPr wrap="none" rtlCol="0">
+            <a:spAutoFit/>
+          </a:bodyPr>
+          <a:lstStyle/>
+          <a:p>
+            <a:r>
+              <a:rPr lang="en-US" sz="7200" dirty="0" smtClean="0">
+                <a:solidFill>
+                  <a:srgbClr val="008000"/>
+                </a:solidFill>
+                <a:latin typeface="Comic Sans MS" pitchFamily="66" charset="0"/>
+              </a:rPr>
+              <a:t>QED</a:t>
+            </a:r>
+            <a:endParaRPr lang="en-US" sz="7200" dirty="0" smtClean="0">
+              <a:solidFill>
+                <a:srgbClr val="008000"/>
+              </a:solidFill>
+              <a:latin typeface="Comic Sans MS" pitchFamily="66" charset="0"/>
+            </a:endParaRPr>
+          </a:p>
+        </p:txBody>
+      </p:sp>
+      <p:graphicFrame>
+        <p:nvGraphicFramePr>
+          <p:cNvPr id="20" name="Object 19"/>
+          <p:cNvGraphicFramePr>
+            <a:graphicFrameLocks noChangeAspect="1"/>
+          </p:cNvGraphicFramePr>
+          <p:nvPr>
+            <p:extLst>
+              <p:ext uri="{D42A27DB-BD31-4B8C-83A1-F6EECF244321}">
+                <p14:modId xmlns:p14="http://schemas.microsoft.com/office/powerpoint/2010/main" val="4090135997"/>
+              </p:ext>
+            </p:extLst>
+          </p:nvPr>
+        </p:nvGraphicFramePr>
+        <p:xfrm>
+          <a:off x="3024188" y="273050"/>
+          <a:ext cx="5735637" cy="946150"/>
+        </p:xfrm>
+        <a:graphic>
+          <a:graphicData uri="http://schemas.openxmlformats.org/presentationml/2006/ole">
+            <mc:AlternateContent xmlns:mc="http://schemas.openxmlformats.org/markup-compatibility/2006">
+              <mc:Choice xmlns:v="urn:schemas-microsoft-com:vml" Requires="v">
+                <p:oleObj spid="_x0000_s209930" name="Equation" r:id="rId6" imgW="1460500" imgH="241300" progId="Equation.DSMT4">
+                  <p:embed/>
+                </p:oleObj>
+              </mc:Choice>
+              <mc:Fallback>
+                <p:oleObj name="Equation" r:id="rId6" imgW="1460500" imgH="241300" progId="Equation.DSMT4">
+                  <p:embed/>
+                  <p:pic>
+                    <p:nvPicPr>
+                      <p:cNvPr id="0" name=""/>
+                      <p:cNvPicPr/>
+                      <p:nvPr/>
+                    </p:nvPicPr>
+                    <p:blipFill>
+                      <a:blip r:embed="rId7"/>
+                      <a:stretch>
+                        <a:fillRect/>
+                      </a:stretch>
+                    </p:blipFill>
+                    <p:spPr>
+                      <a:xfrm>
+                        <a:off x="3024188" y="273050"/>
+                        <a:ext cx="5735637" cy="946150"/>
+                      </a:xfrm>
+                      <a:prstGeom prst="rect">
+                        <a:avLst/>
+                      </a:prstGeom>
+                    </p:spPr>
+                  </p:pic>
+                </p:oleObj>
+              </mc:Fallback>
+            </mc:AlternateContent>
+          </a:graphicData>
+        </a:graphic>
+      </p:graphicFrame>
+    </p:spTree>
+    <p:extLst>
+      <p:ext uri="{BB962C8B-B14F-4D97-AF65-F5344CB8AC3E}">
+        <p14:creationId xmlns:p14="http://schemas.microsoft.com/office/powerpoint/2010/main" val="977027030"/>
+      </p:ext>
+    </p:extLst>
   </p:cSld>
   <p:clrMapOvr>
     <a:masterClrMapping/>
@@ -6445,7 +11077,7 @@
                                           </p:stCondLst>
                                         </p:cTn>
                                         <p:tgtEl>
-                                          <p:spTgt spid="571396"/>
+                                          <p:spTgt spid="2"/>
                                         </p:tgtEl>
                                         <p:attrNameLst>
                                           <p:attrName>style.visibility</p:attrName>
@@ -6459,7 +11091,193 @@
                                       <p:cBhvr>
                                         <p:cTn id="7" dur="2000"/>
                                         <p:tgtEl>
-                                          <p:spTgt spid="571396"/>
+                                          <p:spTgt spid="2"/>
+                                        </p:tgtEl>
+                                      </p:cBhvr>
+                                    </p:animEffect>
+                                  </p:childTnLst>
+                                </p:cTn>
+                              </p:par>
+                            </p:childTnLst>
+                          </p:cTn>
+                        </p:par>
+                        <p:par>
+                          <p:cTn id="8" fill="hold">
+                            <p:stCondLst>
+                              <p:cond delay="2000"/>
+                            </p:stCondLst>
+                            <p:childTnLst>
+                              <p:par>
+                                <p:cTn id="9" presetID="10" presetClass="entr" presetSubtype="0" fill="hold" grpId="0" nodeType="afterEffect">
+                                  <p:stCondLst>
+                                    <p:cond delay="0"/>
+                                  </p:stCondLst>
+                                  <p:childTnLst>
+                                    <p:set>
+                                      <p:cBhvr>
+                                        <p:cTn id="10" dur="1" fill="hold">
+                                          <p:stCondLst>
+                                            <p:cond delay="0"/>
+                                          </p:stCondLst>
+                                        </p:cTn>
+                                        <p:tgtEl>
+                                          <p:spTgt spid="19"/>
+                                        </p:tgtEl>
+                                        <p:attrNameLst>
+                                          <p:attrName>style.visibility</p:attrName>
+                                        </p:attrNameLst>
+                                      </p:cBhvr>
+                                      <p:to>
+                                        <p:strVal val="visible"/>
+                                      </p:to>
+                                    </p:set>
+                                    <p:animEffect transition="in" filter="fade">
+                                      <p:cBhvr>
+                                        <p:cTn id="11" dur="500"/>
+                                        <p:tgtEl>
+                                          <p:spTgt spid="19"/>
+                                        </p:tgtEl>
+                                      </p:cBhvr>
+                                    </p:animEffect>
+                                  </p:childTnLst>
+                                </p:cTn>
+                              </p:par>
+                            </p:childTnLst>
+                          </p:cTn>
+                        </p:par>
+                      </p:childTnLst>
+                    </p:cTn>
+                  </p:par>
+                  <p:par>
+                    <p:cTn id="12" fill="hold">
+                      <p:stCondLst>
+                        <p:cond delay="indefinite"/>
+                      </p:stCondLst>
+                      <p:childTnLst>
+                        <p:par>
+                          <p:cTn id="13" fill="hold">
+                            <p:stCondLst>
+                              <p:cond delay="0"/>
+                            </p:stCondLst>
+                            <p:childTnLst>
+                              <p:par>
+                                <p:cTn id="14" presetID="49" presetClass="entr" presetSubtype="0" decel="100000" fill="hold" nodeType="clickEffect">
+                                  <p:stCondLst>
+                                    <p:cond delay="0"/>
+                                  </p:stCondLst>
+                                  <p:childTnLst>
+                                    <p:set>
+                                      <p:cBhvr>
+                                        <p:cTn id="15" dur="1" fill="hold">
+                                          <p:stCondLst>
+                                            <p:cond delay="0"/>
+                                          </p:stCondLst>
+                                        </p:cTn>
+                                        <p:tgtEl>
+                                          <p:spTgt spid="4">
+                                            <p:txEl>
+                                              <p:pRg st="0" end="0"/>
+                                            </p:txEl>
+                                          </p:spTgt>
+                                        </p:tgtEl>
+                                        <p:attrNameLst>
+                                          <p:attrName>style.visibility</p:attrName>
+                                        </p:attrNameLst>
+                                      </p:cBhvr>
+                                      <p:to>
+                                        <p:strVal val="visible"/>
+                                      </p:to>
+                                    </p:set>
+                                    <p:anim calcmode="lin" valueType="num">
+                                      <p:cBhvr>
+                                        <p:cTn id="16" dur="1000" fill="hold"/>
+                                        <p:tgtEl>
+                                          <p:spTgt spid="4">
+                                            <p:txEl>
+                                              <p:pRg st="0" end="0"/>
+                                            </p:txEl>
+                                          </p:spTgt>
+                                        </p:tgtEl>
+                                        <p:attrNameLst>
+                                          <p:attrName>ppt_w</p:attrName>
+                                        </p:attrNameLst>
+                                      </p:cBhvr>
+                                      <p:tavLst>
+                                        <p:tav tm="0">
+                                          <p:val>
+                                            <p:fltVal val="0"/>
+                                          </p:val>
+                                        </p:tav>
+                                        <p:tav tm="100000">
+                                          <p:val>
+                                            <p:strVal val="#ppt_w"/>
+                                          </p:val>
+                                        </p:tav>
+                                      </p:tavLst>
+                                    </p:anim>
+                                    <p:anim calcmode="lin" valueType="num">
+                                      <p:cBhvr>
+                                        <p:cTn id="17" dur="1000" fill="hold"/>
+                                        <p:tgtEl>
+                                          <p:spTgt spid="4">
+                                            <p:txEl>
+                                              <p:pRg st="0" end="0"/>
+                                            </p:txEl>
+                                          </p:spTgt>
+                                        </p:tgtEl>
+                                        <p:attrNameLst>
+                                          <p:attrName>ppt_h</p:attrName>
+                                        </p:attrNameLst>
+                                      </p:cBhvr>
+                                      <p:tavLst>
+                                        <p:tav tm="0">
+                                          <p:val>
+                                            <p:fltVal val="0"/>
+                                          </p:val>
+                                        </p:tav>
+                                        <p:tav tm="100000">
+                                          <p:val>
+                                            <p:strVal val="#ppt_h"/>
+                                          </p:val>
+                                        </p:tav>
+                                      </p:tavLst>
+                                    </p:anim>
+                                    <p:anim calcmode="lin" valueType="num">
+                                      <p:cBhvr>
+                                        <p:cTn id="18" dur="1000" fill="hold"/>
+                                        <p:tgtEl>
+                                          <p:spTgt spid="4">
+                                            <p:txEl>
+                                              <p:pRg st="0" end="0"/>
+                                            </p:txEl>
+                                          </p:spTgt>
+                                        </p:tgtEl>
+                                        <p:attrNameLst>
+                                          <p:attrName>style.rotation</p:attrName>
+                                        </p:attrNameLst>
+                                      </p:cBhvr>
+                                      <p:tavLst>
+                                        <p:tav tm="0">
+                                          <p:val>
+                                            <p:fltVal val="360"/>
+                                          </p:val>
+                                        </p:tav>
+                                        <p:tav tm="100000">
+                                          <p:val>
+                                            <p:fltVal val="0"/>
+                                          </p:val>
+                                        </p:tav>
+                                      </p:tavLst>
+                                    </p:anim>
+                                    <p:animEffect transition="in" filter="fade">
+                                      <p:cBhvr>
+                                        <p:cTn id="19" dur="1000"/>
+                                        <p:tgtEl>
+                                          <p:spTgt spid="4">
+                                            <p:txEl>
+                                              <p:pRg st="0" end="0"/>
+                                            </p:txEl>
+                                          </p:spTgt>
                                         </p:tgtEl>
                                       </p:cBhvr>
                                     </p:animEffect>
@@ -6493,558 +11311,9 @@
         </p:cTn>
       </p:par>
     </p:tnLst>
-  </p:timing>
-</p:sld>
-</file>
-
-<file path=ppt/slides/slide8.xml><?xml version="1.0" encoding="utf-8"?>
-<p:sld xmlns:a="http://schemas.openxmlformats.org/drawingml/2006/main" xmlns:r="http://schemas.openxmlformats.org/officeDocument/2006/relationships" xmlns:p="http://schemas.openxmlformats.org/presentationml/2006/main" show="0">
-  <p:cSld>
-    <p:spTree>
-      <p:nvGrpSpPr>
-        <p:cNvPr id="1" name=""/>
-        <p:cNvGrpSpPr/>
-        <p:nvPr/>
-      </p:nvGrpSpPr>
-      <p:grpSpPr>
-        <a:xfrm>
-          <a:off x="0" y="0"/>
-          <a:ext cx="0" cy="0"/>
-          <a:chOff x="0" y="0"/>
-          <a:chExt cx="0" cy="0"/>
-        </a:xfrm>
-      </p:grpSpPr>
-      <p:graphicFrame>
-        <p:nvGraphicFramePr>
-          <p:cNvPr id="5122" name="Object 3"/>
-          <p:cNvGraphicFramePr>
-            <a:graphicFrameLocks noChangeAspect="1"/>
-          </p:cNvGraphicFramePr>
-          <p:nvPr>
-            <p:extLst>
-              <p:ext uri="{D42A27DB-BD31-4B8C-83A1-F6EECF244321}">
-                <p14:modId xmlns:p14="http://schemas.microsoft.com/office/powerpoint/2010/main" val="4103597954"/>
-              </p:ext>
-            </p:extLst>
-          </p:nvPr>
-        </p:nvGraphicFramePr>
-        <p:xfrm>
-          <a:off x="563563" y="1133475"/>
-          <a:ext cx="3178175" cy="2524125"/>
-        </p:xfrm>
-        <a:graphic>
-          <a:graphicData uri="http://schemas.openxmlformats.org/presentationml/2006/ole">
-            <mc:AlternateContent xmlns:mc="http://schemas.openxmlformats.org/markup-compatibility/2006">
-              <mc:Choice xmlns:v="urn:schemas-microsoft-com:vml" Requires="v">
-                <p:oleObj spid="_x0000_s198725" name="Equation" r:id="rId4" imgW="622300" imgH="495300" progId="Equation.DSMT4">
-                  <p:embed/>
-                </p:oleObj>
-              </mc:Choice>
-              <mc:Fallback>
-                <p:oleObj name="Equation" r:id="rId4" imgW="622300" imgH="495300" progId="Equation.DSMT4">
-                  <p:embed/>
-                  <p:pic>
-                    <p:nvPicPr>
-                      <p:cNvPr id="0" name="Object 3"/>
-                      <p:cNvPicPr>
-                        <a:picLocks noChangeAspect="1" noChangeArrowheads="1"/>
-                      </p:cNvPicPr>
-                      <p:nvPr/>
-                    </p:nvPicPr>
-                    <p:blipFill>
-                      <a:blip r:embed="rId5"/>
-                      <a:srcRect/>
-                      <a:stretch>
-                        <a:fillRect/>
-                      </a:stretch>
-                    </p:blipFill>
-                    <p:spPr bwMode="auto">
-                      <a:xfrm>
-                        <a:off x="563563" y="1133475"/>
-                        <a:ext cx="3178175" cy="2524125"/>
-                      </a:xfrm>
-                      <a:prstGeom prst="rect">
-                        <a:avLst/>
-                      </a:prstGeom>
-                      <a:noFill/>
-                      <a:extLst>
-                        <a:ext uri="{909E8E84-426E-40dd-AFC4-6F175D3DCCD1}">
-                          <a14:hiddenFill xmlns:a14="http://schemas.microsoft.com/office/drawing/2010/main">
-                            <a:solidFill>
-                              <a:srgbClr val="FFFFFF"/>
-                            </a:solidFill>
-                          </a14:hiddenFill>
-                        </a:ext>
-                      </a:extLst>
-                    </p:spPr>
-                  </p:pic>
-                </p:oleObj>
-              </mc:Fallback>
-            </mc:AlternateContent>
-          </a:graphicData>
-        </a:graphic>
-      </p:graphicFrame>
-      <p:sp>
-        <p:nvSpPr>
-          <p:cNvPr id="5124" name="Rectangle 2"/>
-          <p:cNvSpPr>
-            <a:spLocks noGrp="1" noChangeArrowheads="1"/>
-          </p:cNvSpPr>
-          <p:nvPr>
-            <p:ph type="title"/>
-          </p:nvPr>
-        </p:nvSpPr>
-        <p:spPr>
-          <a:xfrm>
-            <a:off x="1600200" y="304800"/>
-            <a:ext cx="6019800" cy="1143000"/>
-          </a:xfrm>
-        </p:spPr>
-        <p:txBody>
-          <a:bodyPr/>
-          <a:lstStyle/>
-          <a:p>
-            <a:pPr eaLnBrk="1" hangingPunct="1"/>
-            <a:r>
-              <a:rPr lang="en-US" dirty="0" smtClean="0">
-                <a:latin typeface="Comic Sans MS" pitchFamily="66" charset="0"/>
-              </a:rPr>
-              <a:t>Inclusion-Excl</a:t>
-            </a:r>
-            <a:r>
-              <a:rPr lang="en-US" dirty="0" smtClean="0"/>
-              <a:t>usion</a:t>
-            </a:r>
-            <a:endParaRPr lang="en-US" dirty="0" smtClean="0">
-              <a:latin typeface="Comic Sans MS" pitchFamily="66" charset="0"/>
-            </a:endParaRPr>
-          </a:p>
-        </p:txBody>
-      </p:sp>
-      <p:sp>
-        <p:nvSpPr>
-          <p:cNvPr id="5125" name="Slide Number Placeholder 7"/>
-          <p:cNvSpPr>
-            <a:spLocks noGrp="1"/>
-          </p:cNvSpPr>
-          <p:nvPr>
-            <p:ph type="sldNum" sz="quarter" idx="10"/>
-          </p:nvPr>
-        </p:nvSpPr>
-        <p:spPr>
-          <a:noFill/>
-        </p:spPr>
-        <p:txBody>
-          <a:bodyPr/>
-          <a:lstStyle/>
-          <a:p>
-            <a:r>
-              <a:rPr lang="en-US" dirty="0" err="1" smtClean="0"/>
-              <a:t>incexcI</a:t>
-            </a:r>
-            <a:r>
-              <a:rPr lang="en-US" dirty="0" smtClean="0"/>
-              <a:t>.</a:t>
-            </a:r>
-            <a:fld id="{440333D2-3154-4D4B-AAB9-AB5679BA8A30}" type="slidenum">
-              <a:rPr lang="en-US" smtClean="0"/>
-              <a:pPr/>
-              <a:t>8</a:t>
-            </a:fld>
-            <a:endParaRPr lang="en-US" dirty="0" smtClean="0"/>
-          </a:p>
-        </p:txBody>
-      </p:sp>
-      <p:graphicFrame>
-        <p:nvGraphicFramePr>
-          <p:cNvPr id="2" name="Object 1"/>
-          <p:cNvGraphicFramePr>
-            <a:graphicFrameLocks noChangeAspect="1"/>
-          </p:cNvGraphicFramePr>
-          <p:nvPr>
-            <p:extLst>
-              <p:ext uri="{D42A27DB-BD31-4B8C-83A1-F6EECF244321}">
-                <p14:modId xmlns:p14="http://schemas.microsoft.com/office/powerpoint/2010/main" val="3581708770"/>
-              </p:ext>
-            </p:extLst>
-          </p:nvPr>
-        </p:nvGraphicFramePr>
-        <p:xfrm>
-          <a:off x="304800" y="3733800"/>
-          <a:ext cx="8534400" cy="2133600"/>
-        </p:xfrm>
-        <a:graphic>
-          <a:graphicData uri="http://schemas.openxmlformats.org/presentationml/2006/ole">
-            <mc:AlternateContent xmlns:mc="http://schemas.openxmlformats.org/markup-compatibility/2006">
-              <mc:Choice xmlns:v="urn:schemas-microsoft-com:vml" Requires="v">
-                <p:oleObj spid="_x0000_s198726" name="Equation" r:id="rId6" imgW="2133600" imgH="533400" progId="Equation.DSMT4">
-                  <p:embed/>
-                </p:oleObj>
-              </mc:Choice>
-              <mc:Fallback>
-                <p:oleObj name="Equation" r:id="rId6" imgW="2133600" imgH="533400" progId="Equation.DSMT4">
-                  <p:embed/>
-                  <p:pic>
-                    <p:nvPicPr>
-                      <p:cNvPr id="0" name=""/>
-                      <p:cNvPicPr/>
-                      <p:nvPr/>
-                    </p:nvPicPr>
-                    <p:blipFill>
-                      <a:blip r:embed="rId7"/>
-                      <a:stretch>
-                        <a:fillRect/>
-                      </a:stretch>
-                    </p:blipFill>
-                    <p:spPr>
-                      <a:xfrm>
-                        <a:off x="304800" y="3733800"/>
-                        <a:ext cx="8534400" cy="2133600"/>
-                      </a:xfrm>
-                      <a:prstGeom prst="rect">
-                        <a:avLst/>
-                      </a:prstGeom>
-                    </p:spPr>
-                  </p:pic>
-                </p:oleObj>
-              </mc:Fallback>
-            </mc:AlternateContent>
-          </a:graphicData>
-        </a:graphic>
-      </p:graphicFrame>
-    </p:spTree>
-  </p:cSld>
-  <p:clrMapOvr>
-    <a:masterClrMapping/>
-  </p:clrMapOvr>
-  <p:transition xmlns:p14="http://schemas.microsoft.com/office/powerpoint/2010/main" spd="slow" advClick="0">
-    <p:fade/>
-  </p:transition>
-  <p:timing>
-    <p:tnLst>
-      <p:par>
-        <p:cTn xmlns:p14="http://schemas.microsoft.com/office/powerpoint/2010/main" id="1" dur="indefinite" restart="never" nodeType="tmRoot"/>
-      </p:par>
-    </p:tnLst>
-  </p:timing>
-</p:sld>
-</file>
-
-<file path=ppt/slides/slide9.xml><?xml version="1.0" encoding="utf-8"?>
-<p:sld xmlns:a="http://schemas.openxmlformats.org/drawingml/2006/main" xmlns:r="http://schemas.openxmlformats.org/officeDocument/2006/relationships" xmlns:p="http://schemas.openxmlformats.org/presentationml/2006/main" show="0">
-  <p:cSld>
-    <p:spTree>
-      <p:nvGrpSpPr>
-        <p:cNvPr id="1" name=""/>
-        <p:cNvGrpSpPr/>
-        <p:nvPr/>
-      </p:nvGrpSpPr>
-      <p:grpSpPr>
-        <a:xfrm>
-          <a:off x="0" y="0"/>
-          <a:ext cx="0" cy="0"/>
-          <a:chOff x="0" y="0"/>
-          <a:chExt cx="0" cy="0"/>
-        </a:xfrm>
-      </p:grpSpPr>
-      <p:graphicFrame>
-        <p:nvGraphicFramePr>
-          <p:cNvPr id="5122" name="Object 3"/>
-          <p:cNvGraphicFramePr>
-            <a:graphicFrameLocks noChangeAspect="1"/>
-          </p:cNvGraphicFramePr>
-          <p:nvPr>
-            <p:extLst>
-              <p:ext uri="{D42A27DB-BD31-4B8C-83A1-F6EECF244321}">
-                <p14:modId xmlns:p14="http://schemas.microsoft.com/office/powerpoint/2010/main" val="762641182"/>
-              </p:ext>
-            </p:extLst>
-          </p:nvPr>
-        </p:nvGraphicFramePr>
-        <p:xfrm>
-          <a:off x="563563" y="1133475"/>
-          <a:ext cx="3178175" cy="2524125"/>
-        </p:xfrm>
-        <a:graphic>
-          <a:graphicData uri="http://schemas.openxmlformats.org/presentationml/2006/ole">
-            <mc:AlternateContent xmlns:mc="http://schemas.openxmlformats.org/markup-compatibility/2006">
-              <mc:Choice xmlns:v="urn:schemas-microsoft-com:vml" Requires="v">
-                <p:oleObj spid="_x0000_s200746" name="Equation" r:id="rId4" imgW="622300" imgH="495300" progId="Equation.DSMT4">
-                  <p:embed/>
-                </p:oleObj>
-              </mc:Choice>
-              <mc:Fallback>
-                <p:oleObj name="Equation" r:id="rId4" imgW="622300" imgH="495300" progId="Equation.DSMT4">
-                  <p:embed/>
-                  <p:pic>
-                    <p:nvPicPr>
-                      <p:cNvPr id="0" name=""/>
-                      <p:cNvPicPr>
-                        <a:picLocks noChangeAspect="1" noChangeArrowheads="1"/>
-                      </p:cNvPicPr>
-                      <p:nvPr/>
-                    </p:nvPicPr>
-                    <p:blipFill>
-                      <a:blip r:embed="rId5"/>
-                      <a:srcRect/>
-                      <a:stretch>
-                        <a:fillRect/>
-                      </a:stretch>
-                    </p:blipFill>
-                    <p:spPr bwMode="auto">
-                      <a:xfrm>
-                        <a:off x="563563" y="1133475"/>
-                        <a:ext cx="3178175" cy="2524125"/>
-                      </a:xfrm>
-                      <a:prstGeom prst="rect">
-                        <a:avLst/>
-                      </a:prstGeom>
-                      <a:noFill/>
-                      <a:extLst>
-                        <a:ext uri="{909E8E84-426E-40dd-AFC4-6F175D3DCCD1}">
-                          <a14:hiddenFill xmlns:a14="http://schemas.microsoft.com/office/drawing/2010/main">
-                            <a:solidFill>
-                              <a:srgbClr val="FFFFFF"/>
-                            </a:solidFill>
-                          </a14:hiddenFill>
-                        </a:ext>
-                      </a:extLst>
-                    </p:spPr>
-                  </p:pic>
-                </p:oleObj>
-              </mc:Fallback>
-            </mc:AlternateContent>
-          </a:graphicData>
-        </a:graphic>
-      </p:graphicFrame>
-      <p:graphicFrame>
-        <p:nvGraphicFramePr>
-          <p:cNvPr id="571396" name="Object 4"/>
-          <p:cNvGraphicFramePr>
-            <a:graphicFrameLocks noChangeAspect="1"/>
-          </p:cNvGraphicFramePr>
-          <p:nvPr>
-            <p:extLst>
-              <p:ext uri="{D42A27DB-BD31-4B8C-83A1-F6EECF244321}">
-                <p14:modId xmlns:p14="http://schemas.microsoft.com/office/powerpoint/2010/main" val="3711612902"/>
-              </p:ext>
-            </p:extLst>
-          </p:nvPr>
-        </p:nvGraphicFramePr>
-        <p:xfrm>
-          <a:off x="1758950" y="3111500"/>
-          <a:ext cx="6538913" cy="2493963"/>
-        </p:xfrm>
-        <a:graphic>
-          <a:graphicData uri="http://schemas.openxmlformats.org/presentationml/2006/ole">
-            <mc:AlternateContent xmlns:mc="http://schemas.openxmlformats.org/markup-compatibility/2006">
-              <mc:Choice xmlns:v="urn:schemas-microsoft-com:vml" Requires="v">
-                <p:oleObj spid="_x0000_s200747" name="Equation" r:id="rId6" imgW="1295400" imgH="495300" progId="Equation.DSMT4">
-                  <p:embed/>
-                </p:oleObj>
-              </mc:Choice>
-              <mc:Fallback>
-                <p:oleObj name="Equation" r:id="rId6" imgW="1295400" imgH="495300" progId="Equation.DSMT4">
-                  <p:embed/>
-                  <p:pic>
-                    <p:nvPicPr>
-                      <p:cNvPr id="0" name=""/>
-                      <p:cNvPicPr>
-                        <a:picLocks noChangeAspect="1" noChangeArrowheads="1"/>
-                      </p:cNvPicPr>
-                      <p:nvPr/>
-                    </p:nvPicPr>
-                    <p:blipFill>
-                      <a:blip r:embed="rId7"/>
-                      <a:srcRect/>
-                      <a:stretch>
-                        <a:fillRect/>
-                      </a:stretch>
-                    </p:blipFill>
-                    <p:spPr bwMode="auto">
-                      <a:xfrm>
-                        <a:off x="1758950" y="3111500"/>
-                        <a:ext cx="6538913" cy="2493963"/>
-                      </a:xfrm>
-                      <a:prstGeom prst="rect">
-                        <a:avLst/>
-                      </a:prstGeom>
-                      <a:noFill/>
-                      <a:extLst>
-                        <a:ext uri="{909E8E84-426E-40dd-AFC4-6F175D3DCCD1}">
-                          <a14:hiddenFill xmlns:a14="http://schemas.microsoft.com/office/drawing/2010/main">
-                            <a:solidFill>
-                              <a:srgbClr val="FFFFFF"/>
-                            </a:solidFill>
-                          </a14:hiddenFill>
-                        </a:ext>
-                      </a:extLst>
-                    </p:spPr>
-                  </p:pic>
-                </p:oleObj>
-              </mc:Fallback>
-            </mc:AlternateContent>
-          </a:graphicData>
-        </a:graphic>
-      </p:graphicFrame>
-      <p:sp>
-        <p:nvSpPr>
-          <p:cNvPr id="5124" name="Rectangle 2"/>
-          <p:cNvSpPr>
-            <a:spLocks noGrp="1" noChangeArrowheads="1"/>
-          </p:cNvSpPr>
-          <p:nvPr>
-            <p:ph type="title"/>
-          </p:nvPr>
-        </p:nvSpPr>
-        <p:spPr>
-          <a:xfrm>
-            <a:off x="1600200" y="304800"/>
-            <a:ext cx="6019800" cy="1143000"/>
-          </a:xfrm>
-        </p:spPr>
-        <p:txBody>
-          <a:bodyPr/>
-          <a:lstStyle/>
-          <a:p>
-            <a:pPr eaLnBrk="1" hangingPunct="1"/>
-            <a:r>
-              <a:rPr lang="en-US" dirty="0" smtClean="0">
-                <a:latin typeface="Comic Sans MS" pitchFamily="66" charset="0"/>
-              </a:rPr>
-              <a:t>Inclusion-Excl</a:t>
-            </a:r>
-            <a:r>
-              <a:rPr lang="en-US" dirty="0" smtClean="0"/>
-              <a:t>usion</a:t>
-            </a:r>
-            <a:endParaRPr lang="en-US" dirty="0" smtClean="0">
-              <a:latin typeface="Comic Sans MS" pitchFamily="66" charset="0"/>
-            </a:endParaRPr>
-          </a:p>
-        </p:txBody>
-      </p:sp>
-      <p:sp>
-        <p:nvSpPr>
-          <p:cNvPr id="5125" name="Slide Number Placeholder 7"/>
-          <p:cNvSpPr>
-            <a:spLocks noGrp="1"/>
-          </p:cNvSpPr>
-          <p:nvPr>
-            <p:ph type="sldNum" sz="quarter" idx="10"/>
-          </p:nvPr>
-        </p:nvSpPr>
-        <p:spPr>
-          <a:noFill/>
-        </p:spPr>
-        <p:txBody>
-          <a:bodyPr/>
-          <a:lstStyle/>
-          <a:p>
-            <a:r>
-              <a:rPr lang="en-US" dirty="0" err="1" smtClean="0"/>
-              <a:t>incexcI</a:t>
-            </a:r>
-            <a:r>
-              <a:rPr lang="en-US" dirty="0" smtClean="0"/>
-              <a:t>.</a:t>
-            </a:r>
-            <a:fld id="{440333D2-3154-4D4B-AAB9-AB5679BA8A30}" type="slidenum">
-              <a:rPr lang="en-US" smtClean="0"/>
-              <a:pPr/>
-              <a:t>9</a:t>
-            </a:fld>
-            <a:endParaRPr lang="en-US" dirty="0" smtClean="0"/>
-          </a:p>
-        </p:txBody>
-      </p:sp>
-    </p:spTree>
-    <p:extLst>
-      <p:ext uri="{BB962C8B-B14F-4D97-AF65-F5344CB8AC3E}">
-        <p14:creationId xmlns:p14="http://schemas.microsoft.com/office/powerpoint/2010/main" val="4100464621"/>
-      </p:ext>
-    </p:extLst>
-  </p:cSld>
-  <p:clrMapOvr>
-    <a:masterClrMapping/>
-  </p:clrMapOvr>
-  <p:transition xmlns:p14="http://schemas.microsoft.com/office/powerpoint/2010/main" spd="slow" advClick="0">
-    <p:fade/>
-  </p:transition>
-  <p:timing>
-    <p:tnLst>
-      <p:par>
-        <p:cTn xmlns:p14="http://schemas.microsoft.com/office/powerpoint/2010/main" id="1" dur="indefinite" restart="never" nodeType="tmRoot">
-          <p:childTnLst>
-            <p:seq concurrent="1" nextAc="seek">
-              <p:cTn id="2" dur="indefinite" nodeType="mainSeq">
-                <p:childTnLst>
-                  <p:par>
-                    <p:cTn id="3" fill="hold">
-                      <p:stCondLst>
-                        <p:cond delay="indefinite"/>
-                      </p:stCondLst>
-                      <p:childTnLst>
-                        <p:par>
-                          <p:cTn id="4" fill="hold">
-                            <p:stCondLst>
-                              <p:cond delay="0"/>
-                            </p:stCondLst>
-                            <p:childTnLst>
-                              <p:par>
-                                <p:cTn id="5" presetID="1" presetClass="entr" presetSubtype="0" fill="hold" nodeType="clickEffect">
-                                  <p:stCondLst>
-                                    <p:cond delay="0"/>
-                                  </p:stCondLst>
-                                  <p:childTnLst>
-                                    <p:set>
-                                      <p:cBhvr>
-                                        <p:cTn id="6" dur="1" fill="hold">
-                                          <p:stCondLst>
-                                            <p:cond delay="0"/>
-                                          </p:stCondLst>
-                                        </p:cTn>
-                                        <p:tgtEl>
-                                          <p:spTgt spid="571396"/>
-                                        </p:tgtEl>
-                                        <p:attrNameLst>
-                                          <p:attrName>style.visibility</p:attrName>
-                                        </p:attrNameLst>
-                                      </p:cBhvr>
-                                      <p:to>
-                                        <p:strVal val="visible"/>
-                                      </p:to>
-                                    </p:set>
-                                  </p:childTnLst>
-                                </p:cTn>
-                              </p:par>
-                            </p:childTnLst>
-                          </p:cTn>
-                        </p:par>
-                      </p:childTnLst>
-                    </p:cTn>
-                  </p:par>
-                </p:childTnLst>
-              </p:cTn>
-              <p:prevCondLst>
-                <p:cond evt="onPrev" delay="0">
-                  <p:tgtEl>
-                    <p:sldTgt/>
-                  </p:tgtEl>
-                </p:cond>
-              </p:prevCondLst>
-              <p:nextCondLst>
-                <p:cond evt="onNext" delay="0">
-                  <p:tgtEl>
-                    <p:sldTgt/>
-                  </p:tgtEl>
-                </p:cond>
-              </p:nextCondLst>
-            </p:seq>
-          </p:childTnLst>
-        </p:cTn>
-      </p:par>
-    </p:tnLst>
+    <p:bldLst>
+      <p:bldP spid="19" grpId="0"/>
+    </p:bldLst>
   </p:timing>
 </p:sld>
 </file>
